--- a/PPT/03_向量大小与方向.pptx
+++ b/PPT/03_向量大小与方向.pptx
@@ -337,7 +337,7 @@
               <a:pPr>
                 <a:defRPr/>
               </a:pPr>
-              <a:t>2017/8/8</a:t>
+              <a:t>2017/8/9</a:t>
             </a:fld>
             <a:endParaRPr lang="zh-CN" altLang="en-US" sz="1200"/>
           </a:p>
@@ -3369,7 +3369,7 @@
         <p:spPr bwMode="auto">
           <a:xfrm>
             <a:off x="4473575" y="2787650"/>
-            <a:ext cx="4202113" cy="336550"/>
+            <a:ext cx="4202113" cy="336695"/>
           </a:xfrm>
           <a:prstGeom prst="rect">
             <a:avLst/>
@@ -3525,20 +3525,12 @@
               </a:lnSpc>
             </a:pPr>
             <a:r>
-              <a:rPr lang="zh-CN" altLang="en-US" sz="1200">
-                <a:solidFill>
-                  <a:srgbClr val="7F7F7F"/>
-                </a:solidFill>
-                <a:latin typeface="微软雅黑" panose="020B0503020204020204" pitchFamily="34" charset="-122"/>
-                <a:ea typeface="微软雅黑" panose="020B0503020204020204" pitchFamily="34" charset="-122"/>
-                <a:sym typeface="微软雅黑" panose="020B0503020204020204" pitchFamily="34" charset="-122"/>
-              </a:rPr>
-              <a:t>讲师的</a:t>
-            </a:r>
-            <a:r>
-              <a:rPr lang="en-US" altLang="zh-CN" sz="1200">
-                <a:solidFill>
-                  <a:srgbClr val="7F7F7F"/>
+              <a:rPr lang="en-US" altLang="zh-CN" sz="1200" dirty="0">
+                <a:solidFill>
+                  <a:schemeClr val="tx1">
+                    <a:lumMod val="65000"/>
+                    <a:lumOff val="35000"/>
+                  </a:schemeClr>
                 </a:solidFill>
                 <a:latin typeface="微软雅黑" panose="020B0503020204020204" pitchFamily="34" charset="-122"/>
                 <a:ea typeface="微软雅黑" panose="020B0503020204020204" pitchFamily="34" charset="-122"/>
@@ -3547,9 +3539,12 @@
               <a:t>CSDN</a:t>
             </a:r>
             <a:r>
-              <a:rPr lang="zh-CN" altLang="en-US" sz="1200">
-                <a:solidFill>
-                  <a:srgbClr val="7F7F7F"/>
+              <a:rPr lang="zh-CN" altLang="en-US" sz="1200" dirty="0">
+                <a:solidFill>
+                  <a:schemeClr val="tx1">
+                    <a:lumMod val="65000"/>
+                    <a:lumOff val="35000"/>
+                  </a:schemeClr>
                 </a:solidFill>
                 <a:latin typeface="微软雅黑" panose="020B0503020204020204" pitchFamily="34" charset="-122"/>
                 <a:ea typeface="微软雅黑" panose="020B0503020204020204" pitchFamily="34" charset="-122"/>
@@ -3557,9 +3552,12 @@
               </a:rPr>
               <a:t>博客地址</a:t>
             </a:r>
-            <a:endParaRPr lang="en-US" altLang="zh-CN" sz="1200">
+            <a:endParaRPr lang="en-US" altLang="zh-CN" sz="1200" dirty="0">
               <a:solidFill>
-                <a:srgbClr val="7F7F7F"/>
+                <a:schemeClr val="tx1">
+                  <a:lumMod val="65000"/>
+                  <a:lumOff val="35000"/>
+                </a:schemeClr>
               </a:solidFill>
               <a:latin typeface="微软雅黑" panose="020B0503020204020204" pitchFamily="34" charset="-122"/>
               <a:ea typeface="微软雅黑" panose="020B0503020204020204" pitchFamily="34" charset="-122"/>
@@ -3755,8 +3753,8 @@
         </p:nvSpPr>
         <p:spPr bwMode="auto">
           <a:xfrm>
-            <a:off x="4827588" y="2097088"/>
-            <a:ext cx="2470150" cy="738187"/>
+            <a:off x="4828318" y="2097088"/>
+            <a:ext cx="2468689" cy="700576"/>
           </a:xfrm>
           <a:prstGeom prst="rect">
             <a:avLst/>
@@ -3906,7 +3904,7 @@
             </a:lvl9pPr>
           </a:lstStyle>
           <a:p>
-            <a:pPr eaLnBrk="1" hangingPunct="1">
+            <a:pPr algn="ctr" eaLnBrk="1" hangingPunct="1">
               <a:lnSpc>
                 <a:spcPct val="150000"/>
               </a:lnSpc>
@@ -3922,7 +3920,7 @@
               </a:rPr>
               <a:t>张  赐</a:t>
             </a:r>
-            <a:endParaRPr lang="en-US" altLang="zh-CN" sz="1400">
+            <a:endParaRPr lang="en-US" altLang="zh-CN" sz="1400" dirty="0">
               <a:solidFill>
                 <a:schemeClr val="bg1"/>
               </a:solidFill>
@@ -3938,7 +3936,7 @@
               </a:lnSpc>
             </a:pPr>
             <a:r>
-              <a:rPr lang="en-US" altLang="zh-CN" sz="1400">
+              <a:rPr lang="en-US" altLang="zh-CN" sz="1400" dirty="0">
                 <a:solidFill>
                   <a:schemeClr val="bg1"/>
                 </a:solidFill>
@@ -4122,7 +4120,10 @@
             <a:r>
               <a:rPr lang="en-US" altLang="zh-CN" sz="1200">
                 <a:solidFill>
-                  <a:srgbClr val="A5A5A5"/>
+                  <a:schemeClr val="tx1">
+                    <a:lumMod val="65000"/>
+                    <a:lumOff val="35000"/>
+                  </a:schemeClr>
                 </a:solidFill>
                 <a:latin typeface="微软雅黑" panose="020B0503020204020204" pitchFamily="34" charset="-122"/>
                 <a:ea typeface="微软雅黑" panose="020B0503020204020204" pitchFamily="34" charset="-122"/>
@@ -4132,7 +4133,10 @@
             </a:r>
             <a:endParaRPr lang="zh-CN" altLang="en-US" sz="1200">
               <a:solidFill>
-                <a:srgbClr val="A5A5A5"/>
+                <a:schemeClr val="tx1">
+                  <a:lumMod val="65000"/>
+                  <a:lumOff val="35000"/>
+                </a:schemeClr>
               </a:solidFill>
               <a:latin typeface="微软雅黑" panose="020B0503020204020204" pitchFamily="34" charset="-122"/>
               <a:ea typeface="微软雅黑" panose="020B0503020204020204" pitchFamily="34" charset="-122"/>
@@ -4377,8 +4381,8 @@
           </a:p>
         </p:txBody>
       </p:sp>
-      <mc:AlternateContent xmlns:mc="http://schemas.openxmlformats.org/markup-compatibility/2006">
-        <mc:Choice xmlns:a14="http://schemas.microsoft.com/office/drawing/2010/main" Requires="a14">
+      <mc:AlternateContent xmlns:mc="http://schemas.openxmlformats.org/markup-compatibility/2006" xmlns:a14="http://schemas.microsoft.com/office/drawing/2010/main">
+        <mc:Choice Requires="a14">
           <p:sp>
             <p:nvSpPr>
               <p:cNvPr id="4" name="Content Placeholder 3">
@@ -4652,20 +4656,7 @@
                         <a:latin typeface="Cambria Math" panose="02040503050406030204" pitchFamily="18" charset="0"/>
                         <a:ea typeface="微软雅黑 Light" panose="020B0502040204020203" pitchFamily="34" charset="-122"/>
                       </a:rPr>
-                      <m:t>;</m:t>
-                    </m:r>
-                    <m:r>
-                      <a:rPr lang="en-US" altLang="zh-CN" sz="2800" i="1" dirty="0">
-                        <a:solidFill>
-                          <a:schemeClr val="tx1">
-                            <a:lumMod val="65000"/>
-                            <a:lumOff val="35000"/>
-                          </a:schemeClr>
-                        </a:solidFill>
-                        <a:latin typeface="Cambria Math" panose="02040503050406030204" pitchFamily="18" charset="0"/>
-                        <a:ea typeface="微软雅黑 Light" panose="020B0502040204020203" pitchFamily="34" charset="-122"/>
-                      </a:rPr>
-                      <m:t> </m:t>
+                      <m:t>; </m:t>
                     </m:r>
                     <m:acc>
                       <m:accPr>
@@ -5292,7 +5283,7 @@
             </p:txBody>
           </p:sp>
         </mc:Choice>
-        <mc:Fallback>
+        <mc:Fallback xmlns="">
           <p:sp>
             <p:nvSpPr>
               <p:cNvPr id="4" name="Content Placeholder 3">
@@ -5508,8 +5499,8 @@
           </a:p>
         </p:txBody>
       </p:sp>
-      <mc:AlternateContent xmlns:mc="http://schemas.openxmlformats.org/markup-compatibility/2006">
-        <mc:Choice xmlns:a14="http://schemas.microsoft.com/office/drawing/2010/main" Requires="a14">
+      <mc:AlternateContent xmlns:mc="http://schemas.openxmlformats.org/markup-compatibility/2006" xmlns:a14="http://schemas.microsoft.com/office/drawing/2010/main">
+        <mc:Choice Requires="a14">
           <p:sp>
             <p:nvSpPr>
               <p:cNvPr id="4" name="Content Placeholder 3">
@@ -5783,20 +5774,7 @@
                         <a:latin typeface="Cambria Math" panose="02040503050406030204" pitchFamily="18" charset="0"/>
                         <a:ea typeface="微软雅黑 Light" panose="020B0502040204020203" pitchFamily="34" charset="-122"/>
                       </a:rPr>
-                      <m:t>;</m:t>
-                    </m:r>
-                    <m:r>
-                      <a:rPr lang="en-US" altLang="zh-CN" sz="2800" i="1" dirty="0">
-                        <a:solidFill>
-                          <a:schemeClr val="tx1">
-                            <a:lumMod val="65000"/>
-                            <a:lumOff val="35000"/>
-                          </a:schemeClr>
-                        </a:solidFill>
-                        <a:latin typeface="Cambria Math" panose="02040503050406030204" pitchFamily="18" charset="0"/>
-                        <a:ea typeface="微软雅黑 Light" panose="020B0502040204020203" pitchFamily="34" charset="-122"/>
-                      </a:rPr>
-                      <m:t> </m:t>
+                      <m:t>; </m:t>
                     </m:r>
                     <m:acc>
                       <m:accPr>
@@ -6607,7 +6585,7 @@
             </p:txBody>
           </p:sp>
         </mc:Choice>
-        <mc:Fallback>
+        <mc:Fallback xmlns="">
           <p:sp>
             <p:nvSpPr>
               <p:cNvPr id="4" name="Content Placeholder 3">
@@ -6823,8 +6801,8 @@
           </a:p>
         </p:txBody>
       </p:sp>
-      <mc:AlternateContent xmlns:mc="http://schemas.openxmlformats.org/markup-compatibility/2006">
-        <mc:Choice xmlns:a14="http://schemas.microsoft.com/office/drawing/2010/main" Requires="a14">
+      <mc:AlternateContent xmlns:mc="http://schemas.openxmlformats.org/markup-compatibility/2006" xmlns:a14="http://schemas.microsoft.com/office/drawing/2010/main">
+        <mc:Choice Requires="a14">
           <p:sp>
             <p:nvSpPr>
               <p:cNvPr id="4" name="Content Placeholder 3">
@@ -7098,20 +7076,7 @@
                         <a:latin typeface="Cambria Math" panose="02040503050406030204" pitchFamily="18" charset="0"/>
                         <a:ea typeface="微软雅黑 Light" panose="020B0502040204020203" pitchFamily="34" charset="-122"/>
                       </a:rPr>
-                      <m:t>;</m:t>
-                    </m:r>
-                    <m:r>
-                      <a:rPr lang="en-US" altLang="zh-CN" sz="2800" i="1" dirty="0">
-                        <a:solidFill>
-                          <a:schemeClr val="tx1">
-                            <a:lumMod val="65000"/>
-                            <a:lumOff val="35000"/>
-                          </a:schemeClr>
-                        </a:solidFill>
-                        <a:latin typeface="Cambria Math" panose="02040503050406030204" pitchFamily="18" charset="0"/>
-                        <a:ea typeface="微软雅黑 Light" panose="020B0502040204020203" pitchFamily="34" charset="-122"/>
-                      </a:rPr>
-                      <m:t> </m:t>
+                      <m:t>; </m:t>
                     </m:r>
                     <m:acc>
                       <m:accPr>
@@ -8246,7 +8211,7 @@
             </p:txBody>
           </p:sp>
         </mc:Choice>
-        <mc:Fallback>
+        <mc:Fallback xmlns="">
           <p:sp>
             <p:nvSpPr>
               <p:cNvPr id="4" name="Content Placeholder 3">
@@ -8462,8 +8427,8 @@
           </a:p>
         </p:txBody>
       </p:sp>
-      <mc:AlternateContent xmlns:mc="http://schemas.openxmlformats.org/markup-compatibility/2006">
-        <mc:Choice xmlns:a14="http://schemas.microsoft.com/office/drawing/2010/main" Requires="a14">
+      <mc:AlternateContent xmlns:mc="http://schemas.openxmlformats.org/markup-compatibility/2006" xmlns:a14="http://schemas.microsoft.com/office/drawing/2010/main">
+        <mc:Choice Requires="a14">
           <p:sp>
             <p:nvSpPr>
               <p:cNvPr id="4" name="Content Placeholder 3">
@@ -8737,20 +8702,7 @@
                         <a:latin typeface="Cambria Math" panose="02040503050406030204" pitchFamily="18" charset="0"/>
                         <a:ea typeface="微软雅黑 Light" panose="020B0502040204020203" pitchFamily="34" charset="-122"/>
                       </a:rPr>
-                      <m:t>;</m:t>
-                    </m:r>
-                    <m:r>
-                      <a:rPr lang="en-US" altLang="zh-CN" sz="2800" i="1" dirty="0">
-                        <a:solidFill>
-                          <a:schemeClr val="tx1">
-                            <a:lumMod val="65000"/>
-                            <a:lumOff val="35000"/>
-                          </a:schemeClr>
-                        </a:solidFill>
-                        <a:latin typeface="Cambria Math" panose="02040503050406030204" pitchFamily="18" charset="0"/>
-                        <a:ea typeface="微软雅黑 Light" panose="020B0502040204020203" pitchFamily="34" charset="-122"/>
-                      </a:rPr>
-                      <m:t> </m:t>
+                      <m:t>; </m:t>
                     </m:r>
                     <m:acc>
                       <m:accPr>
@@ -9885,7 +9837,7 @@
             </p:txBody>
           </p:sp>
         </mc:Choice>
-        <mc:Fallback>
+        <mc:Fallback xmlns="">
           <p:sp>
             <p:nvSpPr>
               <p:cNvPr id="4" name="Content Placeholder 3">
@@ -9950,8 +9902,8 @@
             <a:chExt cx="876887" cy="1492711"/>
           </a:xfrm>
         </p:grpSpPr>
-        <mc:AlternateContent xmlns:mc="http://schemas.openxmlformats.org/markup-compatibility/2006">
-          <mc:Choice xmlns:a14="http://schemas.microsoft.com/office/drawing/2010/main" Requires="a14">
+        <mc:AlternateContent xmlns:mc="http://schemas.openxmlformats.org/markup-compatibility/2006" xmlns:a14="http://schemas.microsoft.com/office/drawing/2010/main">
+          <mc:Choice Requires="a14">
             <p:sp>
               <p:nvSpPr>
                 <p:cNvPr id="6" name="文本框 5">
@@ -10025,7 +9977,7 @@
               </p:txBody>
             </p:sp>
           </mc:Choice>
-          <mc:Fallback>
+          <mc:Fallback xmlns="">
             <p:sp>
               <p:nvSpPr>
                 <p:cNvPr id="6" name="文本框 5">
@@ -10179,8 +10131,8 @@
             </a:fontRef>
           </p:style>
         </p:cxnSp>
-        <mc:AlternateContent xmlns:mc="http://schemas.openxmlformats.org/markup-compatibility/2006">
-          <mc:Choice xmlns:a14="http://schemas.microsoft.com/office/drawing/2010/main" Requires="a14">
+        <mc:AlternateContent xmlns:mc="http://schemas.openxmlformats.org/markup-compatibility/2006" xmlns:a14="http://schemas.microsoft.com/office/drawing/2010/main">
+          <mc:Choice Requires="a14">
             <p:sp>
               <p:nvSpPr>
                 <p:cNvPr id="10" name="文本框 9">
@@ -10261,7 +10213,7 @@
               </p:txBody>
             </p:sp>
           </mc:Choice>
-          <mc:Fallback>
+          <mc:Fallback xmlns="">
             <p:sp>
               <p:nvSpPr>
                 <p:cNvPr id="10" name="文本框 9">
@@ -10351,8 +10303,8 @@
           </a:fontRef>
         </p:style>
       </p:cxnSp>
-      <mc:AlternateContent xmlns:mc="http://schemas.openxmlformats.org/markup-compatibility/2006">
-        <mc:Choice xmlns:a14="http://schemas.microsoft.com/office/drawing/2010/main" Requires="a14">
+      <mc:AlternateContent xmlns:mc="http://schemas.openxmlformats.org/markup-compatibility/2006" xmlns:a14="http://schemas.microsoft.com/office/drawing/2010/main">
+        <mc:Choice Requires="a14">
           <p:sp>
             <p:nvSpPr>
               <p:cNvPr id="12" name="矩形 11">
@@ -10481,7 +10433,7 @@
             </p:txBody>
           </p:sp>
         </mc:Choice>
-        <mc:Fallback>
+        <mc:Fallback xmlns="">
           <p:sp>
             <p:nvSpPr>
               <p:cNvPr id="12" name="矩形 11">
@@ -12079,8 +12031,8 @@
           </a:p>
         </p:txBody>
       </p:sp>
-      <mc:AlternateContent xmlns:mc="http://schemas.openxmlformats.org/markup-compatibility/2006">
-        <mc:Choice xmlns:a14="http://schemas.microsoft.com/office/drawing/2010/main" Requires="a14">
+      <mc:AlternateContent xmlns:mc="http://schemas.openxmlformats.org/markup-compatibility/2006" xmlns:a14="http://schemas.microsoft.com/office/drawing/2010/main">
+        <mc:Choice Requires="a14">
           <p:sp>
             <p:nvSpPr>
               <p:cNvPr id="4" name="Content Placeholder 3">
@@ -12607,7 +12559,7 @@
             </p:txBody>
           </p:sp>
         </mc:Choice>
-        <mc:Fallback>
+        <mc:Fallback xmlns="">
           <p:sp>
             <p:nvSpPr>
               <p:cNvPr id="4" name="Content Placeholder 3">
@@ -12652,8 +12604,8 @@
           </p:sp>
         </mc:Fallback>
       </mc:AlternateContent>
-      <mc:AlternateContent xmlns:mc="http://schemas.openxmlformats.org/markup-compatibility/2006">
-        <mc:Choice xmlns:a14="http://schemas.microsoft.com/office/drawing/2010/main" Requires="a14">
+      <mc:AlternateContent xmlns:mc="http://schemas.openxmlformats.org/markup-compatibility/2006" xmlns:a14="http://schemas.microsoft.com/office/drawing/2010/main">
+        <mc:Choice Requires="a14">
           <p:sp>
             <p:nvSpPr>
               <p:cNvPr id="6" name="矩形 5">
@@ -12914,7 +12866,7 @@
             </p:txBody>
           </p:sp>
         </mc:Choice>
-        <mc:Fallback>
+        <mc:Fallback xmlns="">
           <p:sp>
             <p:nvSpPr>
               <p:cNvPr id="6" name="矩形 5">
@@ -13125,8 +13077,8 @@
           </a:p>
         </p:txBody>
       </p:sp>
-      <mc:AlternateContent xmlns:mc="http://schemas.openxmlformats.org/markup-compatibility/2006">
-        <mc:Choice xmlns:a14="http://schemas.microsoft.com/office/drawing/2010/main" Requires="a14">
+      <mc:AlternateContent xmlns:mc="http://schemas.openxmlformats.org/markup-compatibility/2006" xmlns:a14="http://schemas.microsoft.com/office/drawing/2010/main">
+        <mc:Choice Requires="a14">
           <p:sp>
             <p:nvSpPr>
               <p:cNvPr id="4" name="Content Placeholder 3">
@@ -13618,7 +13570,7 @@
             </p:txBody>
           </p:sp>
         </mc:Choice>
-        <mc:Fallback>
+        <mc:Fallback xmlns="">
           <p:sp>
             <p:nvSpPr>
               <p:cNvPr id="4" name="Content Placeholder 3">
@@ -13834,8 +13786,8 @@
           </a:p>
         </p:txBody>
       </p:sp>
-      <mc:AlternateContent xmlns:mc="http://schemas.openxmlformats.org/markup-compatibility/2006">
-        <mc:Choice xmlns:a14="http://schemas.microsoft.com/office/drawing/2010/main" Requires="a14">
+      <mc:AlternateContent xmlns:mc="http://schemas.openxmlformats.org/markup-compatibility/2006" xmlns:a14="http://schemas.microsoft.com/office/drawing/2010/main">
+        <mc:Choice Requires="a14">
           <p:sp>
             <p:nvSpPr>
               <p:cNvPr id="4" name="Content Placeholder 3">
@@ -14327,7 +14279,7 @@
             </p:txBody>
           </p:sp>
         </mc:Choice>
-        <mc:Fallback>
+        <mc:Fallback xmlns="">
           <p:sp>
             <p:nvSpPr>
               <p:cNvPr id="4" name="Content Placeholder 3">
@@ -14372,8 +14324,8 @@
           </p:sp>
         </mc:Fallback>
       </mc:AlternateContent>
-      <mc:AlternateContent xmlns:mc="http://schemas.openxmlformats.org/markup-compatibility/2006">
-        <mc:Choice xmlns:a14="http://schemas.microsoft.com/office/drawing/2010/main" Requires="a14">
+      <mc:AlternateContent xmlns:mc="http://schemas.openxmlformats.org/markup-compatibility/2006" xmlns:a14="http://schemas.microsoft.com/office/drawing/2010/main">
+        <mc:Choice Requires="a14">
           <p:sp>
             <p:nvSpPr>
               <p:cNvPr id="7" name="矩形 6">
@@ -14775,7 +14727,7 @@
             </p:txBody>
           </p:sp>
         </mc:Choice>
-        <mc:Fallback>
+        <mc:Fallback xmlns="">
           <p:sp>
             <p:nvSpPr>
               <p:cNvPr id="7" name="矩形 6">
@@ -15376,8 +15328,8 @@
           </a:p>
         </p:txBody>
       </p:sp>
-      <mc:AlternateContent xmlns:mc="http://schemas.openxmlformats.org/markup-compatibility/2006">
-        <mc:Choice xmlns:a14="http://schemas.microsoft.com/office/drawing/2010/main" Requires="a14">
+      <mc:AlternateContent xmlns:mc="http://schemas.openxmlformats.org/markup-compatibility/2006" xmlns:a14="http://schemas.microsoft.com/office/drawing/2010/main">
+        <mc:Choice Requires="a14">
           <p:sp>
             <p:nvSpPr>
               <p:cNvPr id="2" name="矩形 1">
@@ -15405,6 +15357,7 @@
               </a:bodyPr>
               <a:lstStyle/>
               <a:p>
+                <a:pPr/>
                 <a14:m>
                   <m:oMathPara xmlns:m="http://schemas.openxmlformats.org/officeDocument/2006/math">
                     <m:oMathParaPr>
@@ -15595,7 +15548,7 @@
             </p:txBody>
           </p:sp>
         </mc:Choice>
-        <mc:Fallback>
+        <mc:Fallback xmlns="">
           <p:sp>
             <p:nvSpPr>
               <p:cNvPr id="2" name="矩形 1">
@@ -15811,8 +15764,8 @@
           </a:p>
         </p:txBody>
       </p:sp>
-      <mc:AlternateContent xmlns:mc="http://schemas.openxmlformats.org/markup-compatibility/2006">
-        <mc:Choice xmlns:a14="http://schemas.microsoft.com/office/drawing/2010/main" Requires="a14">
+      <mc:AlternateContent xmlns:mc="http://schemas.openxmlformats.org/markup-compatibility/2006" xmlns:a14="http://schemas.microsoft.com/office/drawing/2010/main">
+        <mc:Choice Requires="a14">
           <p:sp>
             <p:nvSpPr>
               <p:cNvPr id="4" name="Content Placeholder 3">
@@ -16308,7 +16261,7 @@
             </p:txBody>
           </p:sp>
         </mc:Choice>
-        <mc:Fallback>
+        <mc:Fallback xmlns="">
           <p:sp>
             <p:nvSpPr>
               <p:cNvPr id="4" name="Content Placeholder 3">
@@ -16524,8 +16477,8 @@
           </a:p>
         </p:txBody>
       </p:sp>
-      <mc:AlternateContent xmlns:mc="http://schemas.openxmlformats.org/markup-compatibility/2006">
-        <mc:Choice xmlns:a14="http://schemas.microsoft.com/office/drawing/2010/main" Requires="a14">
+      <mc:AlternateContent xmlns:mc="http://schemas.openxmlformats.org/markup-compatibility/2006" xmlns:a14="http://schemas.microsoft.com/office/drawing/2010/main">
+        <mc:Choice Requires="a14">
           <p:sp>
             <p:nvSpPr>
               <p:cNvPr id="4" name="Content Placeholder 3">
@@ -17161,7 +17114,7 @@
             </p:txBody>
           </p:sp>
         </mc:Choice>
-        <mc:Fallback>
+        <mc:Fallback xmlns="">
           <p:sp>
             <p:nvSpPr>
               <p:cNvPr id="4" name="Content Placeholder 3">
@@ -17206,8 +17159,8 @@
           </p:sp>
         </mc:Fallback>
       </mc:AlternateContent>
-      <mc:AlternateContent xmlns:mc="http://schemas.openxmlformats.org/markup-compatibility/2006">
-        <mc:Choice xmlns:a14="http://schemas.microsoft.com/office/drawing/2010/main" Requires="a14">
+      <mc:AlternateContent xmlns:mc="http://schemas.openxmlformats.org/markup-compatibility/2006" xmlns:a14="http://schemas.microsoft.com/office/drawing/2010/main">
+        <mc:Choice Requires="a14">
           <p:sp>
             <p:nvSpPr>
               <p:cNvPr id="6" name="矩形 5">
@@ -17720,7 +17673,7 @@
             </p:txBody>
           </p:sp>
         </mc:Choice>
-        <mc:Fallback>
+        <mc:Fallback xmlns="">
           <p:sp>
             <p:nvSpPr>
               <p:cNvPr id="6" name="矩形 5">
@@ -18022,8 +17975,8 @@
           </a:p>
         </p:txBody>
       </p:sp>
-      <mc:AlternateContent xmlns:mc="http://schemas.openxmlformats.org/markup-compatibility/2006">
-        <mc:Choice xmlns:a14="http://schemas.microsoft.com/office/drawing/2010/main" Requires="a14">
+      <mc:AlternateContent xmlns:mc="http://schemas.openxmlformats.org/markup-compatibility/2006" xmlns:a14="http://schemas.microsoft.com/office/drawing/2010/main">
+        <mc:Choice Requires="a14">
           <p:sp>
             <p:nvSpPr>
               <p:cNvPr id="4" name="Content Placeholder 3">
@@ -18297,20 +18250,7 @@
                         <a:latin typeface="Cambria Math" panose="02040503050406030204" pitchFamily="18" charset="0"/>
                         <a:ea typeface="微软雅黑 Light" panose="020B0502040204020203" pitchFamily="34" charset="-122"/>
                       </a:rPr>
-                      <m:t>;</m:t>
-                    </m:r>
-                    <m:r>
-                      <a:rPr lang="en-US" altLang="zh-CN" sz="2800" i="1" dirty="0">
-                        <a:solidFill>
-                          <a:schemeClr val="tx1">
-                            <a:lumMod val="65000"/>
-                            <a:lumOff val="35000"/>
-                          </a:schemeClr>
-                        </a:solidFill>
-                        <a:latin typeface="Cambria Math" panose="02040503050406030204" pitchFamily="18" charset="0"/>
-                        <a:ea typeface="微软雅黑 Light" panose="020B0502040204020203" pitchFamily="34" charset="-122"/>
-                      </a:rPr>
-                      <m:t> </m:t>
+                      <m:t>; </m:t>
                     </m:r>
                     <m:acc>
                       <m:accPr>
@@ -19445,7 +19385,7 @@
             </p:txBody>
           </p:sp>
         </mc:Choice>
-        <mc:Fallback>
+        <mc:Fallback xmlns="">
           <p:sp>
             <p:nvSpPr>
               <p:cNvPr id="4" name="Content Placeholder 3">
@@ -19661,8 +19601,8 @@
           </a:p>
         </p:txBody>
       </p:sp>
-      <mc:AlternateContent xmlns:mc="http://schemas.openxmlformats.org/markup-compatibility/2006">
-        <mc:Choice xmlns:a14="http://schemas.microsoft.com/office/drawing/2010/main" Requires="a14">
+      <mc:AlternateContent xmlns:mc="http://schemas.openxmlformats.org/markup-compatibility/2006" xmlns:a14="http://schemas.microsoft.com/office/drawing/2010/main">
+        <mc:Choice Requires="a14">
           <p:sp>
             <p:nvSpPr>
               <p:cNvPr id="4" name="Content Placeholder 3">
@@ -19936,20 +19876,7 @@
                         <a:latin typeface="Cambria Math" panose="02040503050406030204" pitchFamily="18" charset="0"/>
                         <a:ea typeface="微软雅黑 Light" panose="020B0502040204020203" pitchFamily="34" charset="-122"/>
                       </a:rPr>
-                      <m:t>;</m:t>
-                    </m:r>
-                    <m:r>
-                      <a:rPr lang="en-US" altLang="zh-CN" sz="2800" i="1" dirty="0">
-                        <a:solidFill>
-                          <a:schemeClr val="tx1">
-                            <a:lumMod val="65000"/>
-                            <a:lumOff val="35000"/>
-                          </a:schemeClr>
-                        </a:solidFill>
-                        <a:latin typeface="Cambria Math" panose="02040503050406030204" pitchFamily="18" charset="0"/>
-                        <a:ea typeface="微软雅黑 Light" panose="020B0502040204020203" pitchFamily="34" charset="-122"/>
-                      </a:rPr>
-                      <m:t> </m:t>
+                      <m:t>; </m:t>
                     </m:r>
                     <m:acc>
                       <m:accPr>
@@ -20315,7 +20242,7 @@
             </p:txBody>
           </p:sp>
         </mc:Choice>
-        <mc:Fallback>
+        <mc:Fallback xmlns="">
           <p:sp>
             <p:nvSpPr>
               <p:cNvPr id="4" name="Content Placeholder 3">

--- a/PPT/03_向量大小与方向.pptx
+++ b/PPT/03_向量大小与方向.pptx
@@ -5,7 +5,7 @@
     <p:sldMasterId id="2147483648" r:id="rId1"/>
   </p:sldMasterIdLst>
   <p:notesMasterIdLst>
-    <p:notesMasterId r:id="rId16"/>
+    <p:notesMasterId r:id="rId15"/>
   </p:notesMasterIdLst>
   <p:sldIdLst>
     <p:sldId id="256" r:id="rId2"/>
@@ -15,13 +15,12 @@
     <p:sldId id="261" r:id="rId6"/>
     <p:sldId id="265" r:id="rId7"/>
     <p:sldId id="262" r:id="rId8"/>
-    <p:sldId id="263" r:id="rId9"/>
-    <p:sldId id="266" r:id="rId10"/>
-    <p:sldId id="267" r:id="rId11"/>
-    <p:sldId id="268" r:id="rId12"/>
-    <p:sldId id="269" r:id="rId13"/>
-    <p:sldId id="270" r:id="rId14"/>
-    <p:sldId id="259" r:id="rId15"/>
+    <p:sldId id="266" r:id="rId9"/>
+    <p:sldId id="267" r:id="rId10"/>
+    <p:sldId id="268" r:id="rId11"/>
+    <p:sldId id="269" r:id="rId12"/>
+    <p:sldId id="270" r:id="rId13"/>
+    <p:sldId id="259" r:id="rId14"/>
   </p:sldIdLst>
   <p:sldSz cx="9144000" cy="5143500" type="screen16x9"/>
   <p:notesSz cx="6858000" cy="9144000"/>
@@ -337,7 +336,7 @@
               <a:pPr>
                 <a:defRPr/>
               </a:pPr>
-              <a:t>2017/8/9</a:t>
+              <a:t>2017/8/10</a:t>
             </a:fld>
             <a:endParaRPr lang="zh-CN" altLang="en-US" sz="1200"/>
           </a:p>
@@ -5199,1124 +5198,6 @@
                   </a:rPr>
                   <a:t>     </a:t>
                 </a:r>
-                <a:endParaRPr lang="en-US" altLang="zh-CN" sz="2800" i="1" dirty="0">
-                  <a:solidFill>
-                    <a:schemeClr val="tx1">
-                      <a:lumMod val="65000"/>
-                      <a:lumOff val="35000"/>
-                    </a:schemeClr>
-                  </a:solidFill>
-                  <a:latin typeface="Cambria Math" panose="02040503050406030204" pitchFamily="18" charset="0"/>
-                  <a:ea typeface="微软雅黑 Light" panose="020B0502040204020203" pitchFamily="34" charset="-122"/>
-                </a:endParaRPr>
-              </a:p>
-              <a:p>
-                <a:pPr>
-                  <a:lnSpc>
-                    <a:spcPct val="150000"/>
-                  </a:lnSpc>
-                </a:pPr>
-                <a:endParaRPr lang="en-US" altLang="zh-CN" sz="2800" i="1" dirty="0">
-                  <a:solidFill>
-                    <a:schemeClr val="tx1">
-                      <a:lumMod val="65000"/>
-                      <a:lumOff val="35000"/>
-                    </a:schemeClr>
-                  </a:solidFill>
-                  <a:latin typeface="Cambria Math" panose="02040503050406030204" pitchFamily="18" charset="0"/>
-                  <a:ea typeface="微软雅黑 Light" panose="020B0502040204020203" pitchFamily="34" charset="-122"/>
-                </a:endParaRPr>
-              </a:p>
-              <a:p>
-                <a:pPr>
-                  <a:lnSpc>
-                    <a:spcPct val="150000"/>
-                  </a:lnSpc>
-                </a:pPr>
-                <a:endParaRPr lang="en-US" altLang="zh-CN" sz="2800" i="1" dirty="0">
-                  <a:solidFill>
-                    <a:schemeClr val="tx1">
-                      <a:lumMod val="65000"/>
-                      <a:lumOff val="35000"/>
-                    </a:schemeClr>
-                  </a:solidFill>
-                  <a:latin typeface="Cambria Math" panose="02040503050406030204" pitchFamily="18" charset="0"/>
-                  <a:ea typeface="微软雅黑 Light" panose="020B0502040204020203" pitchFamily="34" charset="-122"/>
-                </a:endParaRPr>
-              </a:p>
-              <a:p>
-                <a:pPr marL="0" indent="0">
-                  <a:lnSpc>
-                    <a:spcPct val="150000"/>
-                  </a:lnSpc>
-                  <a:buNone/>
-                </a:pPr>
-                <a:endParaRPr lang="en-US" altLang="zh-CN" sz="2800" dirty="0">
-                  <a:solidFill>
-                    <a:schemeClr val="tx1">
-                      <a:lumMod val="65000"/>
-                      <a:lumOff val="35000"/>
-                    </a:schemeClr>
-                  </a:solidFill>
-                  <a:latin typeface="微软雅黑 Light" panose="020B0502040204020203" pitchFamily="34" charset="-122"/>
-                  <a:ea typeface="微软雅黑 Light" panose="020B0502040204020203" pitchFamily="34" charset="-122"/>
-                </a:endParaRPr>
-              </a:p>
-              <a:p>
-                <a:pPr eaLnBrk="1" hangingPunct="1">
-                  <a:lnSpc>
-                    <a:spcPct val="150000"/>
-                  </a:lnSpc>
-                  <a:defRPr/>
-                </a:pPr>
-                <a:endParaRPr lang="en-US" altLang="zh-CN" sz="2800" dirty="0">
-                  <a:solidFill>
-                    <a:schemeClr val="tx1">
-                      <a:lumMod val="65000"/>
-                      <a:lumOff val="35000"/>
-                    </a:schemeClr>
-                  </a:solidFill>
-                  <a:latin typeface="微软雅黑 Light" panose="020B0502040204020203" pitchFamily="34" charset="-122"/>
-                  <a:ea typeface="微软雅黑 Light" panose="020B0502040204020203" pitchFamily="34" charset="-122"/>
-                </a:endParaRPr>
-              </a:p>
-            </p:txBody>
-          </p:sp>
-        </mc:Choice>
-        <mc:Fallback xmlns="">
-          <p:sp>
-            <p:nvSpPr>
-              <p:cNvPr id="4" name="Content Placeholder 3">
-                <a:extLst>
-                  <a:ext uri="{FF2B5EF4-FFF2-40B4-BE49-F238E27FC236}">
-                    <a16:creationId xmlns:a16="http://schemas.microsoft.com/office/drawing/2014/main" id="{368B2D2E-6A5C-4FE0-91BB-6CC0CC9AEF62}"/>
-                  </a:ext>
-                </a:extLst>
-              </p:cNvPr>
-              <p:cNvSpPr txBox="1">
-                <a:spLocks noRot="1" noChangeAspect="1" noMove="1" noResize="1" noEditPoints="1" noAdjustHandles="1" noChangeArrowheads="1" noChangeShapeType="1" noTextEdit="1"/>
-              </p:cNvSpPr>
-              <p:nvPr/>
-            </p:nvSpPr>
-            <p:spPr>
-              <a:xfrm>
-                <a:off x="457200" y="1131888"/>
-                <a:ext cx="8229600" cy="3925887"/>
-              </a:xfrm>
-              <a:prstGeom prst="rect">
-                <a:avLst/>
-              </a:prstGeom>
-              <a:blipFill>
-                <a:blip r:embed="rId3"/>
-                <a:stretch>
-                  <a:fillRect t="-1708"/>
-                </a:stretch>
-              </a:blipFill>
-            </p:spPr>
-            <p:txBody>
-              <a:bodyPr/>
-              <a:lstStyle/>
-              <a:p>
-                <a:r>
-                  <a:rPr lang="zh-CN" altLang="en-US">
-                    <a:noFill/>
-                  </a:rPr>
-                  <a:t> </a:t>
-                </a:r>
-              </a:p>
-            </p:txBody>
-          </p:sp>
-        </mc:Fallback>
-      </mc:AlternateContent>
-    </p:spTree>
-    <p:extLst>
-      <p:ext uri="{BB962C8B-B14F-4D97-AF65-F5344CB8AC3E}">
-        <p14:creationId xmlns:p14="http://schemas.microsoft.com/office/powerpoint/2010/main" val="3545364125"/>
-      </p:ext>
-    </p:extLst>
-  </p:cSld>
-  <p:clrMapOvr>
-    <a:masterClrMapping/>
-  </p:clrMapOvr>
-</p:sld>
-</file>
-
-<file path=ppt/slides/slide11.xml><?xml version="1.0" encoding="utf-8"?>
-<p:sld xmlns:a="http://schemas.openxmlformats.org/drawingml/2006/main" xmlns:r="http://schemas.openxmlformats.org/officeDocument/2006/relationships" xmlns:p="http://schemas.openxmlformats.org/presentationml/2006/main">
-  <p:cSld>
-    <p:spTree>
-      <p:nvGrpSpPr>
-        <p:cNvPr id="1" name=""/>
-        <p:cNvGrpSpPr/>
-        <p:nvPr/>
-      </p:nvGrpSpPr>
-      <p:grpSpPr>
-        <a:xfrm>
-          <a:off x="0" y="0"/>
-          <a:ext cx="0" cy="0"/>
-          <a:chOff x="0" y="0"/>
-          <a:chExt cx="0" cy="0"/>
-        </a:xfrm>
-      </p:grpSpPr>
-      <p:pic>
-        <p:nvPicPr>
-          <p:cNvPr id="3074" name="Picture 2">
-            <a:extLst>
-              <a:ext uri="{FF2B5EF4-FFF2-40B4-BE49-F238E27FC236}">
-                <a16:creationId xmlns:a16="http://schemas.microsoft.com/office/drawing/2014/main" id="{602C339E-BA86-4A21-AB6C-4F6D8491BC39}"/>
-              </a:ext>
-            </a:extLst>
-          </p:cNvPr>
-          <p:cNvPicPr>
-            <a:picLocks noChangeAspect="1" noChangeArrowheads="1"/>
-          </p:cNvPicPr>
-          <p:nvPr/>
-        </p:nvPicPr>
-        <p:blipFill>
-          <a:blip r:embed="rId2">
-            <a:extLst>
-              <a:ext uri="{28A0092B-C50C-407E-A947-70E740481C1C}">
-                <a14:useLocalDpi xmlns:a14="http://schemas.microsoft.com/office/drawing/2010/main" val="0"/>
-              </a:ext>
-            </a:extLst>
-          </a:blip>
-          <a:srcRect/>
-          <a:stretch>
-            <a:fillRect/>
-          </a:stretch>
-        </p:blipFill>
-        <p:spPr bwMode="auto">
-          <a:xfrm>
-            <a:off x="7956550" y="4606925"/>
-            <a:ext cx="1081088" cy="450850"/>
-          </a:xfrm>
-          <a:prstGeom prst="rect">
-            <a:avLst/>
-          </a:prstGeom>
-          <a:noFill/>
-          <a:ln>
-            <a:noFill/>
-          </a:ln>
-          <a:effectLst/>
-          <a:extLst>
-            <a:ext uri="{909E8E84-426E-40DD-AFC4-6F175D3DCCD1}">
-              <a14:hiddenFill xmlns:a14="http://schemas.microsoft.com/office/drawing/2010/main">
-                <a:solidFill>
-                  <a:srgbClr val="FFFFFF"/>
-                </a:solidFill>
-              </a14:hiddenFill>
-            </a:ext>
-            <a:ext uri="{91240B29-F687-4F45-9708-019B960494DF}">
-              <a14:hiddenLine xmlns:a14="http://schemas.microsoft.com/office/drawing/2010/main" w="9525">
-                <a:solidFill>
-                  <a:srgbClr val="000000"/>
-                </a:solidFill>
-                <a:miter lim="800000"/>
-                <a:headEnd/>
-                <a:tailEnd/>
-              </a14:hiddenLine>
-            </a:ext>
-            <a:ext uri="{AF507438-7753-43E0-B8FC-AC1667EBCBE1}">
-              <a14:hiddenEffects xmlns:a14="http://schemas.microsoft.com/office/drawing/2010/main">
-                <a:effectLst>
-                  <a:outerShdw dist="35921" dir="2700000" algn="ctr" rotWithShape="0">
-                    <a:srgbClr val="808080"/>
-                  </a:outerShdw>
-                </a:effectLst>
-              </a14:hiddenEffects>
-            </a:ext>
-          </a:extLst>
-        </p:spPr>
-      </p:pic>
-      <p:sp>
-        <p:nvSpPr>
-          <p:cNvPr id="3075" name="Title 1">
-            <a:extLst>
-              <a:ext uri="{FF2B5EF4-FFF2-40B4-BE49-F238E27FC236}">
-                <a16:creationId xmlns:a16="http://schemas.microsoft.com/office/drawing/2014/main" id="{666E1B67-1175-4598-AA77-794FC6629051}"/>
-              </a:ext>
-            </a:extLst>
-          </p:cNvPr>
-          <p:cNvSpPr>
-            <a:spLocks noGrp="1" noChangeArrowheads="1"/>
-          </p:cNvSpPr>
-          <p:nvPr>
-            <p:ph type="title"/>
-          </p:nvPr>
-        </p:nvSpPr>
-        <p:spPr bwMode="auto">
-          <a:xfrm>
-            <a:off x="457200" y="123825"/>
-            <a:ext cx="8229600" cy="711200"/>
-          </a:xfrm>
-          <a:noFill/>
-          <a:extLst>
-            <a:ext uri="{909E8E84-426E-40DD-AFC4-6F175D3DCCD1}">
-              <a14:hiddenFill xmlns:a14="http://schemas.microsoft.com/office/drawing/2010/main">
-                <a:solidFill>
-                  <a:srgbClr val="FFFFFF"/>
-                </a:solidFill>
-              </a14:hiddenFill>
-            </a:ext>
-            <a:ext uri="{91240B29-F687-4F45-9708-019B960494DF}">
-              <a14:hiddenLine xmlns:a14="http://schemas.microsoft.com/office/drawing/2010/main" w="9525">
-                <a:solidFill>
-                  <a:srgbClr val="000000"/>
-                </a:solidFill>
-                <a:miter lim="800000"/>
-                <a:headEnd/>
-                <a:tailEnd/>
-              </a14:hiddenLine>
-            </a:ext>
-          </a:extLst>
-        </p:spPr>
-        <p:txBody>
-          <a:bodyPr vert="horz" wrap="square" lIns="91440" tIns="45720" rIns="91440" bIns="45720" numCol="1" anchor="t" anchorCtr="0" compatLnSpc="1">
-            <a:prstTxWarp prst="textNoShape">
-              <a:avLst/>
-            </a:prstTxWarp>
-          </a:bodyPr>
-          <a:lstStyle/>
-          <a:p>
-            <a:pPr algn="l" eaLnBrk="1" hangingPunct="1"/>
-            <a:r>
-              <a:rPr lang="zh-CN" altLang="en-US" dirty="0">
-                <a:solidFill>
-                  <a:srgbClr val="C00000"/>
-                </a:solidFill>
-                <a:latin typeface="微软雅黑 Light" panose="020B0502040204020203" pitchFamily="34" charset="-122"/>
-                <a:ea typeface="微软雅黑 Light" panose="020B0502040204020203" pitchFamily="34" charset="-122"/>
-              </a:rPr>
-              <a:t>向量运算的性质</a:t>
-            </a:r>
-            <a:endParaRPr lang="en-US" altLang="zh-CN" dirty="0">
-              <a:solidFill>
-                <a:srgbClr val="C00000"/>
-              </a:solidFill>
-              <a:latin typeface="微软雅黑 Light" panose="020B0502040204020203" pitchFamily="34" charset="-122"/>
-              <a:ea typeface="微软雅黑 Light" panose="020B0502040204020203" pitchFamily="34" charset="-122"/>
-            </a:endParaRPr>
-          </a:p>
-        </p:txBody>
-      </p:sp>
-      <mc:AlternateContent xmlns:mc="http://schemas.openxmlformats.org/markup-compatibility/2006" xmlns:a14="http://schemas.microsoft.com/office/drawing/2010/main">
-        <mc:Choice Requires="a14">
-          <p:sp>
-            <p:nvSpPr>
-              <p:cNvPr id="4" name="Content Placeholder 3">
-                <a:extLst>
-                  <a:ext uri="{FF2B5EF4-FFF2-40B4-BE49-F238E27FC236}">
-                    <a16:creationId xmlns:a16="http://schemas.microsoft.com/office/drawing/2014/main" id="{368B2D2E-6A5C-4FE0-91BB-6CC0CC9AEF62}"/>
-                  </a:ext>
-                </a:extLst>
-              </p:cNvPr>
-              <p:cNvSpPr txBox="1">
-                <a:spLocks/>
-              </p:cNvSpPr>
-              <p:nvPr/>
-            </p:nvSpPr>
-            <p:spPr>
-              <a:xfrm>
-                <a:off x="457200" y="1131888"/>
-                <a:ext cx="8229600" cy="3925887"/>
-              </a:xfrm>
-              <a:prstGeom prst="rect">
-                <a:avLst/>
-              </a:prstGeom>
-            </p:spPr>
-            <p:txBody>
-              <a:bodyPr/>
-              <a:lstStyle>
-                <a:lvl1pPr marL="342900" indent="-342900" algn="l" rtl="0" fontAlgn="base">
-                  <a:spcBef>
-                    <a:spcPct val="20000"/>
-                  </a:spcBef>
-                  <a:spcAft>
-                    <a:spcPct val="0"/>
-                  </a:spcAft>
-                  <a:buFont typeface="Arial" panose="020B0604020202020204" pitchFamily="34" charset="0"/>
-                  <a:buChar char="•"/>
-                  <a:defRPr sz="3200" kern="1200">
-                    <a:solidFill>
-                      <a:schemeClr val="tx1"/>
-                    </a:solidFill>
-                    <a:latin typeface="+mn-lt"/>
-                    <a:ea typeface="+mn-ea"/>
-                    <a:cs typeface="+mn-cs"/>
-                    <a:sym typeface="Calibri" panose="020F0502020204030204" pitchFamily="34" charset="0"/>
-                  </a:defRPr>
-                </a:lvl1pPr>
-                <a:lvl2pPr marL="742950" indent="-285750" algn="l" rtl="0" fontAlgn="base">
-                  <a:spcBef>
-                    <a:spcPct val="20000"/>
-                  </a:spcBef>
-                  <a:spcAft>
-                    <a:spcPct val="0"/>
-                  </a:spcAft>
-                  <a:buFont typeface="Arial" panose="020B0604020202020204" pitchFamily="34" charset="0"/>
-                  <a:buChar char="–"/>
-                  <a:defRPr sz="2800" kern="1200">
-                    <a:solidFill>
-                      <a:schemeClr val="tx1"/>
-                    </a:solidFill>
-                    <a:latin typeface="+mn-lt"/>
-                    <a:ea typeface="+mn-ea"/>
-                    <a:cs typeface="+mn-cs"/>
-                    <a:sym typeface="Calibri" panose="020F0502020204030204" pitchFamily="34" charset="0"/>
-                  </a:defRPr>
-                </a:lvl2pPr>
-                <a:lvl3pPr marL="1143000" indent="-228600" algn="l" rtl="0" fontAlgn="base">
-                  <a:spcBef>
-                    <a:spcPct val="20000"/>
-                  </a:spcBef>
-                  <a:spcAft>
-                    <a:spcPct val="0"/>
-                  </a:spcAft>
-                  <a:buFont typeface="Arial" panose="020B0604020202020204" pitchFamily="34" charset="0"/>
-                  <a:buChar char="•"/>
-                  <a:defRPr sz="2400" kern="1200">
-                    <a:solidFill>
-                      <a:schemeClr val="tx1"/>
-                    </a:solidFill>
-                    <a:latin typeface="+mn-lt"/>
-                    <a:ea typeface="+mn-ea"/>
-                    <a:cs typeface="+mn-cs"/>
-                    <a:sym typeface="Calibri" panose="020F0502020204030204" pitchFamily="34" charset="0"/>
-                  </a:defRPr>
-                </a:lvl3pPr>
-                <a:lvl4pPr marL="1600200" indent="-228600" algn="l" rtl="0" fontAlgn="base">
-                  <a:spcBef>
-                    <a:spcPct val="20000"/>
-                  </a:spcBef>
-                  <a:spcAft>
-                    <a:spcPct val="0"/>
-                  </a:spcAft>
-                  <a:buFont typeface="Arial" panose="020B0604020202020204" pitchFamily="34" charset="0"/>
-                  <a:buChar char="–"/>
-                  <a:defRPr sz="2000" kern="1200">
-                    <a:solidFill>
-                      <a:schemeClr val="tx1"/>
-                    </a:solidFill>
-                    <a:latin typeface="+mn-lt"/>
-                    <a:ea typeface="+mn-ea"/>
-                    <a:cs typeface="+mn-cs"/>
-                    <a:sym typeface="Calibri" panose="020F0502020204030204" pitchFamily="34" charset="0"/>
-                  </a:defRPr>
-                </a:lvl4pPr>
-                <a:lvl5pPr marL="2057400" indent="-228600" algn="l" rtl="0" fontAlgn="base">
-                  <a:spcBef>
-                    <a:spcPct val="20000"/>
-                  </a:spcBef>
-                  <a:spcAft>
-                    <a:spcPct val="0"/>
-                  </a:spcAft>
-                  <a:buFont typeface="Arial" panose="020B0604020202020204" pitchFamily="34" charset="0"/>
-                  <a:buChar char="»"/>
-                  <a:defRPr sz="2000" kern="1200">
-                    <a:solidFill>
-                      <a:schemeClr val="tx1"/>
-                    </a:solidFill>
-                    <a:latin typeface="+mn-lt"/>
-                    <a:ea typeface="+mn-ea"/>
-                    <a:cs typeface="+mn-cs"/>
-                    <a:sym typeface="Calibri" panose="020F0502020204030204" pitchFamily="34" charset="0"/>
-                  </a:defRPr>
-                </a:lvl5pPr>
-                <a:lvl6pPr marL="2514600" indent="-228600" algn="l" defTabSz="914400" rtl="0" eaLnBrk="1" latinLnBrk="0" hangingPunct="1">
-                  <a:lnSpc>
-                    <a:spcPct val="90000"/>
-                  </a:lnSpc>
-                  <a:spcBef>
-                    <a:spcPts val="500"/>
-                  </a:spcBef>
-                  <a:buFont typeface="Arial" panose="020B0604020202020204" pitchFamily="34" charset="0"/>
-                  <a:buChar char="•"/>
-                  <a:defRPr sz="1800" kern="1200">
-                    <a:solidFill>
-                      <a:schemeClr val="tx1"/>
-                    </a:solidFill>
-                    <a:latin typeface="+mn-lt"/>
-                    <a:ea typeface="+mn-ea"/>
-                    <a:cs typeface="+mn-cs"/>
-                  </a:defRPr>
-                </a:lvl6pPr>
-                <a:lvl7pPr marL="2971800" indent="-228600" algn="l" defTabSz="914400" rtl="0" eaLnBrk="1" latinLnBrk="0" hangingPunct="1">
-                  <a:lnSpc>
-                    <a:spcPct val="90000"/>
-                  </a:lnSpc>
-                  <a:spcBef>
-                    <a:spcPts val="500"/>
-                  </a:spcBef>
-                  <a:buFont typeface="Arial" panose="020B0604020202020204" pitchFamily="34" charset="0"/>
-                  <a:buChar char="•"/>
-                  <a:defRPr sz="1800" kern="1200">
-                    <a:solidFill>
-                      <a:schemeClr val="tx1"/>
-                    </a:solidFill>
-                    <a:latin typeface="+mn-lt"/>
-                    <a:ea typeface="+mn-ea"/>
-                    <a:cs typeface="+mn-cs"/>
-                  </a:defRPr>
-                </a:lvl7pPr>
-                <a:lvl8pPr marL="3429000" indent="-228600" algn="l" defTabSz="914400" rtl="0" eaLnBrk="1" latinLnBrk="0" hangingPunct="1">
-                  <a:lnSpc>
-                    <a:spcPct val="90000"/>
-                  </a:lnSpc>
-                  <a:spcBef>
-                    <a:spcPts val="500"/>
-                  </a:spcBef>
-                  <a:buFont typeface="Arial" panose="020B0604020202020204" pitchFamily="34" charset="0"/>
-                  <a:buChar char="•"/>
-                  <a:defRPr sz="1800" kern="1200">
-                    <a:solidFill>
-                      <a:schemeClr val="tx1"/>
-                    </a:solidFill>
-                    <a:latin typeface="+mn-lt"/>
-                    <a:ea typeface="+mn-ea"/>
-                    <a:cs typeface="+mn-cs"/>
-                  </a:defRPr>
-                </a:lvl8pPr>
-                <a:lvl9pPr marL="3886200" indent="-228600" algn="l" defTabSz="914400" rtl="0" eaLnBrk="1" latinLnBrk="0" hangingPunct="1">
-                  <a:lnSpc>
-                    <a:spcPct val="90000"/>
-                  </a:lnSpc>
-                  <a:spcBef>
-                    <a:spcPts val="500"/>
-                  </a:spcBef>
-                  <a:buFont typeface="Arial" panose="020B0604020202020204" pitchFamily="34" charset="0"/>
-                  <a:buChar char="•"/>
-                  <a:defRPr sz="1800" kern="1200">
-                    <a:solidFill>
-                      <a:schemeClr val="tx1"/>
-                    </a:solidFill>
-                    <a:latin typeface="+mn-lt"/>
-                    <a:ea typeface="+mn-ea"/>
-                    <a:cs typeface="+mn-cs"/>
-                  </a:defRPr>
-                </a:lvl9pPr>
-              </a:lstStyle>
-              <a:p>
-                <a14:m>
-                  <m:oMath xmlns:m="http://schemas.openxmlformats.org/officeDocument/2006/math">
-                    <m:r>
-                      <a:rPr lang="en-US" altLang="zh-CN" sz="2800" i="1" dirty="0" smtClean="0">
-                        <a:solidFill>
-                          <a:schemeClr val="tx1">
-                            <a:lumMod val="65000"/>
-                            <a:lumOff val="35000"/>
-                          </a:schemeClr>
-                        </a:solidFill>
-                        <a:latin typeface="Cambria Math" panose="02040503050406030204" pitchFamily="18" charset="0"/>
-                        <a:ea typeface="微软雅黑 Light" panose="020B0502040204020203" pitchFamily="34" charset="-122"/>
-                      </a:rPr>
-                      <m:t>𝑎</m:t>
-                    </m:r>
-                    <m:r>
-                      <a:rPr lang="en-US" altLang="zh-CN" sz="2800" i="1" dirty="0" smtClean="0">
-                        <a:solidFill>
-                          <a:schemeClr val="tx1">
-                            <a:lumMod val="65000"/>
-                            <a:lumOff val="35000"/>
-                          </a:schemeClr>
-                        </a:solidFill>
-                        <a:latin typeface="Cambria Math" panose="02040503050406030204" pitchFamily="18" charset="0"/>
-                        <a:ea typeface="微软雅黑 Light" panose="020B0502040204020203" pitchFamily="34" charset="-122"/>
-                      </a:rPr>
-                      <m:t>,</m:t>
-                    </m:r>
-                    <m:r>
-                      <a:rPr lang="en-US" altLang="zh-CN" sz="2800" i="1" dirty="0" smtClean="0">
-                        <a:solidFill>
-                          <a:schemeClr val="tx1">
-                            <a:lumMod val="65000"/>
-                            <a:lumOff val="35000"/>
-                          </a:schemeClr>
-                        </a:solidFill>
-                        <a:latin typeface="Cambria Math" panose="02040503050406030204" pitchFamily="18" charset="0"/>
-                        <a:ea typeface="微软雅黑 Light" panose="020B0502040204020203" pitchFamily="34" charset="-122"/>
-                      </a:rPr>
-                      <m:t>𝑏</m:t>
-                    </m:r>
-                    <m:r>
-                      <a:rPr lang="en-US" altLang="zh-CN" sz="2800" i="1" dirty="0" smtClean="0">
-                        <a:solidFill>
-                          <a:schemeClr val="tx1">
-                            <a:lumMod val="65000"/>
-                            <a:lumOff val="35000"/>
-                          </a:schemeClr>
-                        </a:solidFill>
-                        <a:latin typeface="Cambria Math" panose="02040503050406030204" pitchFamily="18" charset="0"/>
-                        <a:ea typeface="微软雅黑 Light" panose="020B0502040204020203" pitchFamily="34" charset="-122"/>
-                      </a:rPr>
-                      <m:t>:</m:t>
-                    </m:r>
-                    <m:r>
-                      <a:rPr lang="zh-CN" altLang="en-US" sz="2800" i="1" dirty="0">
-                        <a:solidFill>
-                          <a:schemeClr val="tx1">
-                            <a:lumMod val="65000"/>
-                            <a:lumOff val="35000"/>
-                          </a:schemeClr>
-                        </a:solidFill>
-                        <a:latin typeface="Cambria Math" panose="02040503050406030204" pitchFamily="18" charset="0"/>
-                        <a:ea typeface="微软雅黑 Light" panose="020B0502040204020203" pitchFamily="34" charset="-122"/>
-                      </a:rPr>
-                      <m:t>标量</m:t>
-                    </m:r>
-                    <m:r>
-                      <a:rPr lang="en-US" altLang="zh-CN" sz="2800" i="1" dirty="0">
-                        <a:solidFill>
-                          <a:schemeClr val="tx1">
-                            <a:lumMod val="65000"/>
-                            <a:lumOff val="35000"/>
-                          </a:schemeClr>
-                        </a:solidFill>
-                        <a:latin typeface="Cambria Math" panose="02040503050406030204" pitchFamily="18" charset="0"/>
-                        <a:ea typeface="微软雅黑 Light" panose="020B0502040204020203" pitchFamily="34" charset="-122"/>
-                      </a:rPr>
-                      <m:t>; </m:t>
-                    </m:r>
-                    <m:acc>
-                      <m:accPr>
-                        <m:chr m:val="⃗"/>
-                        <m:ctrlPr>
-                          <a:rPr lang="en-US" altLang="zh-CN" sz="2800" i="1" dirty="0">
-                            <a:solidFill>
-                              <a:schemeClr val="tx1">
-                                <a:lumMod val="65000"/>
-                                <a:lumOff val="35000"/>
-                              </a:schemeClr>
-                            </a:solidFill>
-                            <a:latin typeface="Cambria Math" panose="02040503050406030204" pitchFamily="18" charset="0"/>
-                            <a:ea typeface="微软雅黑 Light" panose="020B0502040204020203" pitchFamily="34" charset="-122"/>
-                          </a:rPr>
-                        </m:ctrlPr>
-                      </m:accPr>
-                      <m:e>
-                        <m:r>
-                          <a:rPr lang="en-US" altLang="zh-CN" sz="2800" i="1" dirty="0">
-                            <a:solidFill>
-                              <a:schemeClr val="tx1">
-                                <a:lumMod val="65000"/>
-                                <a:lumOff val="35000"/>
-                              </a:schemeClr>
-                            </a:solidFill>
-                            <a:latin typeface="Cambria Math" panose="02040503050406030204" pitchFamily="18" charset="0"/>
-                            <a:ea typeface="微软雅黑 Light" panose="020B0502040204020203" pitchFamily="34" charset="-122"/>
-                          </a:rPr>
-                          <m:t>𝑝</m:t>
-                        </m:r>
-                      </m:e>
-                    </m:acc>
-                    <m:r>
-                      <a:rPr lang="en-US" altLang="zh-CN" sz="2800" i="1" dirty="0">
-                        <a:solidFill>
-                          <a:schemeClr val="tx1">
-                            <a:lumMod val="65000"/>
-                            <a:lumOff val="35000"/>
-                          </a:schemeClr>
-                        </a:solidFill>
-                        <a:latin typeface="Cambria Math" panose="02040503050406030204" pitchFamily="18" charset="0"/>
-                        <a:ea typeface="微软雅黑 Light" panose="020B0502040204020203" pitchFamily="34" charset="-122"/>
-                      </a:rPr>
-                      <m:t>,</m:t>
-                    </m:r>
-                    <m:acc>
-                      <m:accPr>
-                        <m:chr m:val="⃗"/>
-                        <m:ctrlPr>
-                          <a:rPr lang="en-US" altLang="zh-CN" sz="2800" i="1" dirty="0">
-                            <a:solidFill>
-                              <a:schemeClr val="tx1">
-                                <a:lumMod val="65000"/>
-                                <a:lumOff val="35000"/>
-                              </a:schemeClr>
-                            </a:solidFill>
-                            <a:latin typeface="Cambria Math" panose="02040503050406030204" pitchFamily="18" charset="0"/>
-                            <a:ea typeface="微软雅黑 Light" panose="020B0502040204020203" pitchFamily="34" charset="-122"/>
-                          </a:rPr>
-                        </m:ctrlPr>
-                      </m:accPr>
-                      <m:e>
-                        <m:r>
-                          <a:rPr lang="en-US" altLang="zh-CN" sz="2800" i="1" dirty="0">
-                            <a:solidFill>
-                              <a:schemeClr val="tx1">
-                                <a:lumMod val="65000"/>
-                                <a:lumOff val="35000"/>
-                              </a:schemeClr>
-                            </a:solidFill>
-                            <a:latin typeface="Cambria Math" panose="02040503050406030204" pitchFamily="18" charset="0"/>
-                            <a:ea typeface="微软雅黑 Light" panose="020B0502040204020203" pitchFamily="34" charset="-122"/>
-                          </a:rPr>
-                          <m:t>𝑞</m:t>
-                        </m:r>
-                      </m:e>
-                    </m:acc>
-                    <m:r>
-                      <a:rPr lang="en-US" altLang="zh-CN" sz="2800" i="1" dirty="0">
-                        <a:solidFill>
-                          <a:schemeClr val="tx1">
-                            <a:lumMod val="65000"/>
-                            <a:lumOff val="35000"/>
-                          </a:schemeClr>
-                        </a:solidFill>
-                        <a:latin typeface="Cambria Math" panose="02040503050406030204" pitchFamily="18" charset="0"/>
-                        <a:ea typeface="微软雅黑 Light" panose="020B0502040204020203" pitchFamily="34" charset="-122"/>
-                      </a:rPr>
-                      <m:t>:</m:t>
-                    </m:r>
-                  </m:oMath>
-                </a14:m>
-                <a:r>
-                  <a:rPr lang="zh-CN" altLang="en-US" sz="2800" dirty="0">
-                    <a:solidFill>
-                      <a:schemeClr val="tx1">
-                        <a:lumMod val="65000"/>
-                        <a:lumOff val="35000"/>
-                      </a:schemeClr>
-                    </a:solidFill>
-                    <a:latin typeface="微软雅黑 Light" panose="020B0502040204020203" pitchFamily="34" charset="-122"/>
-                    <a:ea typeface="微软雅黑 Light" panose="020B0502040204020203" pitchFamily="34" charset="-122"/>
-                  </a:rPr>
-                  <a:t>向量 </a:t>
-                </a:r>
-                <a:endParaRPr lang="en-US" altLang="zh-CN" sz="2800" dirty="0">
-                  <a:solidFill>
-                    <a:schemeClr val="tx1">
-                      <a:lumMod val="65000"/>
-                      <a:lumOff val="35000"/>
-                    </a:schemeClr>
-                  </a:solidFill>
-                  <a:latin typeface="微软雅黑 Light" panose="020B0502040204020203" pitchFamily="34" charset="-122"/>
-                  <a:ea typeface="微软雅黑 Light" panose="020B0502040204020203" pitchFamily="34" charset="-122"/>
-                </a:endParaRPr>
-              </a:p>
-              <a:p>
-                <a:pPr marL="0" indent="0">
-                  <a:lnSpc>
-                    <a:spcPct val="150000"/>
-                  </a:lnSpc>
-                  <a:buNone/>
-                </a:pPr>
-                <a:r>
-                  <a:rPr lang="en-US" altLang="zh-CN" sz="2800" dirty="0">
-                    <a:solidFill>
-                      <a:schemeClr val="tx1">
-                        <a:lumMod val="65000"/>
-                        <a:lumOff val="35000"/>
-                      </a:schemeClr>
-                    </a:solidFill>
-                    <a:ea typeface="微软雅黑 Light" panose="020B0502040204020203" pitchFamily="34" charset="-122"/>
-                  </a:rPr>
-                  <a:t>     </a:t>
-                </a:r>
-                <a14:m>
-                  <m:oMath xmlns:m="http://schemas.openxmlformats.org/officeDocument/2006/math">
-                    <m:d>
-                      <m:dPr>
-                        <m:begChr m:val="‖"/>
-                        <m:endChr m:val="‖"/>
-                        <m:ctrlPr>
-                          <a:rPr lang="en-US" altLang="zh-CN" sz="2800" i="1" dirty="0">
-                            <a:solidFill>
-                              <a:schemeClr val="tx1">
-                                <a:lumMod val="65000"/>
-                                <a:lumOff val="35000"/>
-                              </a:schemeClr>
-                            </a:solidFill>
-                            <a:latin typeface="Cambria Math" panose="02040503050406030204" pitchFamily="18" charset="0"/>
-                            <a:ea typeface="微软雅黑 Light" panose="020B0502040204020203" pitchFamily="34" charset="-122"/>
-                          </a:rPr>
-                        </m:ctrlPr>
-                      </m:dPr>
-                      <m:e>
-                        <m:acc>
-                          <m:accPr>
-                            <m:chr m:val="⃗"/>
-                            <m:ctrlPr>
-                              <a:rPr lang="en-US" altLang="zh-CN" sz="2800" i="1" dirty="0">
-                                <a:solidFill>
-                                  <a:schemeClr val="tx1">
-                                    <a:lumMod val="65000"/>
-                                    <a:lumOff val="35000"/>
-                                  </a:schemeClr>
-                                </a:solidFill>
-                                <a:latin typeface="Cambria Math" panose="02040503050406030204" pitchFamily="18" charset="0"/>
-                                <a:ea typeface="微软雅黑 Light" panose="020B0502040204020203" pitchFamily="34" charset="-122"/>
-                              </a:rPr>
-                            </m:ctrlPr>
-                          </m:accPr>
-                          <m:e>
-                            <m:r>
-                              <a:rPr lang="en-US" altLang="zh-CN" sz="2800" i="1" dirty="0">
-                                <a:solidFill>
-                                  <a:schemeClr val="tx1">
-                                    <a:lumMod val="65000"/>
-                                    <a:lumOff val="35000"/>
-                                  </a:schemeClr>
-                                </a:solidFill>
-                                <a:latin typeface="Cambria Math" panose="02040503050406030204" pitchFamily="18" charset="0"/>
-                                <a:ea typeface="微软雅黑 Light" panose="020B0502040204020203" pitchFamily="34" charset="-122"/>
-                              </a:rPr>
-                              <m:t>𝑝</m:t>
-                            </m:r>
-                          </m:e>
-                        </m:acc>
-                      </m:e>
-                    </m:d>
-                    <m:r>
-                      <a:rPr lang="en-US" altLang="zh-CN" sz="2800" dirty="0">
-                        <a:solidFill>
-                          <a:schemeClr val="tx1">
-                            <a:lumMod val="65000"/>
-                            <a:lumOff val="35000"/>
-                          </a:schemeClr>
-                        </a:solidFill>
-                        <a:latin typeface="Cambria Math" panose="02040503050406030204" pitchFamily="18" charset="0"/>
-                        <a:ea typeface="微软雅黑 Light" panose="020B0502040204020203" pitchFamily="34" charset="-122"/>
-                      </a:rPr>
-                      <m:t>≥</m:t>
-                    </m:r>
-                  </m:oMath>
-                </a14:m>
-                <a:r>
-                  <a:rPr lang="en-US" altLang="zh-CN" sz="2800" dirty="0">
-                    <a:solidFill>
-                      <a:schemeClr val="tx1">
-                        <a:lumMod val="65000"/>
-                        <a:lumOff val="35000"/>
-                      </a:schemeClr>
-                    </a:solidFill>
-                    <a:ea typeface="微软雅黑 Light" panose="020B0502040204020203" pitchFamily="34" charset="-122"/>
-                  </a:rPr>
-                  <a:t> </a:t>
-                </a:r>
-                <a14:m>
-                  <m:oMath xmlns:m="http://schemas.openxmlformats.org/officeDocument/2006/math">
-                    <m:r>
-                      <a:rPr lang="en-US" altLang="zh-CN" sz="2800" i="1" dirty="0">
-                        <a:solidFill>
-                          <a:schemeClr val="tx1">
-                            <a:lumMod val="65000"/>
-                            <a:lumOff val="35000"/>
-                          </a:schemeClr>
-                        </a:solidFill>
-                        <a:latin typeface="Cambria Math" panose="02040503050406030204" pitchFamily="18" charset="0"/>
-                        <a:ea typeface="微软雅黑 Light" panose="020B0502040204020203" pitchFamily="34" charset="-122"/>
-                      </a:rPr>
-                      <m:t>0</m:t>
-                    </m:r>
-                  </m:oMath>
-                </a14:m>
-                <a:endParaRPr lang="en-US" altLang="zh-CN" sz="2800" dirty="0">
-                  <a:solidFill>
-                    <a:schemeClr val="tx1">
-                      <a:lumMod val="65000"/>
-                      <a:lumOff val="35000"/>
-                    </a:schemeClr>
-                  </a:solidFill>
-                  <a:latin typeface="微软雅黑 Light" panose="020B0502040204020203" pitchFamily="34" charset="-122"/>
-                  <a:ea typeface="微软雅黑 Light" panose="020B0502040204020203" pitchFamily="34" charset="-122"/>
-                </a:endParaRPr>
-              </a:p>
-              <a:p>
-                <a:pPr marL="0" indent="0">
-                  <a:lnSpc>
-                    <a:spcPct val="150000"/>
-                  </a:lnSpc>
-                  <a:buNone/>
-                </a:pPr>
-                <a:r>
-                  <a:rPr lang="en-US" altLang="zh-CN" sz="2800" dirty="0">
-                    <a:solidFill>
-                      <a:schemeClr val="tx1">
-                        <a:lumMod val="65000"/>
-                        <a:lumOff val="35000"/>
-                      </a:schemeClr>
-                    </a:solidFill>
-                    <a:ea typeface="微软雅黑 Light" panose="020B0502040204020203" pitchFamily="34" charset="-122"/>
-                  </a:rPr>
-                  <a:t>     </a:t>
-                </a:r>
-                <a14:m>
-                  <m:oMath xmlns:m="http://schemas.openxmlformats.org/officeDocument/2006/math">
-                    <m:d>
-                      <m:dPr>
-                        <m:begChr m:val="‖"/>
-                        <m:endChr m:val="‖"/>
-                        <m:ctrlPr>
-                          <a:rPr lang="en-US" altLang="zh-CN" sz="2800" i="1" dirty="0">
-                            <a:solidFill>
-                              <a:schemeClr val="tx1">
-                                <a:lumMod val="65000"/>
-                                <a:lumOff val="35000"/>
-                              </a:schemeClr>
-                            </a:solidFill>
-                            <a:latin typeface="Cambria Math" panose="02040503050406030204" pitchFamily="18" charset="0"/>
-                            <a:ea typeface="微软雅黑 Light" panose="020B0502040204020203" pitchFamily="34" charset="-122"/>
-                          </a:rPr>
-                        </m:ctrlPr>
-                      </m:dPr>
-                      <m:e>
-                        <m:acc>
-                          <m:accPr>
-                            <m:chr m:val="⃗"/>
-                            <m:ctrlPr>
-                              <a:rPr lang="en-US" altLang="zh-CN" sz="2800" i="1" dirty="0">
-                                <a:solidFill>
-                                  <a:schemeClr val="tx1">
-                                    <a:lumMod val="65000"/>
-                                    <a:lumOff val="35000"/>
-                                  </a:schemeClr>
-                                </a:solidFill>
-                                <a:latin typeface="Cambria Math" panose="02040503050406030204" pitchFamily="18" charset="0"/>
-                                <a:ea typeface="微软雅黑 Light" panose="020B0502040204020203" pitchFamily="34" charset="-122"/>
-                              </a:rPr>
-                            </m:ctrlPr>
-                          </m:accPr>
-                          <m:e>
-                            <m:r>
-                              <a:rPr lang="en-US" altLang="zh-CN" sz="2800" i="1" dirty="0">
-                                <a:solidFill>
-                                  <a:schemeClr val="tx1">
-                                    <a:lumMod val="65000"/>
-                                    <a:lumOff val="35000"/>
-                                  </a:schemeClr>
-                                </a:solidFill>
-                                <a:latin typeface="Cambria Math" panose="02040503050406030204" pitchFamily="18" charset="0"/>
-                                <a:ea typeface="微软雅黑 Light" panose="020B0502040204020203" pitchFamily="34" charset="-122"/>
-                              </a:rPr>
-                              <m:t>𝑝</m:t>
-                            </m:r>
-                          </m:e>
-                        </m:acc>
-                      </m:e>
-                    </m:d>
-                    <m:r>
-                      <a:rPr lang="en-US" altLang="zh-CN" sz="2800" dirty="0">
-                        <a:solidFill>
-                          <a:schemeClr val="tx1">
-                            <a:lumMod val="65000"/>
-                            <a:lumOff val="35000"/>
-                          </a:schemeClr>
-                        </a:solidFill>
-                        <a:latin typeface="Cambria Math" panose="02040503050406030204" pitchFamily="18" charset="0"/>
-                        <a:ea typeface="微软雅黑 Light" panose="020B0502040204020203" pitchFamily="34" charset="-122"/>
-                      </a:rPr>
-                      <m:t>=0</m:t>
-                    </m:r>
-                    <m:r>
-                      <a:rPr lang="en-US" altLang="zh-CN" sz="2800" i="1" dirty="0">
-                        <a:solidFill>
-                          <a:schemeClr val="tx1">
-                            <a:lumMod val="65000"/>
-                            <a:lumOff val="35000"/>
-                          </a:schemeClr>
-                        </a:solidFill>
-                        <a:latin typeface="Cambria Math" panose="02040503050406030204" pitchFamily="18" charset="0"/>
-                        <a:ea typeface="Cambria Math" panose="02040503050406030204" pitchFamily="18" charset="0"/>
-                      </a:rPr>
-                      <m:t>⟺</m:t>
-                    </m:r>
-                  </m:oMath>
-                </a14:m>
-                <a:r>
-                  <a:rPr lang="en-US" altLang="zh-CN" sz="2800" dirty="0">
-                    <a:solidFill>
-                      <a:schemeClr val="tx1">
-                        <a:lumMod val="65000"/>
-                        <a:lumOff val="35000"/>
-                      </a:schemeClr>
-                    </a:solidFill>
-                    <a:ea typeface="微软雅黑 Light" panose="020B0502040204020203" pitchFamily="34" charset="-122"/>
-                  </a:rPr>
-                  <a:t> </a:t>
-                </a:r>
-                <a14:m>
-                  <m:oMath xmlns:m="http://schemas.openxmlformats.org/officeDocument/2006/math">
-                    <m:acc>
-                      <m:accPr>
-                        <m:chr m:val="⃗"/>
-                        <m:ctrlPr>
-                          <a:rPr lang="en-US" altLang="zh-CN" sz="2800" i="1" dirty="0">
-                            <a:solidFill>
-                              <a:schemeClr val="tx1">
-                                <a:lumMod val="65000"/>
-                                <a:lumOff val="35000"/>
-                              </a:schemeClr>
-                            </a:solidFill>
-                            <a:latin typeface="Cambria Math" panose="02040503050406030204" pitchFamily="18" charset="0"/>
-                            <a:ea typeface="微软雅黑 Light" panose="020B0502040204020203" pitchFamily="34" charset="-122"/>
-                          </a:rPr>
-                        </m:ctrlPr>
-                      </m:accPr>
-                      <m:e>
-                        <m:r>
-                          <a:rPr lang="en-US" altLang="zh-CN" sz="2800" i="1" dirty="0">
-                            <a:solidFill>
-                              <a:schemeClr val="tx1">
-                                <a:lumMod val="65000"/>
-                                <a:lumOff val="35000"/>
-                              </a:schemeClr>
-                            </a:solidFill>
-                            <a:latin typeface="Cambria Math" panose="02040503050406030204" pitchFamily="18" charset="0"/>
-                            <a:ea typeface="微软雅黑 Light" panose="020B0502040204020203" pitchFamily="34" charset="-122"/>
-                          </a:rPr>
-                          <m:t>𝑝</m:t>
-                        </m:r>
-                      </m:e>
-                    </m:acc>
-                    <m:r>
-                      <a:rPr lang="en-US" altLang="zh-CN" sz="2800" i="1" dirty="0">
-                        <a:solidFill>
-                          <a:schemeClr val="tx1">
-                            <a:lumMod val="65000"/>
-                            <a:lumOff val="35000"/>
-                          </a:schemeClr>
-                        </a:solidFill>
-                        <a:latin typeface="Cambria Math" panose="02040503050406030204" pitchFamily="18" charset="0"/>
-                        <a:ea typeface="微软雅黑 Light" panose="020B0502040204020203" pitchFamily="34" charset="-122"/>
-                      </a:rPr>
-                      <m:t>=</m:t>
-                    </m:r>
-                    <m:sSup>
-                      <m:sSupPr>
-                        <m:ctrlPr>
-                          <a:rPr lang="en-US" altLang="zh-CN" sz="2800" i="1" dirty="0">
-                            <a:solidFill>
-                              <a:schemeClr val="tx1">
-                                <a:lumMod val="65000"/>
-                                <a:lumOff val="35000"/>
-                              </a:schemeClr>
-                            </a:solidFill>
-                            <a:latin typeface="Cambria Math" panose="02040503050406030204" pitchFamily="18" charset="0"/>
-                            <a:ea typeface="微软雅黑 Light" panose="020B0502040204020203" pitchFamily="34" charset="-122"/>
-                          </a:rPr>
-                        </m:ctrlPr>
-                      </m:sSupPr>
-                      <m:e>
-                        <m:d>
-                          <m:dPr>
-                            <m:ctrlPr>
-                              <a:rPr lang="en-US" altLang="zh-CN" sz="2800" i="1" dirty="0">
-                                <a:solidFill>
-                                  <a:schemeClr val="tx1">
-                                    <a:lumMod val="65000"/>
-                                    <a:lumOff val="35000"/>
-                                  </a:schemeClr>
-                                </a:solidFill>
-                                <a:latin typeface="Cambria Math" panose="02040503050406030204" pitchFamily="18" charset="0"/>
-                                <a:ea typeface="微软雅黑 Light" panose="020B0502040204020203" pitchFamily="34" charset="-122"/>
-                              </a:rPr>
-                            </m:ctrlPr>
-                          </m:dPr>
-                          <m:e>
-                            <m:m>
-                              <m:mPr>
-                                <m:mcs>
-                                  <m:mc>
-                                    <m:mcPr>
-                                      <m:count m:val="1"/>
-                                      <m:mcJc m:val="center"/>
-                                    </m:mcPr>
-                                  </m:mc>
-                                </m:mcs>
-                                <m:ctrlPr>
-                                  <a:rPr lang="en-US" altLang="zh-CN" sz="2800" i="1" dirty="0">
-                                    <a:solidFill>
-                                      <a:schemeClr val="tx1">
-                                        <a:lumMod val="65000"/>
-                                        <a:lumOff val="35000"/>
-                                      </a:schemeClr>
-                                    </a:solidFill>
-                                    <a:latin typeface="Cambria Math" panose="02040503050406030204" pitchFamily="18" charset="0"/>
-                                    <a:ea typeface="微软雅黑 Light" panose="020B0502040204020203" pitchFamily="34" charset="-122"/>
-                                  </a:rPr>
-                                </m:ctrlPr>
-                              </m:mPr>
-                              <m:mr>
-                                <m:e>
-                                  <m:r>
-                                    <a:rPr lang="en-US" altLang="zh-CN" sz="2800" i="1" dirty="0">
-                                      <a:solidFill>
-                                        <a:schemeClr val="tx1">
-                                          <a:lumMod val="65000"/>
-                                          <a:lumOff val="35000"/>
-                                        </a:schemeClr>
-                                      </a:solidFill>
-                                      <a:latin typeface="Cambria Math" panose="02040503050406030204" pitchFamily="18" charset="0"/>
-                                      <a:ea typeface="微软雅黑 Light" panose="020B0502040204020203" pitchFamily="34" charset="-122"/>
-                                    </a:rPr>
-                                    <m:t>0</m:t>
-                                  </m:r>
-                                </m:e>
-                              </m:mr>
-                            </m:m>
-                            <m:r>
-                              <a:rPr lang="en-US" altLang="zh-CN" sz="2800" i="1" dirty="0">
-                                <a:solidFill>
-                                  <a:schemeClr val="tx1">
-                                    <a:lumMod val="65000"/>
-                                    <a:lumOff val="35000"/>
-                                  </a:schemeClr>
-                                </a:solidFill>
-                                <a:latin typeface="Cambria Math" panose="02040503050406030204" pitchFamily="18" charset="0"/>
-                                <a:ea typeface="微软雅黑 Light" panose="020B0502040204020203" pitchFamily="34" charset="-122"/>
-                              </a:rPr>
-                              <m:t>, 0, …,0</m:t>
-                            </m:r>
-                          </m:e>
-                        </m:d>
-                      </m:e>
-                      <m:sup>
-                        <m:r>
-                          <a:rPr lang="en-US" altLang="zh-CN" sz="2800" i="1" dirty="0">
-                            <a:solidFill>
-                              <a:schemeClr val="tx1">
-                                <a:lumMod val="65000"/>
-                                <a:lumOff val="35000"/>
-                              </a:schemeClr>
-                            </a:solidFill>
-                            <a:latin typeface="Cambria Math" panose="02040503050406030204" pitchFamily="18" charset="0"/>
-                            <a:ea typeface="微软雅黑 Light" panose="020B0502040204020203" pitchFamily="34" charset="-122"/>
-                          </a:rPr>
-                          <m:t>𝑇</m:t>
-                        </m:r>
-                      </m:sup>
-                    </m:sSup>
-                  </m:oMath>
-                </a14:m>
-                <a:endParaRPr lang="en-US" altLang="zh-CN" sz="2800" dirty="0">
-                  <a:solidFill>
-                    <a:schemeClr val="tx1">
-                      <a:lumMod val="65000"/>
-                      <a:lumOff val="35000"/>
-                    </a:schemeClr>
-                  </a:solidFill>
-                  <a:latin typeface="微软雅黑 Light" panose="020B0502040204020203" pitchFamily="34" charset="-122"/>
-                  <a:ea typeface="微软雅黑 Light" panose="020B0502040204020203" pitchFamily="34" charset="-122"/>
-                </a:endParaRPr>
-              </a:p>
-              <a:p>
-                <a:pPr marL="0" indent="0">
-                  <a:lnSpc>
-                    <a:spcPct val="150000"/>
-                  </a:lnSpc>
-                  <a:buNone/>
-                </a:pPr>
-                <a:r>
-                  <a:rPr lang="en-US" altLang="zh-CN" sz="2800" dirty="0">
-                    <a:solidFill>
-                      <a:schemeClr val="tx1">
-                        <a:lumMod val="65000"/>
-                        <a:lumOff val="35000"/>
-                      </a:schemeClr>
-                    </a:solidFill>
-                    <a:ea typeface="微软雅黑 Light" panose="020B0502040204020203" pitchFamily="34" charset="-122"/>
-                  </a:rPr>
-                  <a:t>     </a:t>
-                </a:r>
                 <a14:m>
                   <m:oMath xmlns:m="http://schemas.openxmlformats.org/officeDocument/2006/math">
                     <m:d>
@@ -6643,7 +5524,7 @@
 </p:sld>
 </file>
 
-<file path=ppt/slides/slide12.xml><?xml version="1.0" encoding="utf-8"?>
+<file path=ppt/slides/slide11.xml><?xml version="1.0" encoding="utf-8"?>
 <p:sld xmlns:a="http://schemas.openxmlformats.org/drawingml/2006/main" xmlns:r="http://schemas.openxmlformats.org/officeDocument/2006/relationships" xmlns:p="http://schemas.openxmlformats.org/presentationml/2006/main">
   <p:cSld>
     <p:spTree>
@@ -8269,7 +7150,7 @@
 </p:sld>
 </file>
 
-<file path=ppt/slides/slide13.xml><?xml version="1.0" encoding="utf-8"?>
+<file path=ppt/slides/slide12.xml><?xml version="1.0" encoding="utf-8"?>
 <p:sld xmlns:a="http://schemas.openxmlformats.org/drawingml/2006/main" xmlns:r="http://schemas.openxmlformats.org/officeDocument/2006/relationships" xmlns:p="http://schemas.openxmlformats.org/presentationml/2006/main">
   <p:cSld>
     <p:spTree>
@@ -10561,7 +9442,7 @@
 </p:sld>
 </file>
 
-<file path=ppt/slides/slide14.xml><?xml version="1.0" encoding="utf-8"?>
+<file path=ppt/slides/slide13.xml><?xml version="1.0" encoding="utf-8"?>
 <p:sld xmlns:a="http://schemas.openxmlformats.org/drawingml/2006/main" xmlns:r="http://schemas.openxmlformats.org/officeDocument/2006/relationships" xmlns:p="http://schemas.openxmlformats.org/presentationml/2006/main">
   <p:cSld>
     <p:spTree>
@@ -15200,7 +14081,7 @@
                 <a:latin typeface="微软雅黑 Light" panose="020B0502040204020203" pitchFamily="34" charset="-122"/>
                 <a:ea typeface="微软雅黑 Light" panose="020B0502040204020203" pitchFamily="34" charset="-122"/>
               </a:rPr>
-              <a:t>得到成长度为</a:t>
+              <a:t>得到长度为</a:t>
             </a:r>
             <a:r>
               <a:rPr lang="en-US" altLang="zh-CN" sz="2800" dirty="0">
@@ -18515,775 +17396,6 @@
                   </a:rPr>
                   <a:t>     </a:t>
                 </a:r>
-                <a14:m>
-                  <m:oMath xmlns:m="http://schemas.openxmlformats.org/officeDocument/2006/math">
-                    <m:d>
-                      <m:dPr>
-                        <m:begChr m:val="‖"/>
-                        <m:endChr m:val="‖"/>
-                        <m:ctrlPr>
-                          <a:rPr lang="en-US" altLang="zh-CN" sz="2800" i="1" dirty="0">
-                            <a:solidFill>
-                              <a:schemeClr val="tx1">
-                                <a:lumMod val="65000"/>
-                                <a:lumOff val="35000"/>
-                              </a:schemeClr>
-                            </a:solidFill>
-                            <a:latin typeface="Cambria Math" panose="02040503050406030204" pitchFamily="18" charset="0"/>
-                            <a:ea typeface="微软雅黑 Light" panose="020B0502040204020203" pitchFamily="34" charset="-122"/>
-                          </a:rPr>
-                        </m:ctrlPr>
-                      </m:dPr>
-                      <m:e>
-                        <m:acc>
-                          <m:accPr>
-                            <m:chr m:val="⃗"/>
-                            <m:ctrlPr>
-                              <a:rPr lang="en-US" altLang="zh-CN" sz="2800" i="1" dirty="0">
-                                <a:solidFill>
-                                  <a:schemeClr val="tx1">
-                                    <a:lumMod val="65000"/>
-                                    <a:lumOff val="35000"/>
-                                  </a:schemeClr>
-                                </a:solidFill>
-                                <a:latin typeface="Cambria Math" panose="02040503050406030204" pitchFamily="18" charset="0"/>
-                                <a:ea typeface="微软雅黑 Light" panose="020B0502040204020203" pitchFamily="34" charset="-122"/>
-                              </a:rPr>
-                            </m:ctrlPr>
-                          </m:accPr>
-                          <m:e>
-                            <m:r>
-                              <a:rPr lang="en-US" altLang="zh-CN" sz="2800" i="1" dirty="0">
-                                <a:solidFill>
-                                  <a:schemeClr val="tx1">
-                                    <a:lumMod val="65000"/>
-                                    <a:lumOff val="35000"/>
-                                  </a:schemeClr>
-                                </a:solidFill>
-                                <a:latin typeface="Cambria Math" panose="02040503050406030204" pitchFamily="18" charset="0"/>
-                                <a:ea typeface="微软雅黑 Light" panose="020B0502040204020203" pitchFamily="34" charset="-122"/>
-                              </a:rPr>
-                              <m:t>𝑝</m:t>
-                            </m:r>
-                          </m:e>
-                        </m:acc>
-                      </m:e>
-                    </m:d>
-                    <m:r>
-                      <a:rPr lang="en-US" altLang="zh-CN" sz="2800" dirty="0">
-                        <a:solidFill>
-                          <a:schemeClr val="tx1">
-                            <a:lumMod val="65000"/>
-                            <a:lumOff val="35000"/>
-                          </a:schemeClr>
-                        </a:solidFill>
-                        <a:latin typeface="Cambria Math" panose="02040503050406030204" pitchFamily="18" charset="0"/>
-                        <a:ea typeface="微软雅黑 Light" panose="020B0502040204020203" pitchFamily="34" charset="-122"/>
-                      </a:rPr>
-                      <m:t>=0</m:t>
-                    </m:r>
-                    <m:r>
-                      <a:rPr lang="en-US" altLang="zh-CN" sz="2800" i="1" dirty="0">
-                        <a:solidFill>
-                          <a:schemeClr val="tx1">
-                            <a:lumMod val="65000"/>
-                            <a:lumOff val="35000"/>
-                          </a:schemeClr>
-                        </a:solidFill>
-                        <a:latin typeface="Cambria Math" panose="02040503050406030204" pitchFamily="18" charset="0"/>
-                        <a:ea typeface="Cambria Math" panose="02040503050406030204" pitchFamily="18" charset="0"/>
-                      </a:rPr>
-                      <m:t>⟺</m:t>
-                    </m:r>
-                  </m:oMath>
-                </a14:m>
-                <a:r>
-                  <a:rPr lang="en-US" altLang="zh-CN" sz="2800" dirty="0">
-                    <a:solidFill>
-                      <a:schemeClr val="tx1">
-                        <a:lumMod val="65000"/>
-                        <a:lumOff val="35000"/>
-                      </a:schemeClr>
-                    </a:solidFill>
-                    <a:ea typeface="微软雅黑 Light" panose="020B0502040204020203" pitchFamily="34" charset="-122"/>
-                  </a:rPr>
-                  <a:t> </a:t>
-                </a:r>
-                <a14:m>
-                  <m:oMath xmlns:m="http://schemas.openxmlformats.org/officeDocument/2006/math">
-                    <m:acc>
-                      <m:accPr>
-                        <m:chr m:val="⃗"/>
-                        <m:ctrlPr>
-                          <a:rPr lang="en-US" altLang="zh-CN" sz="2800" i="1" dirty="0">
-                            <a:solidFill>
-                              <a:schemeClr val="tx1">
-                                <a:lumMod val="65000"/>
-                                <a:lumOff val="35000"/>
-                              </a:schemeClr>
-                            </a:solidFill>
-                            <a:latin typeface="Cambria Math" panose="02040503050406030204" pitchFamily="18" charset="0"/>
-                            <a:ea typeface="微软雅黑 Light" panose="020B0502040204020203" pitchFamily="34" charset="-122"/>
-                          </a:rPr>
-                        </m:ctrlPr>
-                      </m:accPr>
-                      <m:e>
-                        <m:r>
-                          <a:rPr lang="en-US" altLang="zh-CN" sz="2800" i="1" dirty="0">
-                            <a:solidFill>
-                              <a:schemeClr val="tx1">
-                                <a:lumMod val="65000"/>
-                                <a:lumOff val="35000"/>
-                              </a:schemeClr>
-                            </a:solidFill>
-                            <a:latin typeface="Cambria Math" panose="02040503050406030204" pitchFamily="18" charset="0"/>
-                            <a:ea typeface="微软雅黑 Light" panose="020B0502040204020203" pitchFamily="34" charset="-122"/>
-                          </a:rPr>
-                          <m:t>𝑝</m:t>
-                        </m:r>
-                      </m:e>
-                    </m:acc>
-                    <m:r>
-                      <a:rPr lang="en-US" altLang="zh-CN" sz="2800" i="1" dirty="0">
-                        <a:solidFill>
-                          <a:schemeClr val="tx1">
-                            <a:lumMod val="65000"/>
-                            <a:lumOff val="35000"/>
-                          </a:schemeClr>
-                        </a:solidFill>
-                        <a:latin typeface="Cambria Math" panose="02040503050406030204" pitchFamily="18" charset="0"/>
-                        <a:ea typeface="微软雅黑 Light" panose="020B0502040204020203" pitchFamily="34" charset="-122"/>
-                      </a:rPr>
-                      <m:t>=</m:t>
-                    </m:r>
-                    <m:sSup>
-                      <m:sSupPr>
-                        <m:ctrlPr>
-                          <a:rPr lang="en-US" altLang="zh-CN" sz="2800" i="1" dirty="0">
-                            <a:solidFill>
-                              <a:schemeClr val="tx1">
-                                <a:lumMod val="65000"/>
-                                <a:lumOff val="35000"/>
-                              </a:schemeClr>
-                            </a:solidFill>
-                            <a:latin typeface="Cambria Math" panose="02040503050406030204" pitchFamily="18" charset="0"/>
-                            <a:ea typeface="微软雅黑 Light" panose="020B0502040204020203" pitchFamily="34" charset="-122"/>
-                          </a:rPr>
-                        </m:ctrlPr>
-                      </m:sSupPr>
-                      <m:e>
-                        <m:d>
-                          <m:dPr>
-                            <m:ctrlPr>
-                              <a:rPr lang="en-US" altLang="zh-CN" sz="2800" i="1" dirty="0">
-                                <a:solidFill>
-                                  <a:schemeClr val="tx1">
-                                    <a:lumMod val="65000"/>
-                                    <a:lumOff val="35000"/>
-                                  </a:schemeClr>
-                                </a:solidFill>
-                                <a:latin typeface="Cambria Math" panose="02040503050406030204" pitchFamily="18" charset="0"/>
-                                <a:ea typeface="微软雅黑 Light" panose="020B0502040204020203" pitchFamily="34" charset="-122"/>
-                              </a:rPr>
-                            </m:ctrlPr>
-                          </m:dPr>
-                          <m:e>
-                            <m:m>
-                              <m:mPr>
-                                <m:mcs>
-                                  <m:mc>
-                                    <m:mcPr>
-                                      <m:count m:val="1"/>
-                                      <m:mcJc m:val="center"/>
-                                    </m:mcPr>
-                                  </m:mc>
-                                </m:mcs>
-                                <m:ctrlPr>
-                                  <a:rPr lang="en-US" altLang="zh-CN" sz="2800" i="1" dirty="0">
-                                    <a:solidFill>
-                                      <a:schemeClr val="tx1">
-                                        <a:lumMod val="65000"/>
-                                        <a:lumOff val="35000"/>
-                                      </a:schemeClr>
-                                    </a:solidFill>
-                                    <a:latin typeface="Cambria Math" panose="02040503050406030204" pitchFamily="18" charset="0"/>
-                                    <a:ea typeface="微软雅黑 Light" panose="020B0502040204020203" pitchFamily="34" charset="-122"/>
-                                  </a:rPr>
-                                </m:ctrlPr>
-                              </m:mPr>
-                              <m:mr>
-                                <m:e>
-                                  <m:r>
-                                    <a:rPr lang="en-US" altLang="zh-CN" sz="2800" i="1" dirty="0">
-                                      <a:solidFill>
-                                        <a:schemeClr val="tx1">
-                                          <a:lumMod val="65000"/>
-                                          <a:lumOff val="35000"/>
-                                        </a:schemeClr>
-                                      </a:solidFill>
-                                      <a:latin typeface="Cambria Math" panose="02040503050406030204" pitchFamily="18" charset="0"/>
-                                      <a:ea typeface="微软雅黑 Light" panose="020B0502040204020203" pitchFamily="34" charset="-122"/>
-                                    </a:rPr>
-                                    <m:t>0</m:t>
-                                  </m:r>
-                                </m:e>
-                              </m:mr>
-                            </m:m>
-                            <m:r>
-                              <a:rPr lang="en-US" altLang="zh-CN" sz="2800" i="1" dirty="0">
-                                <a:solidFill>
-                                  <a:schemeClr val="tx1">
-                                    <a:lumMod val="65000"/>
-                                    <a:lumOff val="35000"/>
-                                  </a:schemeClr>
-                                </a:solidFill>
-                                <a:latin typeface="Cambria Math" panose="02040503050406030204" pitchFamily="18" charset="0"/>
-                                <a:ea typeface="微软雅黑 Light" panose="020B0502040204020203" pitchFamily="34" charset="-122"/>
-                              </a:rPr>
-                              <m:t>, 0, …,0</m:t>
-                            </m:r>
-                          </m:e>
-                        </m:d>
-                      </m:e>
-                      <m:sup>
-                        <m:r>
-                          <a:rPr lang="en-US" altLang="zh-CN" sz="2800" i="1" dirty="0">
-                            <a:solidFill>
-                              <a:schemeClr val="tx1">
-                                <a:lumMod val="65000"/>
-                                <a:lumOff val="35000"/>
-                              </a:schemeClr>
-                            </a:solidFill>
-                            <a:latin typeface="Cambria Math" panose="02040503050406030204" pitchFamily="18" charset="0"/>
-                            <a:ea typeface="微软雅黑 Light" panose="020B0502040204020203" pitchFamily="34" charset="-122"/>
-                          </a:rPr>
-                          <m:t>𝑇</m:t>
-                        </m:r>
-                      </m:sup>
-                    </m:sSup>
-                  </m:oMath>
-                </a14:m>
-                <a:endParaRPr lang="en-US" altLang="zh-CN" sz="2800" dirty="0">
-                  <a:solidFill>
-                    <a:schemeClr val="tx1">
-                      <a:lumMod val="65000"/>
-                      <a:lumOff val="35000"/>
-                    </a:schemeClr>
-                  </a:solidFill>
-                  <a:latin typeface="微软雅黑 Light" panose="020B0502040204020203" pitchFamily="34" charset="-122"/>
-                  <a:ea typeface="微软雅黑 Light" panose="020B0502040204020203" pitchFamily="34" charset="-122"/>
-                </a:endParaRPr>
-              </a:p>
-              <a:p>
-                <a:pPr marL="0" indent="0">
-                  <a:lnSpc>
-                    <a:spcPct val="150000"/>
-                  </a:lnSpc>
-                  <a:buNone/>
-                </a:pPr>
-                <a:r>
-                  <a:rPr lang="en-US" altLang="zh-CN" sz="2800" dirty="0">
-                    <a:solidFill>
-                      <a:schemeClr val="tx1">
-                        <a:lumMod val="65000"/>
-                        <a:lumOff val="35000"/>
-                      </a:schemeClr>
-                    </a:solidFill>
-                    <a:ea typeface="微软雅黑 Light" panose="020B0502040204020203" pitchFamily="34" charset="-122"/>
-                  </a:rPr>
-                  <a:t>     </a:t>
-                </a:r>
-                <a14:m>
-                  <m:oMath xmlns:m="http://schemas.openxmlformats.org/officeDocument/2006/math">
-                    <m:d>
-                      <m:dPr>
-                        <m:begChr m:val="‖"/>
-                        <m:endChr m:val="‖"/>
-                        <m:ctrlPr>
-                          <a:rPr lang="en-US" altLang="zh-CN" sz="2800" i="1" dirty="0">
-                            <a:solidFill>
-                              <a:schemeClr val="tx1">
-                                <a:lumMod val="65000"/>
-                                <a:lumOff val="35000"/>
-                              </a:schemeClr>
-                            </a:solidFill>
-                            <a:latin typeface="Cambria Math" panose="02040503050406030204" pitchFamily="18" charset="0"/>
-                            <a:ea typeface="微软雅黑 Light" panose="020B0502040204020203" pitchFamily="34" charset="-122"/>
-                          </a:rPr>
-                        </m:ctrlPr>
-                      </m:dPr>
-                      <m:e>
-                        <m:r>
-                          <a:rPr lang="en-US" altLang="zh-CN" sz="2800" i="1" dirty="0">
-                            <a:solidFill>
-                              <a:schemeClr val="tx1">
-                                <a:lumMod val="65000"/>
-                                <a:lumOff val="35000"/>
-                              </a:schemeClr>
-                            </a:solidFill>
-                            <a:latin typeface="Cambria Math" panose="02040503050406030204" pitchFamily="18" charset="0"/>
-                            <a:ea typeface="微软雅黑 Light" panose="020B0502040204020203" pitchFamily="34" charset="-122"/>
-                          </a:rPr>
-                          <m:t>𝑎</m:t>
-                        </m:r>
-                        <m:acc>
-                          <m:accPr>
-                            <m:chr m:val="⃗"/>
-                            <m:ctrlPr>
-                              <a:rPr lang="en-US" altLang="zh-CN" sz="2800" i="1" dirty="0">
-                                <a:solidFill>
-                                  <a:schemeClr val="tx1">
-                                    <a:lumMod val="65000"/>
-                                    <a:lumOff val="35000"/>
-                                  </a:schemeClr>
-                                </a:solidFill>
-                                <a:latin typeface="Cambria Math" panose="02040503050406030204" pitchFamily="18" charset="0"/>
-                                <a:ea typeface="微软雅黑 Light" panose="020B0502040204020203" pitchFamily="34" charset="-122"/>
-                              </a:rPr>
-                            </m:ctrlPr>
-                          </m:accPr>
-                          <m:e>
-                            <m:r>
-                              <a:rPr lang="en-US" altLang="zh-CN" sz="2800" i="1" dirty="0">
-                                <a:solidFill>
-                                  <a:schemeClr val="tx1">
-                                    <a:lumMod val="65000"/>
-                                    <a:lumOff val="35000"/>
-                                  </a:schemeClr>
-                                </a:solidFill>
-                                <a:latin typeface="Cambria Math" panose="02040503050406030204" pitchFamily="18" charset="0"/>
-                                <a:ea typeface="微软雅黑 Light" panose="020B0502040204020203" pitchFamily="34" charset="-122"/>
-                              </a:rPr>
-                              <m:t>𝑝</m:t>
-                            </m:r>
-                          </m:e>
-                        </m:acc>
-                      </m:e>
-                    </m:d>
-                    <m:r>
-                      <a:rPr lang="en-US" altLang="zh-CN" sz="2800" i="1" dirty="0">
-                        <a:solidFill>
-                          <a:schemeClr val="tx1">
-                            <a:lumMod val="65000"/>
-                            <a:lumOff val="35000"/>
-                          </a:schemeClr>
-                        </a:solidFill>
-                        <a:latin typeface="Cambria Math" panose="02040503050406030204" pitchFamily="18" charset="0"/>
-                        <a:ea typeface="微软雅黑 Light" panose="020B0502040204020203" pitchFamily="34" charset="-122"/>
-                      </a:rPr>
-                      <m:t>=</m:t>
-                    </m:r>
-                    <m:d>
-                      <m:dPr>
-                        <m:begChr m:val="|"/>
-                        <m:endChr m:val="|"/>
-                        <m:ctrlPr>
-                          <a:rPr lang="en-US" altLang="zh-CN" sz="2800" i="1" dirty="0">
-                            <a:solidFill>
-                              <a:schemeClr val="tx1">
-                                <a:lumMod val="65000"/>
-                                <a:lumOff val="35000"/>
-                              </a:schemeClr>
-                            </a:solidFill>
-                            <a:latin typeface="Cambria Math" panose="02040503050406030204" pitchFamily="18" charset="0"/>
-                            <a:ea typeface="微软雅黑 Light" panose="020B0502040204020203" pitchFamily="34" charset="-122"/>
-                          </a:rPr>
-                        </m:ctrlPr>
-                      </m:dPr>
-                      <m:e>
-                        <m:r>
-                          <a:rPr lang="en-US" altLang="zh-CN" sz="2800" i="1" dirty="0">
-                            <a:solidFill>
-                              <a:schemeClr val="tx1">
-                                <a:lumMod val="65000"/>
-                                <a:lumOff val="35000"/>
-                              </a:schemeClr>
-                            </a:solidFill>
-                            <a:latin typeface="Cambria Math" panose="02040503050406030204" pitchFamily="18" charset="0"/>
-                            <a:ea typeface="微软雅黑 Light" panose="020B0502040204020203" pitchFamily="34" charset="-122"/>
-                          </a:rPr>
-                          <m:t>𝑎</m:t>
-                        </m:r>
-                      </m:e>
-                    </m:d>
-                    <m:d>
-                      <m:dPr>
-                        <m:begChr m:val="‖"/>
-                        <m:endChr m:val="‖"/>
-                        <m:ctrlPr>
-                          <a:rPr lang="en-US" altLang="zh-CN" sz="2800" i="1" dirty="0">
-                            <a:solidFill>
-                              <a:schemeClr val="tx1">
-                                <a:lumMod val="65000"/>
-                                <a:lumOff val="35000"/>
-                              </a:schemeClr>
-                            </a:solidFill>
-                            <a:latin typeface="Cambria Math" panose="02040503050406030204" pitchFamily="18" charset="0"/>
-                            <a:ea typeface="微软雅黑 Light" panose="020B0502040204020203" pitchFamily="34" charset="-122"/>
-                          </a:rPr>
-                        </m:ctrlPr>
-                      </m:dPr>
-                      <m:e>
-                        <m:acc>
-                          <m:accPr>
-                            <m:chr m:val="⃗"/>
-                            <m:ctrlPr>
-                              <a:rPr lang="en-US" altLang="zh-CN" sz="2800" i="1" dirty="0">
-                                <a:solidFill>
-                                  <a:schemeClr val="tx1">
-                                    <a:lumMod val="65000"/>
-                                    <a:lumOff val="35000"/>
-                                  </a:schemeClr>
-                                </a:solidFill>
-                                <a:latin typeface="Cambria Math" panose="02040503050406030204" pitchFamily="18" charset="0"/>
-                                <a:ea typeface="微软雅黑 Light" panose="020B0502040204020203" pitchFamily="34" charset="-122"/>
-                              </a:rPr>
-                            </m:ctrlPr>
-                          </m:accPr>
-                          <m:e>
-                            <m:r>
-                              <a:rPr lang="en-US" altLang="zh-CN" sz="2800" i="1" dirty="0">
-                                <a:solidFill>
-                                  <a:schemeClr val="tx1">
-                                    <a:lumMod val="65000"/>
-                                    <a:lumOff val="35000"/>
-                                  </a:schemeClr>
-                                </a:solidFill>
-                                <a:latin typeface="Cambria Math" panose="02040503050406030204" pitchFamily="18" charset="0"/>
-                                <a:ea typeface="微软雅黑 Light" panose="020B0502040204020203" pitchFamily="34" charset="-122"/>
-                              </a:rPr>
-                              <m:t>𝑝</m:t>
-                            </m:r>
-                          </m:e>
-                        </m:acc>
-                      </m:e>
-                    </m:d>
-                  </m:oMath>
-                </a14:m>
-                <a:endParaRPr lang="en-US" altLang="zh-CN" sz="2800" dirty="0">
-                  <a:solidFill>
-                    <a:schemeClr val="tx1">
-                      <a:lumMod val="65000"/>
-                      <a:lumOff val="35000"/>
-                    </a:schemeClr>
-                  </a:solidFill>
-                  <a:latin typeface="微软雅黑 Light" panose="020B0502040204020203" pitchFamily="34" charset="-122"/>
-                  <a:ea typeface="微软雅黑 Light" panose="020B0502040204020203" pitchFamily="34" charset="-122"/>
-                </a:endParaRPr>
-              </a:p>
-              <a:p>
-                <a:pPr marL="0" indent="0">
-                  <a:lnSpc>
-                    <a:spcPct val="150000"/>
-                  </a:lnSpc>
-                  <a:buNone/>
-                </a:pPr>
-                <a:r>
-                  <a:rPr lang="en-US" altLang="zh-CN" sz="2800" dirty="0">
-                    <a:solidFill>
-                      <a:schemeClr val="tx1">
-                        <a:lumMod val="65000"/>
-                        <a:lumOff val="35000"/>
-                      </a:schemeClr>
-                    </a:solidFill>
-                    <a:ea typeface="微软雅黑 Light" panose="020B0502040204020203" pitchFamily="34" charset="-122"/>
-                  </a:rPr>
-                  <a:t>     </a:t>
-                </a:r>
-                <a14:m>
-                  <m:oMath xmlns:m="http://schemas.openxmlformats.org/officeDocument/2006/math">
-                    <m:d>
-                      <m:dPr>
-                        <m:begChr m:val="‖"/>
-                        <m:endChr m:val="‖"/>
-                        <m:ctrlPr>
-                          <a:rPr lang="en-US" altLang="zh-CN" sz="2800" i="1" dirty="0">
-                            <a:solidFill>
-                              <a:schemeClr val="tx1">
-                                <a:lumMod val="65000"/>
-                                <a:lumOff val="35000"/>
-                              </a:schemeClr>
-                            </a:solidFill>
-                            <a:latin typeface="Cambria Math" panose="02040503050406030204" pitchFamily="18" charset="0"/>
-                            <a:ea typeface="微软雅黑 Light" panose="020B0502040204020203" pitchFamily="34" charset="-122"/>
-                          </a:rPr>
-                        </m:ctrlPr>
-                      </m:dPr>
-                      <m:e>
-                        <m:acc>
-                          <m:accPr>
-                            <m:chr m:val="⃗"/>
-                            <m:ctrlPr>
-                              <a:rPr lang="en-US" altLang="zh-CN" sz="2800" i="1" dirty="0">
-                                <a:solidFill>
-                                  <a:schemeClr val="tx1">
-                                    <a:lumMod val="65000"/>
-                                    <a:lumOff val="35000"/>
-                                  </a:schemeClr>
-                                </a:solidFill>
-                                <a:latin typeface="Cambria Math" panose="02040503050406030204" pitchFamily="18" charset="0"/>
-                                <a:ea typeface="微软雅黑 Light" panose="020B0502040204020203" pitchFamily="34" charset="-122"/>
-                              </a:rPr>
-                            </m:ctrlPr>
-                          </m:accPr>
-                          <m:e>
-                            <m:r>
-                              <a:rPr lang="en-US" altLang="zh-CN" sz="2800" i="1" dirty="0">
-                                <a:solidFill>
-                                  <a:schemeClr val="tx1">
-                                    <a:lumMod val="65000"/>
-                                    <a:lumOff val="35000"/>
-                                  </a:schemeClr>
-                                </a:solidFill>
-                                <a:latin typeface="Cambria Math" panose="02040503050406030204" pitchFamily="18" charset="0"/>
-                                <a:ea typeface="微软雅黑 Light" panose="020B0502040204020203" pitchFamily="34" charset="-122"/>
-                              </a:rPr>
-                              <m:t>𝑝</m:t>
-                            </m:r>
-                          </m:e>
-                        </m:acc>
-                        <m:r>
-                          <a:rPr lang="en-US" altLang="zh-CN" sz="2800" i="1" dirty="0">
-                            <a:solidFill>
-                              <a:schemeClr val="tx1">
-                                <a:lumMod val="65000"/>
-                                <a:lumOff val="35000"/>
-                              </a:schemeClr>
-                            </a:solidFill>
-                            <a:latin typeface="Cambria Math" panose="02040503050406030204" pitchFamily="18" charset="0"/>
-                            <a:ea typeface="微软雅黑 Light" panose="020B0502040204020203" pitchFamily="34" charset="-122"/>
-                          </a:rPr>
-                          <m:t>+</m:t>
-                        </m:r>
-                        <m:acc>
-                          <m:accPr>
-                            <m:chr m:val="⃗"/>
-                            <m:ctrlPr>
-                              <a:rPr lang="en-US" altLang="zh-CN" sz="2800" i="1" dirty="0">
-                                <a:solidFill>
-                                  <a:schemeClr val="tx1">
-                                    <a:lumMod val="65000"/>
-                                    <a:lumOff val="35000"/>
-                                  </a:schemeClr>
-                                </a:solidFill>
-                                <a:latin typeface="Cambria Math" panose="02040503050406030204" pitchFamily="18" charset="0"/>
-                                <a:ea typeface="微软雅黑 Light" panose="020B0502040204020203" pitchFamily="34" charset="-122"/>
-                              </a:rPr>
-                            </m:ctrlPr>
-                          </m:accPr>
-                          <m:e>
-                            <m:r>
-                              <a:rPr lang="en-US" altLang="zh-CN" sz="2800" i="1" dirty="0">
-                                <a:solidFill>
-                                  <a:schemeClr val="tx1">
-                                    <a:lumMod val="65000"/>
-                                    <a:lumOff val="35000"/>
-                                  </a:schemeClr>
-                                </a:solidFill>
-                                <a:latin typeface="Cambria Math" panose="02040503050406030204" pitchFamily="18" charset="0"/>
-                                <a:ea typeface="微软雅黑 Light" panose="020B0502040204020203" pitchFamily="34" charset="-122"/>
-                              </a:rPr>
-                              <m:t>𝑞</m:t>
-                            </m:r>
-                          </m:e>
-                        </m:acc>
-                      </m:e>
-                    </m:d>
-                    <m:r>
-                      <a:rPr lang="en-US" altLang="zh-CN" sz="2800" i="1" dirty="0">
-                        <a:solidFill>
-                          <a:schemeClr val="tx1">
-                            <a:lumMod val="65000"/>
-                            <a:lumOff val="35000"/>
-                          </a:schemeClr>
-                        </a:solidFill>
-                        <a:latin typeface="Cambria Math" panose="02040503050406030204" pitchFamily="18" charset="0"/>
-                        <a:ea typeface="Cambria Math" panose="02040503050406030204" pitchFamily="18" charset="0"/>
-                      </a:rPr>
-                      <m:t>≤</m:t>
-                    </m:r>
-                    <m:d>
-                      <m:dPr>
-                        <m:begChr m:val="‖"/>
-                        <m:endChr m:val="‖"/>
-                        <m:ctrlPr>
-                          <a:rPr lang="en-US" altLang="zh-CN" sz="2800" i="1" dirty="0">
-                            <a:solidFill>
-                              <a:schemeClr val="tx1">
-                                <a:lumMod val="65000"/>
-                                <a:lumOff val="35000"/>
-                              </a:schemeClr>
-                            </a:solidFill>
-                            <a:latin typeface="Cambria Math" panose="02040503050406030204" pitchFamily="18" charset="0"/>
-                            <a:ea typeface="微软雅黑 Light" panose="020B0502040204020203" pitchFamily="34" charset="-122"/>
-                          </a:rPr>
-                        </m:ctrlPr>
-                      </m:dPr>
-                      <m:e>
-                        <m:acc>
-                          <m:accPr>
-                            <m:chr m:val="⃗"/>
-                            <m:ctrlPr>
-                              <a:rPr lang="en-US" altLang="zh-CN" sz="2800" i="1" dirty="0">
-                                <a:solidFill>
-                                  <a:schemeClr val="tx1">
-                                    <a:lumMod val="65000"/>
-                                    <a:lumOff val="35000"/>
-                                  </a:schemeClr>
-                                </a:solidFill>
-                                <a:latin typeface="Cambria Math" panose="02040503050406030204" pitchFamily="18" charset="0"/>
-                                <a:ea typeface="微软雅黑 Light" panose="020B0502040204020203" pitchFamily="34" charset="-122"/>
-                              </a:rPr>
-                            </m:ctrlPr>
-                          </m:accPr>
-                          <m:e>
-                            <m:r>
-                              <a:rPr lang="en-US" altLang="zh-CN" sz="2800" i="1" dirty="0">
-                                <a:solidFill>
-                                  <a:schemeClr val="tx1">
-                                    <a:lumMod val="65000"/>
-                                    <a:lumOff val="35000"/>
-                                  </a:schemeClr>
-                                </a:solidFill>
-                                <a:latin typeface="Cambria Math" panose="02040503050406030204" pitchFamily="18" charset="0"/>
-                                <a:ea typeface="微软雅黑 Light" panose="020B0502040204020203" pitchFamily="34" charset="-122"/>
-                              </a:rPr>
-                              <m:t>𝑝</m:t>
-                            </m:r>
-                          </m:e>
-                        </m:acc>
-                      </m:e>
-                    </m:d>
-                    <m:r>
-                      <a:rPr lang="en-US" altLang="zh-CN" sz="2800" i="1" dirty="0">
-                        <a:solidFill>
-                          <a:schemeClr val="tx1">
-                            <a:lumMod val="65000"/>
-                            <a:lumOff val="35000"/>
-                          </a:schemeClr>
-                        </a:solidFill>
-                        <a:latin typeface="Cambria Math" panose="02040503050406030204" pitchFamily="18" charset="0"/>
-                        <a:ea typeface="微软雅黑 Light" panose="020B0502040204020203" pitchFamily="34" charset="-122"/>
-                      </a:rPr>
-                      <m:t>+</m:t>
-                    </m:r>
-                  </m:oMath>
-                </a14:m>
-                <a:r>
-                  <a:rPr lang="en-US" altLang="zh-CN" sz="2800" dirty="0">
-                    <a:solidFill>
-                      <a:schemeClr val="tx1">
-                        <a:lumMod val="65000"/>
-                        <a:lumOff val="35000"/>
-                      </a:schemeClr>
-                    </a:solidFill>
-                    <a:ea typeface="微软雅黑 Light" panose="020B0502040204020203" pitchFamily="34" charset="-122"/>
-                  </a:rPr>
-                  <a:t> </a:t>
-                </a:r>
-                <a14:m>
-                  <m:oMath xmlns:m="http://schemas.openxmlformats.org/officeDocument/2006/math">
-                    <m:d>
-                      <m:dPr>
-                        <m:begChr m:val="‖"/>
-                        <m:endChr m:val="‖"/>
-                        <m:ctrlPr>
-                          <a:rPr lang="en-US" altLang="zh-CN" sz="2800" i="1" dirty="0">
-                            <a:solidFill>
-                              <a:schemeClr val="tx1">
-                                <a:lumMod val="65000"/>
-                                <a:lumOff val="35000"/>
-                              </a:schemeClr>
-                            </a:solidFill>
-                            <a:latin typeface="Cambria Math" panose="02040503050406030204" pitchFamily="18" charset="0"/>
-                            <a:ea typeface="微软雅黑 Light" panose="020B0502040204020203" pitchFamily="34" charset="-122"/>
-                          </a:rPr>
-                        </m:ctrlPr>
-                      </m:dPr>
-                      <m:e>
-                        <m:acc>
-                          <m:accPr>
-                            <m:chr m:val="⃗"/>
-                            <m:ctrlPr>
-                              <a:rPr lang="en-US" altLang="zh-CN" sz="2800" i="1" dirty="0">
-                                <a:solidFill>
-                                  <a:schemeClr val="tx1">
-                                    <a:lumMod val="65000"/>
-                                    <a:lumOff val="35000"/>
-                                  </a:schemeClr>
-                                </a:solidFill>
-                                <a:latin typeface="Cambria Math" panose="02040503050406030204" pitchFamily="18" charset="0"/>
-                                <a:ea typeface="微软雅黑 Light" panose="020B0502040204020203" pitchFamily="34" charset="-122"/>
-                              </a:rPr>
-                            </m:ctrlPr>
-                          </m:accPr>
-                          <m:e>
-                            <m:r>
-                              <a:rPr lang="en-US" altLang="zh-CN" sz="2800" i="1" dirty="0">
-                                <a:solidFill>
-                                  <a:schemeClr val="tx1">
-                                    <a:lumMod val="65000"/>
-                                    <a:lumOff val="35000"/>
-                                  </a:schemeClr>
-                                </a:solidFill>
-                                <a:latin typeface="Cambria Math" panose="02040503050406030204" pitchFamily="18" charset="0"/>
-                                <a:ea typeface="微软雅黑 Light" panose="020B0502040204020203" pitchFamily="34" charset="-122"/>
-                              </a:rPr>
-                              <m:t>𝑞</m:t>
-                            </m:r>
-                          </m:e>
-                        </m:acc>
-                      </m:e>
-                    </m:d>
-                  </m:oMath>
-                </a14:m>
-                <a:r>
-                  <a:rPr lang="en-US" altLang="zh-CN" sz="2800" dirty="0">
-                    <a:solidFill>
-                      <a:schemeClr val="tx1">
-                        <a:lumMod val="65000"/>
-                        <a:lumOff val="35000"/>
-                      </a:schemeClr>
-                    </a:solidFill>
-                    <a:latin typeface="微软雅黑 Light" panose="020B0502040204020203" pitchFamily="34" charset="-122"/>
-                    <a:ea typeface="微软雅黑 Light" panose="020B0502040204020203" pitchFamily="34" charset="-122"/>
-                  </a:rPr>
-                  <a:t>(</a:t>
-                </a:r>
-                <a:r>
-                  <a:rPr lang="zh-CN" altLang="en-US" sz="2800" dirty="0">
-                    <a:solidFill>
-                      <a:schemeClr val="tx1">
-                        <a:lumMod val="65000"/>
-                        <a:lumOff val="35000"/>
-                      </a:schemeClr>
-                    </a:solidFill>
-                    <a:latin typeface="微软雅黑 Light" panose="020B0502040204020203" pitchFamily="34" charset="-122"/>
-                    <a:ea typeface="微软雅黑 Light" panose="020B0502040204020203" pitchFamily="34" charset="-122"/>
-                  </a:rPr>
-                  <a:t>三角不等式</a:t>
-                </a:r>
-                <a:r>
-                  <a:rPr lang="en-US" altLang="zh-CN" sz="2800" dirty="0">
-                    <a:solidFill>
-                      <a:schemeClr val="tx1">
-                        <a:lumMod val="65000"/>
-                        <a:lumOff val="35000"/>
-                      </a:schemeClr>
-                    </a:solidFill>
-                    <a:latin typeface="微软雅黑 Light" panose="020B0502040204020203" pitchFamily="34" charset="-122"/>
-                    <a:ea typeface="微软雅黑 Light" panose="020B0502040204020203" pitchFamily="34" charset="-122"/>
-                  </a:rPr>
-                  <a:t>)</a:t>
-                </a:r>
-              </a:p>
-              <a:p>
-                <a:pPr marL="0" indent="0">
-                  <a:lnSpc>
-                    <a:spcPct val="150000"/>
-                  </a:lnSpc>
-                  <a:buNone/>
-                </a:pPr>
                 <a:endParaRPr lang="en-US" altLang="zh-CN" sz="2800" dirty="0">
                   <a:solidFill>
                     <a:schemeClr val="tx1">
@@ -19433,7 +17545,7 @@
     </p:spTree>
     <p:extLst>
       <p:ext uri="{BB962C8B-B14F-4D97-AF65-F5344CB8AC3E}">
-        <p14:creationId xmlns:p14="http://schemas.microsoft.com/office/powerpoint/2010/main" val="228124444"/>
+        <p14:creationId xmlns:p14="http://schemas.microsoft.com/office/powerpoint/2010/main" val="2127806141"/>
       </p:ext>
     </p:extLst>
   </p:cSld>
@@ -20141,6 +18253,254 @@
                   </a:rPr>
                   <a:t>     </a:t>
                 </a:r>
+                <a14:m>
+                  <m:oMath xmlns:m="http://schemas.openxmlformats.org/officeDocument/2006/math">
+                    <m:d>
+                      <m:dPr>
+                        <m:begChr m:val="‖"/>
+                        <m:endChr m:val="‖"/>
+                        <m:ctrlPr>
+                          <a:rPr lang="en-US" altLang="zh-CN" sz="2800" i="1" dirty="0">
+                            <a:solidFill>
+                              <a:schemeClr val="tx1">
+                                <a:lumMod val="65000"/>
+                                <a:lumOff val="35000"/>
+                              </a:schemeClr>
+                            </a:solidFill>
+                            <a:latin typeface="Cambria Math" panose="02040503050406030204" pitchFamily="18" charset="0"/>
+                            <a:ea typeface="微软雅黑 Light" panose="020B0502040204020203" pitchFamily="34" charset="-122"/>
+                          </a:rPr>
+                        </m:ctrlPr>
+                      </m:dPr>
+                      <m:e>
+                        <m:acc>
+                          <m:accPr>
+                            <m:chr m:val="⃗"/>
+                            <m:ctrlPr>
+                              <a:rPr lang="en-US" altLang="zh-CN" sz="2800" i="1" dirty="0">
+                                <a:solidFill>
+                                  <a:schemeClr val="tx1">
+                                    <a:lumMod val="65000"/>
+                                    <a:lumOff val="35000"/>
+                                  </a:schemeClr>
+                                </a:solidFill>
+                                <a:latin typeface="Cambria Math" panose="02040503050406030204" pitchFamily="18" charset="0"/>
+                                <a:ea typeface="微软雅黑 Light" panose="020B0502040204020203" pitchFamily="34" charset="-122"/>
+                              </a:rPr>
+                            </m:ctrlPr>
+                          </m:accPr>
+                          <m:e>
+                            <m:r>
+                              <a:rPr lang="en-US" altLang="zh-CN" sz="2800" i="1" dirty="0">
+                                <a:solidFill>
+                                  <a:schemeClr val="tx1">
+                                    <a:lumMod val="65000"/>
+                                    <a:lumOff val="35000"/>
+                                  </a:schemeClr>
+                                </a:solidFill>
+                                <a:latin typeface="Cambria Math" panose="02040503050406030204" pitchFamily="18" charset="0"/>
+                                <a:ea typeface="微软雅黑 Light" panose="020B0502040204020203" pitchFamily="34" charset="-122"/>
+                              </a:rPr>
+                              <m:t>𝑝</m:t>
+                            </m:r>
+                          </m:e>
+                        </m:acc>
+                      </m:e>
+                    </m:d>
+                    <m:r>
+                      <a:rPr lang="en-US" altLang="zh-CN" sz="2800" dirty="0">
+                        <a:solidFill>
+                          <a:schemeClr val="tx1">
+                            <a:lumMod val="65000"/>
+                            <a:lumOff val="35000"/>
+                          </a:schemeClr>
+                        </a:solidFill>
+                        <a:latin typeface="Cambria Math" panose="02040503050406030204" pitchFamily="18" charset="0"/>
+                        <a:ea typeface="微软雅黑 Light" panose="020B0502040204020203" pitchFamily="34" charset="-122"/>
+                      </a:rPr>
+                      <m:t>=0</m:t>
+                    </m:r>
+                    <m:r>
+                      <a:rPr lang="en-US" altLang="zh-CN" sz="2800" i="1" dirty="0">
+                        <a:solidFill>
+                          <a:schemeClr val="tx1">
+                            <a:lumMod val="65000"/>
+                            <a:lumOff val="35000"/>
+                          </a:schemeClr>
+                        </a:solidFill>
+                        <a:latin typeface="Cambria Math" panose="02040503050406030204" pitchFamily="18" charset="0"/>
+                        <a:ea typeface="Cambria Math" panose="02040503050406030204" pitchFamily="18" charset="0"/>
+                      </a:rPr>
+                      <m:t>⟺</m:t>
+                    </m:r>
+                  </m:oMath>
+                </a14:m>
+                <a:r>
+                  <a:rPr lang="en-US" altLang="zh-CN" sz="2800" dirty="0">
+                    <a:solidFill>
+                      <a:schemeClr val="tx1">
+                        <a:lumMod val="65000"/>
+                        <a:lumOff val="35000"/>
+                      </a:schemeClr>
+                    </a:solidFill>
+                    <a:ea typeface="微软雅黑 Light" panose="020B0502040204020203" pitchFamily="34" charset="-122"/>
+                  </a:rPr>
+                  <a:t> </a:t>
+                </a:r>
+                <a14:m>
+                  <m:oMath xmlns:m="http://schemas.openxmlformats.org/officeDocument/2006/math">
+                    <m:acc>
+                      <m:accPr>
+                        <m:chr m:val="⃗"/>
+                        <m:ctrlPr>
+                          <a:rPr lang="en-US" altLang="zh-CN" sz="2800" i="1" dirty="0">
+                            <a:solidFill>
+                              <a:schemeClr val="tx1">
+                                <a:lumMod val="65000"/>
+                                <a:lumOff val="35000"/>
+                              </a:schemeClr>
+                            </a:solidFill>
+                            <a:latin typeface="Cambria Math" panose="02040503050406030204" pitchFamily="18" charset="0"/>
+                            <a:ea typeface="微软雅黑 Light" panose="020B0502040204020203" pitchFamily="34" charset="-122"/>
+                          </a:rPr>
+                        </m:ctrlPr>
+                      </m:accPr>
+                      <m:e>
+                        <m:r>
+                          <a:rPr lang="en-US" altLang="zh-CN" sz="2800" i="1" dirty="0">
+                            <a:solidFill>
+                              <a:schemeClr val="tx1">
+                                <a:lumMod val="65000"/>
+                                <a:lumOff val="35000"/>
+                              </a:schemeClr>
+                            </a:solidFill>
+                            <a:latin typeface="Cambria Math" panose="02040503050406030204" pitchFamily="18" charset="0"/>
+                            <a:ea typeface="微软雅黑 Light" panose="020B0502040204020203" pitchFamily="34" charset="-122"/>
+                          </a:rPr>
+                          <m:t>𝑝</m:t>
+                        </m:r>
+                      </m:e>
+                    </m:acc>
+                    <m:r>
+                      <a:rPr lang="en-US" altLang="zh-CN" sz="2800" i="1" dirty="0">
+                        <a:solidFill>
+                          <a:schemeClr val="tx1">
+                            <a:lumMod val="65000"/>
+                            <a:lumOff val="35000"/>
+                          </a:schemeClr>
+                        </a:solidFill>
+                        <a:latin typeface="Cambria Math" panose="02040503050406030204" pitchFamily="18" charset="0"/>
+                        <a:ea typeface="微软雅黑 Light" panose="020B0502040204020203" pitchFamily="34" charset="-122"/>
+                      </a:rPr>
+                      <m:t>=</m:t>
+                    </m:r>
+                    <m:sSup>
+                      <m:sSupPr>
+                        <m:ctrlPr>
+                          <a:rPr lang="en-US" altLang="zh-CN" sz="2800" i="1" dirty="0">
+                            <a:solidFill>
+                              <a:schemeClr val="tx1">
+                                <a:lumMod val="65000"/>
+                                <a:lumOff val="35000"/>
+                              </a:schemeClr>
+                            </a:solidFill>
+                            <a:latin typeface="Cambria Math" panose="02040503050406030204" pitchFamily="18" charset="0"/>
+                            <a:ea typeface="微软雅黑 Light" panose="020B0502040204020203" pitchFamily="34" charset="-122"/>
+                          </a:rPr>
+                        </m:ctrlPr>
+                      </m:sSupPr>
+                      <m:e>
+                        <m:d>
+                          <m:dPr>
+                            <m:ctrlPr>
+                              <a:rPr lang="en-US" altLang="zh-CN" sz="2800" i="1" dirty="0">
+                                <a:solidFill>
+                                  <a:schemeClr val="tx1">
+                                    <a:lumMod val="65000"/>
+                                    <a:lumOff val="35000"/>
+                                  </a:schemeClr>
+                                </a:solidFill>
+                                <a:latin typeface="Cambria Math" panose="02040503050406030204" pitchFamily="18" charset="0"/>
+                                <a:ea typeface="微软雅黑 Light" panose="020B0502040204020203" pitchFamily="34" charset="-122"/>
+                              </a:rPr>
+                            </m:ctrlPr>
+                          </m:dPr>
+                          <m:e>
+                            <m:m>
+                              <m:mPr>
+                                <m:mcs>
+                                  <m:mc>
+                                    <m:mcPr>
+                                      <m:count m:val="1"/>
+                                      <m:mcJc m:val="center"/>
+                                    </m:mcPr>
+                                  </m:mc>
+                                </m:mcs>
+                                <m:ctrlPr>
+                                  <a:rPr lang="en-US" altLang="zh-CN" sz="2800" i="1" dirty="0">
+                                    <a:solidFill>
+                                      <a:schemeClr val="tx1">
+                                        <a:lumMod val="65000"/>
+                                        <a:lumOff val="35000"/>
+                                      </a:schemeClr>
+                                    </a:solidFill>
+                                    <a:latin typeface="Cambria Math" panose="02040503050406030204" pitchFamily="18" charset="0"/>
+                                    <a:ea typeface="微软雅黑 Light" panose="020B0502040204020203" pitchFamily="34" charset="-122"/>
+                                  </a:rPr>
+                                </m:ctrlPr>
+                              </m:mPr>
+                              <m:mr>
+                                <m:e>
+                                  <m:r>
+                                    <a:rPr lang="en-US" altLang="zh-CN" sz="2800" i="1" dirty="0">
+                                      <a:solidFill>
+                                        <a:schemeClr val="tx1">
+                                          <a:lumMod val="65000"/>
+                                          <a:lumOff val="35000"/>
+                                        </a:schemeClr>
+                                      </a:solidFill>
+                                      <a:latin typeface="Cambria Math" panose="02040503050406030204" pitchFamily="18" charset="0"/>
+                                      <a:ea typeface="微软雅黑 Light" panose="020B0502040204020203" pitchFamily="34" charset="-122"/>
+                                    </a:rPr>
+                                    <m:t>0</m:t>
+                                  </m:r>
+                                </m:e>
+                              </m:mr>
+                            </m:m>
+                            <m:r>
+                              <a:rPr lang="en-US" altLang="zh-CN" sz="2800" i="1" dirty="0">
+                                <a:solidFill>
+                                  <a:schemeClr val="tx1">
+                                    <a:lumMod val="65000"/>
+                                    <a:lumOff val="35000"/>
+                                  </a:schemeClr>
+                                </a:solidFill>
+                                <a:latin typeface="Cambria Math" panose="02040503050406030204" pitchFamily="18" charset="0"/>
+                                <a:ea typeface="微软雅黑 Light" panose="020B0502040204020203" pitchFamily="34" charset="-122"/>
+                              </a:rPr>
+                              <m:t>, 0, …,0</m:t>
+                            </m:r>
+                          </m:e>
+                        </m:d>
+                      </m:e>
+                      <m:sup>
+                        <m:r>
+                          <a:rPr lang="en-US" altLang="zh-CN" sz="2800" i="1" dirty="0">
+                            <a:solidFill>
+                              <a:schemeClr val="tx1">
+                                <a:lumMod val="65000"/>
+                                <a:lumOff val="35000"/>
+                              </a:schemeClr>
+                            </a:solidFill>
+                            <a:latin typeface="Cambria Math" panose="02040503050406030204" pitchFamily="18" charset="0"/>
+                            <a:ea typeface="微软雅黑 Light" panose="020B0502040204020203" pitchFamily="34" charset="-122"/>
+                          </a:rPr>
+                          <m:t>𝑇</m:t>
+                        </m:r>
+                      </m:sup>
+                    </m:sSup>
+                  </m:oMath>
+                </a14:m>
                 <a:endParaRPr lang="en-US" altLang="zh-CN" sz="2800" dirty="0">
                   <a:solidFill>
                     <a:schemeClr val="tx1">
@@ -20153,11 +18513,24 @@
                 </a:endParaRPr>
               </a:p>
               <a:p>
-                <a:pPr>
+                <a:pPr marL="0" indent="0">
                   <a:lnSpc>
                     <a:spcPct val="150000"/>
                   </a:lnSpc>
+                  <a:buNone/>
                 </a:pPr>
+                <a:r>
+                  <a:rPr lang="en-US" altLang="zh-CN" sz="2800" dirty="0">
+                    <a:solidFill>
+                      <a:schemeClr val="tx1">
+                        <a:lumMod val="65000"/>
+                        <a:lumOff val="35000"/>
+                      </a:schemeClr>
+                    </a:solidFill>
+                    <a:ea typeface="微软雅黑 Light" panose="020B0502040204020203" pitchFamily="34" charset="-122"/>
+                  </a:rPr>
+                  <a:t>     </a:t>
+                </a:r>
                 <a:endParaRPr lang="en-US" altLang="zh-CN" sz="2800" i="1" dirty="0">
                   <a:solidFill>
                     <a:schemeClr val="tx1">
@@ -20290,7 +18663,7 @@
     </p:spTree>
     <p:extLst>
       <p:ext uri="{BB962C8B-B14F-4D97-AF65-F5344CB8AC3E}">
-        <p14:creationId xmlns:p14="http://schemas.microsoft.com/office/powerpoint/2010/main" val="2127806141"/>
+        <p14:creationId xmlns:p14="http://schemas.microsoft.com/office/powerpoint/2010/main" val="3545364125"/>
       </p:ext>
     </p:extLst>
   </p:cSld>

--- a/PPT/03_向量大小与方向.pptx
+++ b/PPT/03_向量大小与方向.pptx
@@ -8,7 +8,7 @@
     <p:notesMasterId r:id="rId15"/>
   </p:notesMasterIdLst>
   <p:sldIdLst>
-    <p:sldId id="256" r:id="rId2"/>
+    <p:sldId id="271" r:id="rId2"/>
     <p:sldId id="257" r:id="rId3"/>
     <p:sldId id="264" r:id="rId4"/>
     <p:sldId id="260" r:id="rId5"/>
@@ -20,7 +20,7 @@
     <p:sldId id="268" r:id="rId11"/>
     <p:sldId id="269" r:id="rId12"/>
     <p:sldId id="270" r:id="rId13"/>
-    <p:sldId id="259" r:id="rId14"/>
+    <p:sldId id="272" r:id="rId14"/>
   </p:sldIdLst>
   <p:sldSz cx="9144000" cy="5143500" type="screen16x9"/>
   <p:notesSz cx="6858000" cy="9144000"/>
@@ -336,7 +336,7 @@
               <a:pPr>
                 <a:defRPr/>
               </a:pPr>
-              <a:t>2017/8/10</a:t>
+              <a:t>2017/10/9</a:t>
             </a:fld>
             <a:endParaRPr lang="zh-CN" altLang="en-US" sz="1200"/>
           </a:p>
@@ -3184,66 +3184,6 @@
           <a:chExt cx="0" cy="0"/>
         </a:xfrm>
       </p:grpSpPr>
-      <p:pic>
-        <p:nvPicPr>
-          <p:cNvPr id="2050" name="Picture 2" descr="D:\work\CSDN学院ppt\5.jpg">
-            <a:extLst>
-              <a:ext uri="{FF2B5EF4-FFF2-40B4-BE49-F238E27FC236}">
-                <a16:creationId xmlns:a16="http://schemas.microsoft.com/office/drawing/2014/main" id="{736691C9-DDCA-49F7-B495-F8B240079F98}"/>
-              </a:ext>
-            </a:extLst>
-          </p:cNvPr>
-          <p:cNvPicPr>
-            <a:picLocks noChangeAspect="1" noChangeArrowheads="1"/>
-          </p:cNvPicPr>
-          <p:nvPr/>
-        </p:nvPicPr>
-        <p:blipFill>
-          <a:blip r:embed="rId2">
-            <a:extLst>
-              <a:ext uri="{28A0092B-C50C-407E-A947-70E740481C1C}">
-                <a14:useLocalDpi xmlns:a14="http://schemas.microsoft.com/office/drawing/2010/main" val="0"/>
-              </a:ext>
-            </a:extLst>
-          </a:blip>
-          <a:srcRect/>
-          <a:stretch>
-            <a:fillRect/>
-          </a:stretch>
-        </p:blipFill>
-        <p:spPr bwMode="auto">
-          <a:xfrm>
-            <a:off x="0" y="0"/>
-            <a:ext cx="9140825" cy="5141913"/>
-          </a:xfrm>
-          <a:prstGeom prst="rect">
-            <a:avLst/>
-          </a:prstGeom>
-          <a:noFill/>
-          <a:ln>
-            <a:noFill/>
-          </a:ln>
-          <a:extLst>
-            <a:ext uri="{909E8E84-426E-40DD-AFC4-6F175D3DCCD1}">
-              <a14:hiddenFill xmlns:a14="http://schemas.microsoft.com/office/drawing/2010/main">
-                <a:solidFill>
-                  <a:srgbClr val="FFFFFF"/>
-                </a:solidFill>
-              </a14:hiddenFill>
-            </a:ext>
-            <a:ext uri="{91240B29-F687-4F45-9708-019B960494DF}">
-              <a14:hiddenLine xmlns:a14="http://schemas.microsoft.com/office/drawing/2010/main" w="9525">
-                <a:solidFill>
-                  <a:srgbClr val="000000"/>
-                </a:solidFill>
-                <a:miter lim="800000"/>
-                <a:headEnd/>
-                <a:tailEnd/>
-              </a14:hiddenLine>
-            </a:ext>
-          </a:extLst>
-        </p:spPr>
-      </p:pic>
       <p:sp>
         <p:nvSpPr>
           <p:cNvPr id="3075" name="Title 1">
@@ -3302,27 +3242,6 @@
               <a:buNone/>
               <a:defRPr/>
             </a:pPr>
-            <a:endParaRPr lang="en-US" altLang="zh-CN" sz="4800" dirty="0">
-              <a:solidFill>
-                <a:schemeClr val="tx1">
-                  <a:lumMod val="65000"/>
-                  <a:lumOff val="35000"/>
-                </a:schemeClr>
-              </a:solidFill>
-              <a:latin typeface="微软雅黑" panose="020B0503020204020204" pitchFamily="34" charset="-122"/>
-              <a:ea typeface="微软雅黑" panose="020B0503020204020204" pitchFamily="34" charset="-122"/>
-              <a:sym typeface="微软雅黑" panose="020B0503020204020204" pitchFamily="34" charset="-122"/>
-            </a:endParaRPr>
-          </a:p>
-          <a:p>
-            <a:pPr algn="ctr" eaLnBrk="1" hangingPunct="1">
-              <a:lnSpc>
-                <a:spcPct val="90000"/>
-              </a:lnSpc>
-              <a:buFont typeface="Arial" panose="020B0604020202020204" pitchFamily="34" charset="0"/>
-              <a:buNone/>
-              <a:defRPr/>
-            </a:pPr>
             <a:r>
               <a:rPr lang="zh-CN" altLang="en-US" sz="4800" dirty="0">
                 <a:solidFill>
@@ -3353,224 +3272,10 @@
       </p:sp>
       <p:sp>
         <p:nvSpPr>
-          <p:cNvPr id="2052" name="文本框 4">
-            <a:extLst>
-              <a:ext uri="{FF2B5EF4-FFF2-40B4-BE49-F238E27FC236}">
-                <a16:creationId xmlns:a16="http://schemas.microsoft.com/office/drawing/2014/main" id="{C9201F73-94F1-495D-9050-ACB50FD65D99}"/>
-              </a:ext>
-            </a:extLst>
-          </p:cNvPr>
-          <p:cNvSpPr>
-            <a:spLocks noChangeArrowheads="1"/>
-          </p:cNvSpPr>
-          <p:nvPr/>
-        </p:nvSpPr>
-        <p:spPr bwMode="auto">
-          <a:xfrm>
-            <a:off x="4473575" y="2787650"/>
-            <a:ext cx="4202113" cy="336695"/>
-          </a:xfrm>
-          <a:prstGeom prst="rect">
-            <a:avLst/>
-          </a:prstGeom>
-          <a:noFill/>
-          <a:ln>
-            <a:noFill/>
-          </a:ln>
-          <a:extLst>
-            <a:ext uri="{909E8E84-426E-40DD-AFC4-6F175D3DCCD1}">
-              <a14:hiddenFill xmlns:a14="http://schemas.microsoft.com/office/drawing/2010/main">
-                <a:solidFill>
-                  <a:srgbClr val="FFFFFF"/>
-                </a:solidFill>
-              </a14:hiddenFill>
-            </a:ext>
-            <a:ext uri="{91240B29-F687-4F45-9708-019B960494DF}">
-              <a14:hiddenLine xmlns:a14="http://schemas.microsoft.com/office/drawing/2010/main" w="9525">
-                <a:solidFill>
-                  <a:srgbClr val="000000"/>
-                </a:solidFill>
-                <a:miter lim="800000"/>
-                <a:headEnd/>
-                <a:tailEnd/>
-              </a14:hiddenLine>
-            </a:ext>
-          </a:extLst>
-        </p:spPr>
-        <p:txBody>
-          <a:bodyPr>
-            <a:spAutoFit/>
-          </a:bodyPr>
-          <a:lstStyle>
-            <a:lvl1pPr>
-              <a:buFont typeface="Arial" panose="020B0604020202020204" pitchFamily="34" charset="0"/>
-              <a:defRPr>
-                <a:solidFill>
-                  <a:schemeClr val="tx1"/>
-                </a:solidFill>
-                <a:latin typeface="Arial" panose="020B0604020202020204" pitchFamily="34" charset="0"/>
-                <a:ea typeface="宋体" panose="02010600030101010101" pitchFamily="2" charset="-122"/>
-              </a:defRPr>
-            </a:lvl1pPr>
-            <a:lvl2pPr marL="742950" indent="-285750">
-              <a:buFont typeface="Arial" panose="020B0604020202020204" pitchFamily="34" charset="0"/>
-              <a:defRPr>
-                <a:solidFill>
-                  <a:schemeClr val="tx1"/>
-                </a:solidFill>
-                <a:latin typeface="Arial" panose="020B0604020202020204" pitchFamily="34" charset="0"/>
-                <a:ea typeface="宋体" panose="02010600030101010101" pitchFamily="2" charset="-122"/>
-              </a:defRPr>
-            </a:lvl2pPr>
-            <a:lvl3pPr marL="1143000" indent="-228600">
-              <a:buFont typeface="Arial" panose="020B0604020202020204" pitchFamily="34" charset="0"/>
-              <a:defRPr>
-                <a:solidFill>
-                  <a:schemeClr val="tx1"/>
-                </a:solidFill>
-                <a:latin typeface="Arial" panose="020B0604020202020204" pitchFamily="34" charset="0"/>
-                <a:ea typeface="宋体" panose="02010600030101010101" pitchFamily="2" charset="-122"/>
-              </a:defRPr>
-            </a:lvl3pPr>
-            <a:lvl4pPr marL="1600200" indent="-228600">
-              <a:buFont typeface="Arial" panose="020B0604020202020204" pitchFamily="34" charset="0"/>
-              <a:defRPr>
-                <a:solidFill>
-                  <a:schemeClr val="tx1"/>
-                </a:solidFill>
-                <a:latin typeface="Arial" panose="020B0604020202020204" pitchFamily="34" charset="0"/>
-                <a:ea typeface="宋体" panose="02010600030101010101" pitchFamily="2" charset="-122"/>
-              </a:defRPr>
-            </a:lvl4pPr>
-            <a:lvl5pPr marL="2057400" indent="-228600">
-              <a:buFont typeface="Arial" panose="020B0604020202020204" pitchFamily="34" charset="0"/>
-              <a:defRPr>
-                <a:solidFill>
-                  <a:schemeClr val="tx1"/>
-                </a:solidFill>
-                <a:latin typeface="Arial" panose="020B0604020202020204" pitchFamily="34" charset="0"/>
-                <a:ea typeface="宋体" panose="02010600030101010101" pitchFamily="2" charset="-122"/>
-              </a:defRPr>
-            </a:lvl5pPr>
-            <a:lvl6pPr marL="2514600" indent="-228600" eaLnBrk="0" fontAlgn="base" hangingPunct="0">
-              <a:spcBef>
-                <a:spcPct val="0"/>
-              </a:spcBef>
-              <a:spcAft>
-                <a:spcPct val="0"/>
-              </a:spcAft>
-              <a:buFont typeface="Arial" panose="020B0604020202020204" pitchFamily="34" charset="0"/>
-              <a:defRPr>
-                <a:solidFill>
-                  <a:schemeClr val="tx1"/>
-                </a:solidFill>
-                <a:latin typeface="Arial" panose="020B0604020202020204" pitchFamily="34" charset="0"/>
-                <a:ea typeface="宋体" panose="02010600030101010101" pitchFamily="2" charset="-122"/>
-              </a:defRPr>
-            </a:lvl6pPr>
-            <a:lvl7pPr marL="2971800" indent="-228600" eaLnBrk="0" fontAlgn="base" hangingPunct="0">
-              <a:spcBef>
-                <a:spcPct val="0"/>
-              </a:spcBef>
-              <a:spcAft>
-                <a:spcPct val="0"/>
-              </a:spcAft>
-              <a:buFont typeface="Arial" panose="020B0604020202020204" pitchFamily="34" charset="0"/>
-              <a:defRPr>
-                <a:solidFill>
-                  <a:schemeClr val="tx1"/>
-                </a:solidFill>
-                <a:latin typeface="Arial" panose="020B0604020202020204" pitchFamily="34" charset="0"/>
-                <a:ea typeface="宋体" panose="02010600030101010101" pitchFamily="2" charset="-122"/>
-              </a:defRPr>
-            </a:lvl7pPr>
-            <a:lvl8pPr marL="3429000" indent="-228600" eaLnBrk="0" fontAlgn="base" hangingPunct="0">
-              <a:spcBef>
-                <a:spcPct val="0"/>
-              </a:spcBef>
-              <a:spcAft>
-                <a:spcPct val="0"/>
-              </a:spcAft>
-              <a:buFont typeface="Arial" panose="020B0604020202020204" pitchFamily="34" charset="0"/>
-              <a:defRPr>
-                <a:solidFill>
-                  <a:schemeClr val="tx1"/>
-                </a:solidFill>
-                <a:latin typeface="Arial" panose="020B0604020202020204" pitchFamily="34" charset="0"/>
-                <a:ea typeface="宋体" panose="02010600030101010101" pitchFamily="2" charset="-122"/>
-              </a:defRPr>
-            </a:lvl8pPr>
-            <a:lvl9pPr marL="3886200" indent="-228600" eaLnBrk="0" fontAlgn="base" hangingPunct="0">
-              <a:spcBef>
-                <a:spcPct val="0"/>
-              </a:spcBef>
-              <a:spcAft>
-                <a:spcPct val="0"/>
-              </a:spcAft>
-              <a:buFont typeface="Arial" panose="020B0604020202020204" pitchFamily="34" charset="0"/>
-              <a:defRPr>
-                <a:solidFill>
-                  <a:schemeClr val="tx1"/>
-                </a:solidFill>
-                <a:latin typeface="Arial" panose="020B0604020202020204" pitchFamily="34" charset="0"/>
-                <a:ea typeface="宋体" panose="02010600030101010101" pitchFamily="2" charset="-122"/>
-              </a:defRPr>
-            </a:lvl9pPr>
-          </a:lstStyle>
-          <a:p>
-            <a:pPr eaLnBrk="1" hangingPunct="1">
-              <a:lnSpc>
-                <a:spcPct val="150000"/>
-              </a:lnSpc>
-            </a:pPr>
-            <a:r>
-              <a:rPr lang="en-US" altLang="zh-CN" sz="1200" dirty="0">
-                <a:solidFill>
-                  <a:schemeClr val="tx1">
-                    <a:lumMod val="65000"/>
-                    <a:lumOff val="35000"/>
-                  </a:schemeClr>
-                </a:solidFill>
-                <a:latin typeface="微软雅黑" panose="020B0503020204020204" pitchFamily="34" charset="-122"/>
-                <a:ea typeface="微软雅黑" panose="020B0503020204020204" pitchFamily="34" charset="-122"/>
-                <a:sym typeface="微软雅黑" panose="020B0503020204020204" pitchFamily="34" charset="-122"/>
-              </a:rPr>
-              <a:t>CSDN</a:t>
-            </a:r>
-            <a:r>
-              <a:rPr lang="zh-CN" altLang="en-US" sz="1200" dirty="0">
-                <a:solidFill>
-                  <a:schemeClr val="tx1">
-                    <a:lumMod val="65000"/>
-                    <a:lumOff val="35000"/>
-                  </a:schemeClr>
-                </a:solidFill>
-                <a:latin typeface="微软雅黑" panose="020B0503020204020204" pitchFamily="34" charset="-122"/>
-                <a:ea typeface="微软雅黑" panose="020B0503020204020204" pitchFamily="34" charset="-122"/>
-                <a:sym typeface="微软雅黑" panose="020B0503020204020204" pitchFamily="34" charset="-122"/>
-              </a:rPr>
-              <a:t>博客地址</a:t>
-            </a:r>
-            <a:endParaRPr lang="en-US" altLang="zh-CN" sz="1200" dirty="0">
-              <a:solidFill>
-                <a:schemeClr val="tx1">
-                  <a:lumMod val="65000"/>
-                  <a:lumOff val="35000"/>
-                </a:schemeClr>
-              </a:solidFill>
-              <a:latin typeface="微软雅黑" panose="020B0503020204020204" pitchFamily="34" charset="-122"/>
-              <a:ea typeface="微软雅黑" panose="020B0503020204020204" pitchFamily="34" charset="-122"/>
-              <a:sym typeface="微软雅黑" panose="020B0503020204020204" pitchFamily="34" charset="-122"/>
-            </a:endParaRPr>
-          </a:p>
-        </p:txBody>
-      </p:sp>
-      <p:sp>
-        <p:nvSpPr>
           <p:cNvPr id="2053" name="矩形 6">
             <a:extLst>
               <a:ext uri="{FF2B5EF4-FFF2-40B4-BE49-F238E27FC236}">
-                <a16:creationId xmlns:a16="http://schemas.microsoft.com/office/drawing/2014/main" id="{FB77DFCE-9043-42D7-BD57-B1A31B8718D3}"/>
+                <a16:creationId xmlns:a16="http://schemas.microsoft.com/office/drawing/2014/main" id="{B6D1BE42-F098-437C-9215-32B167654286}"/>
               </a:ext>
             </a:extLst>
           </p:cNvPr>
@@ -3741,7 +3446,7 @@
           <p:cNvPr id="2054" name="矩形 7">
             <a:extLst>
               <a:ext uri="{FF2B5EF4-FFF2-40B4-BE49-F238E27FC236}">
-                <a16:creationId xmlns:a16="http://schemas.microsoft.com/office/drawing/2014/main" id="{8ACB1FD7-669E-4878-A177-7A0EBF8D7AA2}"/>
+                <a16:creationId xmlns:a16="http://schemas.microsoft.com/office/drawing/2014/main" id="{97A2F271-8B12-4465-82A9-8CCD51D27912}"/>
               </a:ext>
             </a:extLst>
           </p:cNvPr>
@@ -3909,7 +3614,7 @@
               </a:lnSpc>
             </a:pPr>
             <a:r>
-              <a:rPr lang="zh-CN" altLang="en-US" sz="1400">
+              <a:rPr lang="zh-CN" altLang="en-US" sz="1400" dirty="0">
                 <a:solidFill>
                   <a:schemeClr val="bg1"/>
                 </a:solidFill>
@@ -3950,10 +3655,10 @@
       </p:sp>
       <p:sp>
         <p:nvSpPr>
-          <p:cNvPr id="2055" name="文本框 6">
+          <p:cNvPr id="12" name="矩形 6">
             <a:extLst>
               <a:ext uri="{FF2B5EF4-FFF2-40B4-BE49-F238E27FC236}">
-                <a16:creationId xmlns:a16="http://schemas.microsoft.com/office/drawing/2014/main" id="{BDE8A730-D279-476D-A3B2-A60703C46AD9}"/>
+                <a16:creationId xmlns:a16="http://schemas.microsoft.com/office/drawing/2014/main" id="{0E39F71D-14AF-466F-80F7-D013332A6BF5}"/>
               </a:ext>
             </a:extLst>
           </p:cNvPr>
@@ -3964,30 +3669,25 @@
         </p:nvSpPr>
         <p:spPr bwMode="auto">
           <a:xfrm>
-            <a:off x="4500563" y="3230563"/>
-            <a:ext cx="2735262" cy="276225"/>
+            <a:off x="0" y="4622222"/>
+            <a:ext cx="9144000" cy="538162"/>
           </a:xfrm>
           <a:prstGeom prst="rect">
             <a:avLst/>
           </a:prstGeom>
-          <a:noFill/>
+          <a:solidFill>
+            <a:srgbClr val="C00000"/>
+          </a:solidFill>
           <a:ln>
             <a:noFill/>
           </a:ln>
           <a:extLst>
-            <a:ext uri="{909E8E84-426E-40DD-AFC4-6F175D3DCCD1}">
-              <a14:hiddenFill xmlns:a14="http://schemas.microsoft.com/office/drawing/2010/main">
+            <a:ext uri="{91240B29-F687-4F45-9708-019B960494DF}">
+              <a14:hiddenLine xmlns:a14="http://schemas.microsoft.com/office/drawing/2010/main" w="25400">
                 <a:solidFill>
-                  <a:srgbClr val="FFFFFF"/>
+                  <a:srgbClr val="395E8A"/>
                 </a:solidFill>
-              </a14:hiddenFill>
-            </a:ext>
-            <a:ext uri="{91240B29-F687-4F45-9708-019B960494DF}">
-              <a14:hiddenLine xmlns:a14="http://schemas.microsoft.com/office/drawing/2010/main" w="9525">
-                <a:solidFill>
-                  <a:srgbClr val="000000"/>
-                </a:solidFill>
-                <a:miter lim="800000"/>
+                <a:bevel/>
                 <a:headEnd/>
                 <a:tailEnd/>
               </a14:hiddenLine>
@@ -3995,9 +3695,7 @@
           </a:extLst>
         </p:spPr>
         <p:txBody>
-          <a:bodyPr>
-            <a:spAutoFit/>
-          </a:bodyPr>
+          <a:bodyPr anchor="ctr"/>
           <a:lstStyle>
             <a:lvl1pPr>
               <a:buFont typeface="Arial" panose="020B0604020202020204" pitchFamily="34" charset="0"/>
@@ -4115,106 +3813,99 @@
             </a:lvl9pPr>
           </a:lstStyle>
           <a:p>
-            <a:pPr eaLnBrk="1" hangingPunct="1"/>
-            <a:r>
-              <a:rPr lang="en-US" altLang="zh-CN" sz="1200">
-                <a:solidFill>
-                  <a:schemeClr val="tx1">
-                    <a:lumMod val="65000"/>
-                    <a:lumOff val="35000"/>
-                  </a:schemeClr>
-                </a:solidFill>
-                <a:latin typeface="微软雅黑" panose="020B0503020204020204" pitchFamily="34" charset="-122"/>
-                <a:ea typeface="微软雅黑" panose="020B0503020204020204" pitchFamily="34" charset="-122"/>
-                <a:sym typeface="微软雅黑" panose="020B0503020204020204" pitchFamily="34" charset="-122"/>
-              </a:rPr>
-              <a:t>http://blog.csdn.net/zhangci226</a:t>
-            </a:r>
-            <a:endParaRPr lang="zh-CN" altLang="en-US" sz="1200">
+            <a:pPr algn="ctr" eaLnBrk="1" hangingPunct="1"/>
+            <a:endParaRPr lang="zh-CN" altLang="zh-CN">
               <a:solidFill>
-                <a:schemeClr val="tx1">
-                  <a:lumMod val="65000"/>
-                  <a:lumOff val="35000"/>
-                </a:schemeClr>
+                <a:srgbClr val="FFFFFF"/>
               </a:solidFill>
-              <a:latin typeface="微软雅黑" panose="020B0503020204020204" pitchFamily="34" charset="-122"/>
-              <a:ea typeface="微软雅黑" panose="020B0503020204020204" pitchFamily="34" charset="-122"/>
-              <a:sym typeface="微软雅黑" panose="020B0503020204020204" pitchFamily="34" charset="-122"/>
+              <a:latin typeface="宋体" panose="02010600030101010101" pitchFamily="2" charset="-122"/>
+              <a:sym typeface="宋体" panose="02010600030101010101" pitchFamily="2" charset="-122"/>
             </a:endParaRPr>
           </a:p>
         </p:txBody>
       </p:sp>
       <p:pic>
         <p:nvPicPr>
-          <p:cNvPr id="2056" name="Picture 2">
+          <p:cNvPr id="3" name="图片 2">
             <a:extLst>
               <a:ext uri="{FF2B5EF4-FFF2-40B4-BE49-F238E27FC236}">
-                <a16:creationId xmlns:a16="http://schemas.microsoft.com/office/drawing/2014/main" id="{8D614DD1-BBF4-4B86-95D7-98E1C330D7E0}"/>
+                <a16:creationId xmlns:a16="http://schemas.microsoft.com/office/drawing/2014/main" id="{583004D2-6E63-4036-ACDD-0910B14D3FCA}"/>
               </a:ext>
             </a:extLst>
           </p:cNvPr>
           <p:cNvPicPr>
-            <a:picLocks noChangeAspect="1" noChangeArrowheads="1"/>
+            <a:picLocks noChangeAspect="1"/>
           </p:cNvPicPr>
           <p:nvPr/>
         </p:nvPicPr>
         <p:blipFill>
-          <a:blip r:embed="rId3">
+          <a:blip r:embed="rId2">
             <a:extLst>
               <a:ext uri="{28A0092B-C50C-407E-A947-70E740481C1C}">
                 <a14:useLocalDpi xmlns:a14="http://schemas.microsoft.com/office/drawing/2010/main" val="0"/>
               </a:ext>
             </a:extLst>
           </a:blip>
-          <a:srcRect/>
           <a:stretch>
             <a:fillRect/>
           </a:stretch>
         </p:blipFill>
-        <p:spPr bwMode="auto">
+        <p:spPr>
           <a:xfrm>
-            <a:off x="107950" y="123825"/>
-            <a:ext cx="1296988" cy="539750"/>
+            <a:off x="251641" y="267559"/>
+            <a:ext cx="3379278" cy="4173683"/>
           </a:xfrm>
           <a:prstGeom prst="rect">
             <a:avLst/>
           </a:prstGeom>
-          <a:noFill/>
-          <a:ln>
-            <a:noFill/>
-          </a:ln>
-          <a:effectLst/>
-          <a:extLst>
-            <a:ext uri="{909E8E84-426E-40DD-AFC4-6F175D3DCCD1}">
-              <a14:hiddenFill xmlns:a14="http://schemas.microsoft.com/office/drawing/2010/main">
+        </p:spPr>
+      </p:pic>
+      <p:sp>
+        <p:nvSpPr>
+          <p:cNvPr id="4" name="矩形 3">
+            <a:extLst>
+              <a:ext uri="{FF2B5EF4-FFF2-40B4-BE49-F238E27FC236}">
+                <a16:creationId xmlns:a16="http://schemas.microsoft.com/office/drawing/2014/main" id="{4216CA4C-6561-4063-B20A-0403314CB7B8}"/>
+              </a:ext>
+            </a:extLst>
+          </p:cNvPr>
+          <p:cNvSpPr/>
+          <p:nvPr/>
+        </p:nvSpPr>
+        <p:spPr>
+          <a:xfrm>
+            <a:off x="6712629" y="4722628"/>
+            <a:ext cx="2431371" cy="369332"/>
+          </a:xfrm>
+          <a:prstGeom prst="rect">
+            <a:avLst/>
+          </a:prstGeom>
+        </p:spPr>
+        <p:txBody>
+          <a:bodyPr wrap="none">
+            <a:spAutoFit/>
+          </a:bodyPr>
+          <a:lstStyle/>
+          <a:p>
+            <a:r>
+              <a:rPr lang="en-US" altLang="zh-CN" dirty="0">
                 <a:solidFill>
                   <a:srgbClr val="FFFFFF"/>
                 </a:solidFill>
-              </a14:hiddenFill>
-            </a:ext>
-            <a:ext uri="{91240B29-F687-4F45-9708-019B960494DF}">
-              <a14:hiddenLine xmlns:a14="http://schemas.microsoft.com/office/drawing/2010/main" w="9525">
-                <a:solidFill>
-                  <a:srgbClr val="000000"/>
-                </a:solidFill>
-                <a:bevel/>
-                <a:headEnd/>
-                <a:tailEnd/>
-              </a14:hiddenLine>
-            </a:ext>
-            <a:ext uri="{AF507438-7753-43E0-B8FC-AC1667EBCBE1}">
-              <a14:hiddenEffects xmlns:a14="http://schemas.microsoft.com/office/drawing/2010/main">
-                <a:effectLst>
-                  <a:outerShdw dist="35921" dir="2700000" algn="ctr" rotWithShape="0">
-                    <a:srgbClr val="808080"/>
-                  </a:outerShdw>
-                </a:effectLst>
-              </a14:hiddenEffects>
-            </a:ext>
-          </a:extLst>
-        </p:spPr>
-      </p:pic>
+                <a:latin typeface="MicrosoftYaHei"/>
+              </a:rPr>
+              <a:t>GRAPHICS LABORATORY</a:t>
+            </a:r>
+            <a:endParaRPr lang="zh-CN" altLang="en-US" dirty="0"/>
+          </a:p>
+        </p:txBody>
+      </p:sp>
     </p:spTree>
+    <p:extLst>
+      <p:ext uri="{BB962C8B-B14F-4D97-AF65-F5344CB8AC3E}">
+        <p14:creationId xmlns:p14="http://schemas.microsoft.com/office/powerpoint/2010/main" val="2211701857"/>
+      </p:ext>
+    </p:extLst>
   </p:cSld>
   <p:clrMapOvr>
     <a:masterClrMapping/>
@@ -4239,76 +3930,6 @@
           <a:chExt cx="0" cy="0"/>
         </a:xfrm>
       </p:grpSpPr>
-      <p:pic>
-        <p:nvPicPr>
-          <p:cNvPr id="3074" name="Picture 2">
-            <a:extLst>
-              <a:ext uri="{FF2B5EF4-FFF2-40B4-BE49-F238E27FC236}">
-                <a16:creationId xmlns:a16="http://schemas.microsoft.com/office/drawing/2014/main" id="{602C339E-BA86-4A21-AB6C-4F6D8491BC39}"/>
-              </a:ext>
-            </a:extLst>
-          </p:cNvPr>
-          <p:cNvPicPr>
-            <a:picLocks noChangeAspect="1" noChangeArrowheads="1"/>
-          </p:cNvPicPr>
-          <p:nvPr/>
-        </p:nvPicPr>
-        <p:blipFill>
-          <a:blip r:embed="rId2">
-            <a:extLst>
-              <a:ext uri="{28A0092B-C50C-407E-A947-70E740481C1C}">
-                <a14:useLocalDpi xmlns:a14="http://schemas.microsoft.com/office/drawing/2010/main" val="0"/>
-              </a:ext>
-            </a:extLst>
-          </a:blip>
-          <a:srcRect/>
-          <a:stretch>
-            <a:fillRect/>
-          </a:stretch>
-        </p:blipFill>
-        <p:spPr bwMode="auto">
-          <a:xfrm>
-            <a:off x="7956550" y="4606925"/>
-            <a:ext cx="1081088" cy="450850"/>
-          </a:xfrm>
-          <a:prstGeom prst="rect">
-            <a:avLst/>
-          </a:prstGeom>
-          <a:noFill/>
-          <a:ln>
-            <a:noFill/>
-          </a:ln>
-          <a:effectLst/>
-          <a:extLst>
-            <a:ext uri="{909E8E84-426E-40DD-AFC4-6F175D3DCCD1}">
-              <a14:hiddenFill xmlns:a14="http://schemas.microsoft.com/office/drawing/2010/main">
-                <a:solidFill>
-                  <a:srgbClr val="FFFFFF"/>
-                </a:solidFill>
-              </a14:hiddenFill>
-            </a:ext>
-            <a:ext uri="{91240B29-F687-4F45-9708-019B960494DF}">
-              <a14:hiddenLine xmlns:a14="http://schemas.microsoft.com/office/drawing/2010/main" w="9525">
-                <a:solidFill>
-                  <a:srgbClr val="000000"/>
-                </a:solidFill>
-                <a:miter lim="800000"/>
-                <a:headEnd/>
-                <a:tailEnd/>
-              </a14:hiddenLine>
-            </a:ext>
-            <a:ext uri="{AF507438-7753-43E0-B8FC-AC1667EBCBE1}">
-              <a14:hiddenEffects xmlns:a14="http://schemas.microsoft.com/office/drawing/2010/main">
-                <a:effectLst>
-                  <a:outerShdw dist="35921" dir="2700000" algn="ctr" rotWithShape="0">
-                    <a:srgbClr val="808080"/>
-                  </a:outerShdw>
-                </a:effectLst>
-              </a14:hiddenEffects>
-            </a:ext>
-          </a:extLst>
-        </p:spPr>
-      </p:pic>
       <p:sp>
         <p:nvSpPr>
           <p:cNvPr id="3075" name="Title 1">
@@ -5541,76 +5162,6 @@
           <a:chExt cx="0" cy="0"/>
         </a:xfrm>
       </p:grpSpPr>
-      <p:pic>
-        <p:nvPicPr>
-          <p:cNvPr id="3074" name="Picture 2">
-            <a:extLst>
-              <a:ext uri="{FF2B5EF4-FFF2-40B4-BE49-F238E27FC236}">
-                <a16:creationId xmlns:a16="http://schemas.microsoft.com/office/drawing/2014/main" id="{602C339E-BA86-4A21-AB6C-4F6D8491BC39}"/>
-              </a:ext>
-            </a:extLst>
-          </p:cNvPr>
-          <p:cNvPicPr>
-            <a:picLocks noChangeAspect="1" noChangeArrowheads="1"/>
-          </p:cNvPicPr>
-          <p:nvPr/>
-        </p:nvPicPr>
-        <p:blipFill>
-          <a:blip r:embed="rId2">
-            <a:extLst>
-              <a:ext uri="{28A0092B-C50C-407E-A947-70E740481C1C}">
-                <a14:useLocalDpi xmlns:a14="http://schemas.microsoft.com/office/drawing/2010/main" val="0"/>
-              </a:ext>
-            </a:extLst>
-          </a:blip>
-          <a:srcRect/>
-          <a:stretch>
-            <a:fillRect/>
-          </a:stretch>
-        </p:blipFill>
-        <p:spPr bwMode="auto">
-          <a:xfrm>
-            <a:off x="7956550" y="4606925"/>
-            <a:ext cx="1081088" cy="450850"/>
-          </a:xfrm>
-          <a:prstGeom prst="rect">
-            <a:avLst/>
-          </a:prstGeom>
-          <a:noFill/>
-          <a:ln>
-            <a:noFill/>
-          </a:ln>
-          <a:effectLst/>
-          <a:extLst>
-            <a:ext uri="{909E8E84-426E-40DD-AFC4-6F175D3DCCD1}">
-              <a14:hiddenFill xmlns:a14="http://schemas.microsoft.com/office/drawing/2010/main">
-                <a:solidFill>
-                  <a:srgbClr val="FFFFFF"/>
-                </a:solidFill>
-              </a14:hiddenFill>
-            </a:ext>
-            <a:ext uri="{91240B29-F687-4F45-9708-019B960494DF}">
-              <a14:hiddenLine xmlns:a14="http://schemas.microsoft.com/office/drawing/2010/main" w="9525">
-                <a:solidFill>
-                  <a:srgbClr val="000000"/>
-                </a:solidFill>
-                <a:miter lim="800000"/>
-                <a:headEnd/>
-                <a:tailEnd/>
-              </a14:hiddenLine>
-            </a:ext>
-            <a:ext uri="{AF507438-7753-43E0-B8FC-AC1667EBCBE1}">
-              <a14:hiddenEffects xmlns:a14="http://schemas.microsoft.com/office/drawing/2010/main">
-                <a:effectLst>
-                  <a:outerShdw dist="35921" dir="2700000" algn="ctr" rotWithShape="0">
-                    <a:srgbClr val="808080"/>
-                  </a:outerShdw>
-                </a:effectLst>
-              </a14:hiddenEffects>
-            </a:ext>
-          </a:extLst>
-        </p:spPr>
-      </p:pic>
       <p:sp>
         <p:nvSpPr>
           <p:cNvPr id="3075" name="Title 1">
@@ -7167,76 +6718,6 @@
           <a:chExt cx="0" cy="0"/>
         </a:xfrm>
       </p:grpSpPr>
-      <p:pic>
-        <p:nvPicPr>
-          <p:cNvPr id="3074" name="Picture 2">
-            <a:extLst>
-              <a:ext uri="{FF2B5EF4-FFF2-40B4-BE49-F238E27FC236}">
-                <a16:creationId xmlns:a16="http://schemas.microsoft.com/office/drawing/2014/main" id="{602C339E-BA86-4A21-AB6C-4F6D8491BC39}"/>
-              </a:ext>
-            </a:extLst>
-          </p:cNvPr>
-          <p:cNvPicPr>
-            <a:picLocks noChangeAspect="1" noChangeArrowheads="1"/>
-          </p:cNvPicPr>
-          <p:nvPr/>
-        </p:nvPicPr>
-        <p:blipFill>
-          <a:blip r:embed="rId2">
-            <a:extLst>
-              <a:ext uri="{28A0092B-C50C-407E-A947-70E740481C1C}">
-                <a14:useLocalDpi xmlns:a14="http://schemas.microsoft.com/office/drawing/2010/main" val="0"/>
-              </a:ext>
-            </a:extLst>
-          </a:blip>
-          <a:srcRect/>
-          <a:stretch>
-            <a:fillRect/>
-          </a:stretch>
-        </p:blipFill>
-        <p:spPr bwMode="auto">
-          <a:xfrm>
-            <a:off x="7956550" y="4606925"/>
-            <a:ext cx="1081088" cy="450850"/>
-          </a:xfrm>
-          <a:prstGeom prst="rect">
-            <a:avLst/>
-          </a:prstGeom>
-          <a:noFill/>
-          <a:ln>
-            <a:noFill/>
-          </a:ln>
-          <a:effectLst/>
-          <a:extLst>
-            <a:ext uri="{909E8E84-426E-40DD-AFC4-6F175D3DCCD1}">
-              <a14:hiddenFill xmlns:a14="http://schemas.microsoft.com/office/drawing/2010/main">
-                <a:solidFill>
-                  <a:srgbClr val="FFFFFF"/>
-                </a:solidFill>
-              </a14:hiddenFill>
-            </a:ext>
-            <a:ext uri="{91240B29-F687-4F45-9708-019B960494DF}">
-              <a14:hiddenLine xmlns:a14="http://schemas.microsoft.com/office/drawing/2010/main" w="9525">
-                <a:solidFill>
-                  <a:srgbClr val="000000"/>
-                </a:solidFill>
-                <a:miter lim="800000"/>
-                <a:headEnd/>
-                <a:tailEnd/>
-              </a14:hiddenLine>
-            </a:ext>
-            <a:ext uri="{AF507438-7753-43E0-B8FC-AC1667EBCBE1}">
-              <a14:hiddenEffects xmlns:a14="http://schemas.microsoft.com/office/drawing/2010/main">
-                <a:effectLst>
-                  <a:outerShdw dist="35921" dir="2700000" algn="ctr" rotWithShape="0">
-                    <a:srgbClr val="808080"/>
-                  </a:outerShdw>
-                </a:effectLst>
-              </a14:hiddenEffects>
-            </a:ext>
-          </a:extLst>
-        </p:spPr>
-      </p:pic>
       <p:sp>
         <p:nvSpPr>
           <p:cNvPr id="3075" name="Title 1">
@@ -9459,66 +8940,6 @@
           <a:chExt cx="0" cy="0"/>
         </a:xfrm>
       </p:grpSpPr>
-      <p:pic>
-        <p:nvPicPr>
-          <p:cNvPr id="8194" name="Picture 2" descr="D:\work\CSDN学院ppt\5.jpg">
-            <a:extLst>
-              <a:ext uri="{FF2B5EF4-FFF2-40B4-BE49-F238E27FC236}">
-                <a16:creationId xmlns:a16="http://schemas.microsoft.com/office/drawing/2014/main" id="{83E22A5A-51B9-4467-B4B9-86F64AB306C3}"/>
-              </a:ext>
-            </a:extLst>
-          </p:cNvPr>
-          <p:cNvPicPr>
-            <a:picLocks noChangeAspect="1" noChangeArrowheads="1"/>
-          </p:cNvPicPr>
-          <p:nvPr/>
-        </p:nvPicPr>
-        <p:blipFill>
-          <a:blip r:embed="rId2">
-            <a:extLst>
-              <a:ext uri="{28A0092B-C50C-407E-A947-70E740481C1C}">
-                <a14:useLocalDpi xmlns:a14="http://schemas.microsoft.com/office/drawing/2010/main" val="0"/>
-              </a:ext>
-            </a:extLst>
-          </a:blip>
-          <a:srcRect/>
-          <a:stretch>
-            <a:fillRect/>
-          </a:stretch>
-        </p:blipFill>
-        <p:spPr bwMode="auto">
-          <a:xfrm>
-            <a:off x="0" y="0"/>
-            <a:ext cx="9140825" cy="5141913"/>
-          </a:xfrm>
-          <a:prstGeom prst="rect">
-            <a:avLst/>
-          </a:prstGeom>
-          <a:noFill/>
-          <a:ln>
-            <a:noFill/>
-          </a:ln>
-          <a:extLst>
-            <a:ext uri="{909E8E84-426E-40DD-AFC4-6F175D3DCCD1}">
-              <a14:hiddenFill xmlns:a14="http://schemas.microsoft.com/office/drawing/2010/main">
-                <a:solidFill>
-                  <a:srgbClr val="FFFFFF"/>
-                </a:solidFill>
-              </a14:hiddenFill>
-            </a:ext>
-            <a:ext uri="{91240B29-F687-4F45-9708-019B960494DF}">
-              <a14:hiddenLine xmlns:a14="http://schemas.microsoft.com/office/drawing/2010/main" w="9525">
-                <a:solidFill>
-                  <a:srgbClr val="000000"/>
-                </a:solidFill>
-                <a:miter lim="800000"/>
-                <a:headEnd/>
-                <a:tailEnd/>
-              </a14:hiddenLine>
-            </a:ext>
-          </a:extLst>
-        </p:spPr>
-      </p:pic>
       <p:sp>
         <p:nvSpPr>
           <p:cNvPr id="8195" name="Title 1">
@@ -9703,774 +9124,6 @@
               <a:ea typeface="Arial Unicode MS" panose="020B0604020202020204" pitchFamily="34" charset="-122"/>
               <a:cs typeface="Arial Unicode MS" panose="020B0604020202020204" pitchFamily="34" charset="-122"/>
               <a:sym typeface="Arial Unicode MS" panose="020B0604020202020204" pitchFamily="34" charset="-122"/>
-            </a:endParaRPr>
-          </a:p>
-        </p:txBody>
-      </p:sp>
-      <p:sp>
-        <p:nvSpPr>
-          <p:cNvPr id="8196" name="矩形 3">
-            <a:extLst>
-              <a:ext uri="{FF2B5EF4-FFF2-40B4-BE49-F238E27FC236}">
-                <a16:creationId xmlns:a16="http://schemas.microsoft.com/office/drawing/2014/main" id="{BE5C8F9D-FB92-4FE2-AA09-E91256B20DEA}"/>
-              </a:ext>
-            </a:extLst>
-          </p:cNvPr>
-          <p:cNvSpPr>
-            <a:spLocks noChangeArrowheads="1"/>
-          </p:cNvSpPr>
-          <p:nvPr/>
-        </p:nvSpPr>
-        <p:spPr bwMode="auto">
-          <a:xfrm>
-            <a:off x="4357688" y="3019425"/>
-            <a:ext cx="2662237" cy="923925"/>
-          </a:xfrm>
-          <a:prstGeom prst="rect">
-            <a:avLst/>
-          </a:prstGeom>
-          <a:noFill/>
-          <a:ln>
-            <a:noFill/>
-          </a:ln>
-          <a:extLst>
-            <a:ext uri="{909E8E84-426E-40DD-AFC4-6F175D3DCCD1}">
-              <a14:hiddenFill xmlns:a14="http://schemas.microsoft.com/office/drawing/2010/main">
-                <a:solidFill>
-                  <a:srgbClr val="FFFFFF"/>
-                </a:solidFill>
-              </a14:hiddenFill>
-            </a:ext>
-            <a:ext uri="{91240B29-F687-4F45-9708-019B960494DF}">
-              <a14:hiddenLine xmlns:a14="http://schemas.microsoft.com/office/drawing/2010/main" w="9525">
-                <a:solidFill>
-                  <a:srgbClr val="000000"/>
-                </a:solidFill>
-                <a:miter lim="800000"/>
-                <a:headEnd/>
-                <a:tailEnd/>
-              </a14:hiddenLine>
-            </a:ext>
-          </a:extLst>
-        </p:spPr>
-        <p:txBody>
-          <a:bodyPr>
-            <a:spAutoFit/>
-          </a:bodyPr>
-          <a:lstStyle>
-            <a:lvl1pPr>
-              <a:buFont typeface="Arial" panose="020B0604020202020204" pitchFamily="34" charset="0"/>
-              <a:defRPr>
-                <a:solidFill>
-                  <a:schemeClr val="tx1"/>
-                </a:solidFill>
-                <a:latin typeface="Arial" panose="020B0604020202020204" pitchFamily="34" charset="0"/>
-                <a:ea typeface="宋体" panose="02010600030101010101" pitchFamily="2" charset="-122"/>
-              </a:defRPr>
-            </a:lvl1pPr>
-            <a:lvl2pPr marL="742950" indent="-285750">
-              <a:buFont typeface="Arial" panose="020B0604020202020204" pitchFamily="34" charset="0"/>
-              <a:defRPr>
-                <a:solidFill>
-                  <a:schemeClr val="tx1"/>
-                </a:solidFill>
-                <a:latin typeface="Arial" panose="020B0604020202020204" pitchFamily="34" charset="0"/>
-                <a:ea typeface="宋体" panose="02010600030101010101" pitchFamily="2" charset="-122"/>
-              </a:defRPr>
-            </a:lvl2pPr>
-            <a:lvl3pPr marL="1143000" indent="-228600">
-              <a:buFont typeface="Arial" panose="020B0604020202020204" pitchFamily="34" charset="0"/>
-              <a:defRPr>
-                <a:solidFill>
-                  <a:schemeClr val="tx1"/>
-                </a:solidFill>
-                <a:latin typeface="Arial" panose="020B0604020202020204" pitchFamily="34" charset="0"/>
-                <a:ea typeface="宋体" panose="02010600030101010101" pitchFamily="2" charset="-122"/>
-              </a:defRPr>
-            </a:lvl3pPr>
-            <a:lvl4pPr marL="1600200" indent="-228600">
-              <a:buFont typeface="Arial" panose="020B0604020202020204" pitchFamily="34" charset="0"/>
-              <a:defRPr>
-                <a:solidFill>
-                  <a:schemeClr val="tx1"/>
-                </a:solidFill>
-                <a:latin typeface="Arial" panose="020B0604020202020204" pitchFamily="34" charset="0"/>
-                <a:ea typeface="宋体" panose="02010600030101010101" pitchFamily="2" charset="-122"/>
-              </a:defRPr>
-            </a:lvl4pPr>
-            <a:lvl5pPr marL="2057400" indent="-228600">
-              <a:buFont typeface="Arial" panose="020B0604020202020204" pitchFamily="34" charset="0"/>
-              <a:defRPr>
-                <a:solidFill>
-                  <a:schemeClr val="tx1"/>
-                </a:solidFill>
-                <a:latin typeface="Arial" panose="020B0604020202020204" pitchFamily="34" charset="0"/>
-                <a:ea typeface="宋体" panose="02010600030101010101" pitchFamily="2" charset="-122"/>
-              </a:defRPr>
-            </a:lvl5pPr>
-            <a:lvl6pPr marL="2514600" indent="-228600" eaLnBrk="0" fontAlgn="base" hangingPunct="0">
-              <a:spcBef>
-                <a:spcPct val="0"/>
-              </a:spcBef>
-              <a:spcAft>
-                <a:spcPct val="0"/>
-              </a:spcAft>
-              <a:buFont typeface="Arial" panose="020B0604020202020204" pitchFamily="34" charset="0"/>
-              <a:defRPr>
-                <a:solidFill>
-                  <a:schemeClr val="tx1"/>
-                </a:solidFill>
-                <a:latin typeface="Arial" panose="020B0604020202020204" pitchFamily="34" charset="0"/>
-                <a:ea typeface="宋体" panose="02010600030101010101" pitchFamily="2" charset="-122"/>
-              </a:defRPr>
-            </a:lvl6pPr>
-            <a:lvl7pPr marL="2971800" indent="-228600" eaLnBrk="0" fontAlgn="base" hangingPunct="0">
-              <a:spcBef>
-                <a:spcPct val="0"/>
-              </a:spcBef>
-              <a:spcAft>
-                <a:spcPct val="0"/>
-              </a:spcAft>
-              <a:buFont typeface="Arial" panose="020B0604020202020204" pitchFamily="34" charset="0"/>
-              <a:defRPr>
-                <a:solidFill>
-                  <a:schemeClr val="tx1"/>
-                </a:solidFill>
-                <a:latin typeface="Arial" panose="020B0604020202020204" pitchFamily="34" charset="0"/>
-                <a:ea typeface="宋体" panose="02010600030101010101" pitchFamily="2" charset="-122"/>
-              </a:defRPr>
-            </a:lvl7pPr>
-            <a:lvl8pPr marL="3429000" indent="-228600" eaLnBrk="0" fontAlgn="base" hangingPunct="0">
-              <a:spcBef>
-                <a:spcPct val="0"/>
-              </a:spcBef>
-              <a:spcAft>
-                <a:spcPct val="0"/>
-              </a:spcAft>
-              <a:buFont typeface="Arial" panose="020B0604020202020204" pitchFamily="34" charset="0"/>
-              <a:defRPr>
-                <a:solidFill>
-                  <a:schemeClr val="tx1"/>
-                </a:solidFill>
-                <a:latin typeface="Arial" panose="020B0604020202020204" pitchFamily="34" charset="0"/>
-                <a:ea typeface="宋体" panose="02010600030101010101" pitchFamily="2" charset="-122"/>
-              </a:defRPr>
-            </a:lvl8pPr>
-            <a:lvl9pPr marL="3886200" indent="-228600" eaLnBrk="0" fontAlgn="base" hangingPunct="0">
-              <a:spcBef>
-                <a:spcPct val="0"/>
-              </a:spcBef>
-              <a:spcAft>
-                <a:spcPct val="0"/>
-              </a:spcAft>
-              <a:buFont typeface="Arial" panose="020B0604020202020204" pitchFamily="34" charset="0"/>
-              <a:defRPr>
-                <a:solidFill>
-                  <a:schemeClr val="tx1"/>
-                </a:solidFill>
-                <a:latin typeface="Arial" panose="020B0604020202020204" pitchFamily="34" charset="0"/>
-                <a:ea typeface="宋体" panose="02010600030101010101" pitchFamily="2" charset="-122"/>
-              </a:defRPr>
-            </a:lvl9pPr>
-          </a:lstStyle>
-          <a:p>
-            <a:pPr eaLnBrk="1" hangingPunct="1"/>
-            <a:r>
-              <a:rPr lang="en-US" altLang="zh-CN" sz="900">
-                <a:solidFill>
-                  <a:srgbClr val="7F7F7F"/>
-                </a:solidFill>
-                <a:latin typeface="微软雅黑" panose="020B0503020204020204" pitchFamily="34" charset="-122"/>
-                <a:ea typeface="微软雅黑" panose="020B0503020204020204" pitchFamily="34" charset="-122"/>
-                <a:sym typeface="微软雅黑" panose="020B0503020204020204" pitchFamily="34" charset="-122"/>
-              </a:rPr>
-              <a:t>CSDN</a:t>
-            </a:r>
-            <a:r>
-              <a:rPr lang="zh-CN" altLang="en-US" sz="900">
-                <a:solidFill>
-                  <a:srgbClr val="7F7F7F"/>
-                </a:solidFill>
-                <a:latin typeface="微软雅黑" panose="020B0503020204020204" pitchFamily="34" charset="-122"/>
-                <a:ea typeface="微软雅黑" panose="020B0503020204020204" pitchFamily="34" charset="-122"/>
-                <a:sym typeface="微软雅黑" panose="020B0503020204020204" pitchFamily="34" charset="-122"/>
-              </a:rPr>
-              <a:t>网站：</a:t>
-            </a:r>
-            <a:r>
-              <a:rPr lang="en-US" altLang="zh-CN" sz="900">
-                <a:solidFill>
-                  <a:srgbClr val="7F7F7F"/>
-                </a:solidFill>
-                <a:latin typeface="微软雅黑" panose="020B0503020204020204" pitchFamily="34" charset="-122"/>
-                <a:ea typeface="微软雅黑" panose="020B0503020204020204" pitchFamily="34" charset="-122"/>
-                <a:sym typeface="微软雅黑" panose="020B0503020204020204" pitchFamily="34" charset="-122"/>
-              </a:rPr>
-              <a:t>www.csdn.net</a:t>
-            </a:r>
-            <a:endParaRPr lang="zh-CN" altLang="en-US" sz="900">
-              <a:solidFill>
-                <a:srgbClr val="7F7F7F"/>
-              </a:solidFill>
-              <a:latin typeface="微软雅黑" panose="020B0503020204020204" pitchFamily="34" charset="-122"/>
-              <a:ea typeface="微软雅黑" panose="020B0503020204020204" pitchFamily="34" charset="-122"/>
-              <a:sym typeface="微软雅黑" panose="020B0503020204020204" pitchFamily="34" charset="-122"/>
-            </a:endParaRPr>
-          </a:p>
-          <a:p>
-            <a:pPr eaLnBrk="1" hangingPunct="1"/>
-            <a:r>
-              <a:rPr lang="zh-CN" altLang="en-US" sz="900">
-                <a:solidFill>
-                  <a:srgbClr val="7F7F7F"/>
-                </a:solidFill>
-                <a:latin typeface="微软雅黑" panose="020B0503020204020204" pitchFamily="34" charset="-122"/>
-                <a:ea typeface="微软雅黑" panose="020B0503020204020204" pitchFamily="34" charset="-122"/>
-                <a:sym typeface="微软雅黑" panose="020B0503020204020204" pitchFamily="34" charset="-122"/>
-              </a:rPr>
-              <a:t>企业服务：</a:t>
-            </a:r>
-            <a:r>
-              <a:rPr lang="en-US" altLang="zh-CN" sz="900">
-                <a:solidFill>
-                  <a:srgbClr val="7F7F7F"/>
-                </a:solidFill>
-                <a:latin typeface="微软雅黑" panose="020B0503020204020204" pitchFamily="34" charset="-122"/>
-                <a:ea typeface="微软雅黑" panose="020B0503020204020204" pitchFamily="34" charset="-122"/>
-                <a:sym typeface="微软雅黑" panose="020B0503020204020204" pitchFamily="34" charset="-122"/>
-              </a:rPr>
-              <a:t>http://ems.csdn.net/</a:t>
-            </a:r>
-            <a:endParaRPr lang="zh-CN" altLang="en-US" sz="900">
-              <a:solidFill>
-                <a:srgbClr val="7F7F7F"/>
-              </a:solidFill>
-              <a:latin typeface="微软雅黑" panose="020B0503020204020204" pitchFamily="34" charset="-122"/>
-              <a:ea typeface="微软雅黑" panose="020B0503020204020204" pitchFamily="34" charset="-122"/>
-              <a:sym typeface="微软雅黑" panose="020B0503020204020204" pitchFamily="34" charset="-122"/>
-            </a:endParaRPr>
-          </a:p>
-          <a:p>
-            <a:pPr eaLnBrk="1" hangingPunct="1"/>
-            <a:r>
-              <a:rPr lang="zh-CN" altLang="en-US" sz="900">
-                <a:solidFill>
-                  <a:srgbClr val="7F7F7F"/>
-                </a:solidFill>
-                <a:latin typeface="微软雅黑" panose="020B0503020204020204" pitchFamily="34" charset="-122"/>
-                <a:ea typeface="微软雅黑" panose="020B0503020204020204" pitchFamily="34" charset="-122"/>
-                <a:sym typeface="微软雅黑" panose="020B0503020204020204" pitchFamily="34" charset="-122"/>
-              </a:rPr>
-              <a:t>人才服务：</a:t>
-            </a:r>
-            <a:r>
-              <a:rPr lang="en-US" altLang="zh-CN" sz="900">
-                <a:solidFill>
-                  <a:srgbClr val="7F7F7F"/>
-                </a:solidFill>
-                <a:latin typeface="微软雅黑" panose="020B0503020204020204" pitchFamily="34" charset="-122"/>
-                <a:ea typeface="微软雅黑" panose="020B0503020204020204" pitchFamily="34" charset="-122"/>
-                <a:sym typeface="微软雅黑" panose="020B0503020204020204" pitchFamily="34" charset="-122"/>
-              </a:rPr>
-              <a:t>http://job.csdn.net/</a:t>
-            </a:r>
-            <a:endParaRPr lang="zh-CN" altLang="en-US" sz="900">
-              <a:solidFill>
-                <a:srgbClr val="7F7F7F"/>
-              </a:solidFill>
-              <a:latin typeface="微软雅黑" panose="020B0503020204020204" pitchFamily="34" charset="-122"/>
-              <a:ea typeface="微软雅黑" panose="020B0503020204020204" pitchFamily="34" charset="-122"/>
-              <a:sym typeface="微软雅黑" panose="020B0503020204020204" pitchFamily="34" charset="-122"/>
-            </a:endParaRPr>
-          </a:p>
-          <a:p>
-            <a:pPr eaLnBrk="1" hangingPunct="1"/>
-            <a:r>
-              <a:rPr lang="en-US" altLang="zh-CN" sz="900">
-                <a:solidFill>
-                  <a:srgbClr val="7F7F7F"/>
-                </a:solidFill>
-                <a:latin typeface="微软雅黑" panose="020B0503020204020204" pitchFamily="34" charset="-122"/>
-                <a:ea typeface="微软雅黑" panose="020B0503020204020204" pitchFamily="34" charset="-122"/>
-                <a:sym typeface="微软雅黑" panose="020B0503020204020204" pitchFamily="34" charset="-122"/>
-              </a:rPr>
-              <a:t>CTO</a:t>
-            </a:r>
-            <a:r>
-              <a:rPr lang="zh-CN" altLang="en-US" sz="900">
-                <a:solidFill>
-                  <a:srgbClr val="7F7F7F"/>
-                </a:solidFill>
-                <a:latin typeface="微软雅黑" panose="020B0503020204020204" pitchFamily="34" charset="-122"/>
-                <a:ea typeface="微软雅黑" panose="020B0503020204020204" pitchFamily="34" charset="-122"/>
-                <a:sym typeface="微软雅黑" panose="020B0503020204020204" pitchFamily="34" charset="-122"/>
-              </a:rPr>
-              <a:t>俱乐部：</a:t>
-            </a:r>
-            <a:r>
-              <a:rPr lang="en-US" altLang="zh-CN" sz="900">
-                <a:solidFill>
-                  <a:srgbClr val="7F7F7F"/>
-                </a:solidFill>
-                <a:latin typeface="微软雅黑" panose="020B0503020204020204" pitchFamily="34" charset="-122"/>
-                <a:ea typeface="微软雅黑" panose="020B0503020204020204" pitchFamily="34" charset="-122"/>
-                <a:sym typeface="微软雅黑" panose="020B0503020204020204" pitchFamily="34" charset="-122"/>
-              </a:rPr>
-              <a:t>http://cto.csdn.net/</a:t>
-            </a:r>
-            <a:endParaRPr lang="zh-CN" altLang="en-US" sz="900">
-              <a:solidFill>
-                <a:srgbClr val="7F7F7F"/>
-              </a:solidFill>
-              <a:latin typeface="微软雅黑" panose="020B0503020204020204" pitchFamily="34" charset="-122"/>
-              <a:ea typeface="微软雅黑" panose="020B0503020204020204" pitchFamily="34" charset="-122"/>
-              <a:sym typeface="微软雅黑" panose="020B0503020204020204" pitchFamily="34" charset="-122"/>
-            </a:endParaRPr>
-          </a:p>
-          <a:p>
-            <a:pPr eaLnBrk="1" hangingPunct="1"/>
-            <a:r>
-              <a:rPr lang="zh-CN" altLang="en-US" sz="900">
-                <a:solidFill>
-                  <a:srgbClr val="7F7F7F"/>
-                </a:solidFill>
-                <a:latin typeface="微软雅黑" panose="020B0503020204020204" pitchFamily="34" charset="-122"/>
-                <a:ea typeface="微软雅黑" panose="020B0503020204020204" pitchFamily="34" charset="-122"/>
-                <a:sym typeface="微软雅黑" panose="020B0503020204020204" pitchFamily="34" charset="-122"/>
-              </a:rPr>
-              <a:t>高校俱乐部：</a:t>
-            </a:r>
-            <a:r>
-              <a:rPr lang="en-US" altLang="zh-CN" sz="900">
-                <a:solidFill>
-                  <a:srgbClr val="7F7F7F"/>
-                </a:solidFill>
-                <a:latin typeface="微软雅黑" panose="020B0503020204020204" pitchFamily="34" charset="-122"/>
-                <a:ea typeface="微软雅黑" panose="020B0503020204020204" pitchFamily="34" charset="-122"/>
-                <a:sym typeface="微软雅黑" panose="020B0503020204020204" pitchFamily="34" charset="-122"/>
-              </a:rPr>
-              <a:t>http://student.csdn.net/</a:t>
-            </a:r>
-            <a:endParaRPr lang="zh-CN" altLang="en-US" sz="900">
-              <a:solidFill>
-                <a:srgbClr val="7F7F7F"/>
-              </a:solidFill>
-              <a:latin typeface="微软雅黑" panose="020B0503020204020204" pitchFamily="34" charset="-122"/>
-              <a:ea typeface="微软雅黑" panose="020B0503020204020204" pitchFamily="34" charset="-122"/>
-              <a:sym typeface="微软雅黑" panose="020B0503020204020204" pitchFamily="34" charset="-122"/>
-            </a:endParaRPr>
-          </a:p>
-          <a:p>
-            <a:pPr eaLnBrk="1" hangingPunct="1"/>
-            <a:r>
-              <a:rPr lang="zh-CN" altLang="en-US" sz="900">
-                <a:solidFill>
-                  <a:srgbClr val="7F7F7F"/>
-                </a:solidFill>
-                <a:latin typeface="微软雅黑" panose="020B0503020204020204" pitchFamily="34" charset="-122"/>
-                <a:ea typeface="微软雅黑" panose="020B0503020204020204" pitchFamily="34" charset="-122"/>
-                <a:sym typeface="微软雅黑" panose="020B0503020204020204" pitchFamily="34" charset="-122"/>
-              </a:rPr>
-              <a:t>程序员杂志：</a:t>
-            </a:r>
-            <a:r>
-              <a:rPr lang="en-US" altLang="zh-CN" sz="900">
-                <a:solidFill>
-                  <a:srgbClr val="7F7F7F"/>
-                </a:solidFill>
-                <a:latin typeface="微软雅黑" panose="020B0503020204020204" pitchFamily="34" charset="-122"/>
-                <a:ea typeface="微软雅黑" panose="020B0503020204020204" pitchFamily="34" charset="-122"/>
-                <a:sym typeface="微软雅黑" panose="020B0503020204020204" pitchFamily="34" charset="-122"/>
-              </a:rPr>
-              <a:t>http://programmer.csdn.net/</a:t>
-            </a:r>
-          </a:p>
-        </p:txBody>
-      </p:sp>
-      <p:sp>
-        <p:nvSpPr>
-          <p:cNvPr id="8197" name="矩形 4">
-            <a:extLst>
-              <a:ext uri="{FF2B5EF4-FFF2-40B4-BE49-F238E27FC236}">
-                <a16:creationId xmlns:a16="http://schemas.microsoft.com/office/drawing/2014/main" id="{5A550E93-40B1-4CA3-B718-1EE1D72F986A}"/>
-              </a:ext>
-            </a:extLst>
-          </p:cNvPr>
-          <p:cNvSpPr>
-            <a:spLocks noChangeArrowheads="1"/>
-          </p:cNvSpPr>
-          <p:nvPr/>
-        </p:nvSpPr>
-        <p:spPr bwMode="auto">
-          <a:xfrm>
-            <a:off x="4368800" y="3952875"/>
-            <a:ext cx="4572000" cy="923925"/>
-          </a:xfrm>
-          <a:prstGeom prst="rect">
-            <a:avLst/>
-          </a:prstGeom>
-          <a:noFill/>
-          <a:ln>
-            <a:noFill/>
-          </a:ln>
-          <a:extLst>
-            <a:ext uri="{909E8E84-426E-40DD-AFC4-6F175D3DCCD1}">
-              <a14:hiddenFill xmlns:a14="http://schemas.microsoft.com/office/drawing/2010/main">
-                <a:solidFill>
-                  <a:srgbClr val="FFFFFF"/>
-                </a:solidFill>
-              </a14:hiddenFill>
-            </a:ext>
-            <a:ext uri="{91240B29-F687-4F45-9708-019B960494DF}">
-              <a14:hiddenLine xmlns:a14="http://schemas.microsoft.com/office/drawing/2010/main" w="9525">
-                <a:solidFill>
-                  <a:srgbClr val="000000"/>
-                </a:solidFill>
-                <a:miter lim="800000"/>
-                <a:headEnd/>
-                <a:tailEnd/>
-              </a14:hiddenLine>
-            </a:ext>
-          </a:extLst>
-        </p:spPr>
-        <p:txBody>
-          <a:bodyPr>
-            <a:spAutoFit/>
-          </a:bodyPr>
-          <a:lstStyle>
-            <a:lvl1pPr>
-              <a:buFont typeface="Arial" panose="020B0604020202020204" pitchFamily="34" charset="0"/>
-              <a:defRPr>
-                <a:solidFill>
-                  <a:schemeClr val="tx1"/>
-                </a:solidFill>
-                <a:latin typeface="Arial" panose="020B0604020202020204" pitchFamily="34" charset="0"/>
-                <a:ea typeface="宋体" panose="02010600030101010101" pitchFamily="2" charset="-122"/>
-              </a:defRPr>
-            </a:lvl1pPr>
-            <a:lvl2pPr marL="742950" indent="-285750">
-              <a:buFont typeface="Arial" panose="020B0604020202020204" pitchFamily="34" charset="0"/>
-              <a:defRPr>
-                <a:solidFill>
-                  <a:schemeClr val="tx1"/>
-                </a:solidFill>
-                <a:latin typeface="Arial" panose="020B0604020202020204" pitchFamily="34" charset="0"/>
-                <a:ea typeface="宋体" panose="02010600030101010101" pitchFamily="2" charset="-122"/>
-              </a:defRPr>
-            </a:lvl2pPr>
-            <a:lvl3pPr marL="1143000" indent="-228600">
-              <a:buFont typeface="Arial" panose="020B0604020202020204" pitchFamily="34" charset="0"/>
-              <a:defRPr>
-                <a:solidFill>
-                  <a:schemeClr val="tx1"/>
-                </a:solidFill>
-                <a:latin typeface="Arial" panose="020B0604020202020204" pitchFamily="34" charset="0"/>
-                <a:ea typeface="宋体" panose="02010600030101010101" pitchFamily="2" charset="-122"/>
-              </a:defRPr>
-            </a:lvl3pPr>
-            <a:lvl4pPr marL="1600200" indent="-228600">
-              <a:buFont typeface="Arial" panose="020B0604020202020204" pitchFamily="34" charset="0"/>
-              <a:defRPr>
-                <a:solidFill>
-                  <a:schemeClr val="tx1"/>
-                </a:solidFill>
-                <a:latin typeface="Arial" panose="020B0604020202020204" pitchFamily="34" charset="0"/>
-                <a:ea typeface="宋体" panose="02010600030101010101" pitchFamily="2" charset="-122"/>
-              </a:defRPr>
-            </a:lvl4pPr>
-            <a:lvl5pPr marL="2057400" indent="-228600">
-              <a:buFont typeface="Arial" panose="020B0604020202020204" pitchFamily="34" charset="0"/>
-              <a:defRPr>
-                <a:solidFill>
-                  <a:schemeClr val="tx1"/>
-                </a:solidFill>
-                <a:latin typeface="Arial" panose="020B0604020202020204" pitchFamily="34" charset="0"/>
-                <a:ea typeface="宋体" panose="02010600030101010101" pitchFamily="2" charset="-122"/>
-              </a:defRPr>
-            </a:lvl5pPr>
-            <a:lvl6pPr marL="2514600" indent="-228600" eaLnBrk="0" fontAlgn="base" hangingPunct="0">
-              <a:spcBef>
-                <a:spcPct val="0"/>
-              </a:spcBef>
-              <a:spcAft>
-                <a:spcPct val="0"/>
-              </a:spcAft>
-              <a:buFont typeface="Arial" panose="020B0604020202020204" pitchFamily="34" charset="0"/>
-              <a:defRPr>
-                <a:solidFill>
-                  <a:schemeClr val="tx1"/>
-                </a:solidFill>
-                <a:latin typeface="Arial" panose="020B0604020202020204" pitchFamily="34" charset="0"/>
-                <a:ea typeface="宋体" panose="02010600030101010101" pitchFamily="2" charset="-122"/>
-              </a:defRPr>
-            </a:lvl6pPr>
-            <a:lvl7pPr marL="2971800" indent="-228600" eaLnBrk="0" fontAlgn="base" hangingPunct="0">
-              <a:spcBef>
-                <a:spcPct val="0"/>
-              </a:spcBef>
-              <a:spcAft>
-                <a:spcPct val="0"/>
-              </a:spcAft>
-              <a:buFont typeface="Arial" panose="020B0604020202020204" pitchFamily="34" charset="0"/>
-              <a:defRPr>
-                <a:solidFill>
-                  <a:schemeClr val="tx1"/>
-                </a:solidFill>
-                <a:latin typeface="Arial" panose="020B0604020202020204" pitchFamily="34" charset="0"/>
-                <a:ea typeface="宋体" panose="02010600030101010101" pitchFamily="2" charset="-122"/>
-              </a:defRPr>
-            </a:lvl7pPr>
-            <a:lvl8pPr marL="3429000" indent="-228600" eaLnBrk="0" fontAlgn="base" hangingPunct="0">
-              <a:spcBef>
-                <a:spcPct val="0"/>
-              </a:spcBef>
-              <a:spcAft>
-                <a:spcPct val="0"/>
-              </a:spcAft>
-              <a:buFont typeface="Arial" panose="020B0604020202020204" pitchFamily="34" charset="0"/>
-              <a:defRPr>
-                <a:solidFill>
-                  <a:schemeClr val="tx1"/>
-                </a:solidFill>
-                <a:latin typeface="Arial" panose="020B0604020202020204" pitchFamily="34" charset="0"/>
-                <a:ea typeface="宋体" panose="02010600030101010101" pitchFamily="2" charset="-122"/>
-              </a:defRPr>
-            </a:lvl8pPr>
-            <a:lvl9pPr marL="3886200" indent="-228600" eaLnBrk="0" fontAlgn="base" hangingPunct="0">
-              <a:spcBef>
-                <a:spcPct val="0"/>
-              </a:spcBef>
-              <a:spcAft>
-                <a:spcPct val="0"/>
-              </a:spcAft>
-              <a:buFont typeface="Arial" panose="020B0604020202020204" pitchFamily="34" charset="0"/>
-              <a:defRPr>
-                <a:solidFill>
-                  <a:schemeClr val="tx1"/>
-                </a:solidFill>
-                <a:latin typeface="Arial" panose="020B0604020202020204" pitchFamily="34" charset="0"/>
-                <a:ea typeface="宋体" panose="02010600030101010101" pitchFamily="2" charset="-122"/>
-              </a:defRPr>
-            </a:lvl9pPr>
-          </a:lstStyle>
-          <a:p>
-            <a:pPr eaLnBrk="1" hangingPunct="1"/>
-            <a:r>
-              <a:rPr lang="en-US" altLang="zh-CN" sz="900">
-                <a:solidFill>
-                  <a:srgbClr val="7F7F7F"/>
-                </a:solidFill>
-                <a:latin typeface="微软雅黑" panose="020B0503020204020204" pitchFamily="34" charset="-122"/>
-                <a:ea typeface="微软雅黑" panose="020B0503020204020204" pitchFamily="34" charset="-122"/>
-                <a:sym typeface="微软雅黑" panose="020B0503020204020204" pitchFamily="34" charset="-122"/>
-              </a:rPr>
-              <a:t>CODE</a:t>
-            </a:r>
-            <a:r>
-              <a:rPr lang="zh-CN" altLang="en-US" sz="900">
-                <a:solidFill>
-                  <a:srgbClr val="7F7F7F"/>
-                </a:solidFill>
-                <a:latin typeface="微软雅黑" panose="020B0503020204020204" pitchFamily="34" charset="-122"/>
-                <a:ea typeface="微软雅黑" panose="020B0503020204020204" pitchFamily="34" charset="-122"/>
-                <a:sym typeface="微软雅黑" panose="020B0503020204020204" pitchFamily="34" charset="-122"/>
-              </a:rPr>
-              <a:t>平台：</a:t>
-            </a:r>
-            <a:r>
-              <a:rPr lang="en-US" altLang="zh-CN" sz="900">
-                <a:solidFill>
-                  <a:srgbClr val="7F7F7F"/>
-                </a:solidFill>
-                <a:latin typeface="微软雅黑" panose="020B0503020204020204" pitchFamily="34" charset="-122"/>
-                <a:ea typeface="微软雅黑" panose="020B0503020204020204" pitchFamily="34" charset="-122"/>
-                <a:sym typeface="微软雅黑" panose="020B0503020204020204" pitchFamily="34" charset="-122"/>
-              </a:rPr>
-              <a:t>https://code.csdn.net/</a:t>
-            </a:r>
-            <a:endParaRPr lang="zh-CN" altLang="en-US" sz="900">
-              <a:solidFill>
-                <a:srgbClr val="7F7F7F"/>
-              </a:solidFill>
-              <a:latin typeface="微软雅黑" panose="020B0503020204020204" pitchFamily="34" charset="-122"/>
-              <a:ea typeface="微软雅黑" panose="020B0503020204020204" pitchFamily="34" charset="-122"/>
-              <a:sym typeface="微软雅黑" panose="020B0503020204020204" pitchFamily="34" charset="-122"/>
-            </a:endParaRPr>
-          </a:p>
-          <a:p>
-            <a:pPr eaLnBrk="1" hangingPunct="1"/>
-            <a:r>
-              <a:rPr lang="zh-CN" altLang="en-US" sz="900">
-                <a:solidFill>
-                  <a:srgbClr val="7F7F7F"/>
-                </a:solidFill>
-                <a:latin typeface="微软雅黑" panose="020B0503020204020204" pitchFamily="34" charset="-122"/>
-                <a:ea typeface="微软雅黑" panose="020B0503020204020204" pitchFamily="34" charset="-122"/>
-                <a:sym typeface="微软雅黑" panose="020B0503020204020204" pitchFamily="34" charset="-122"/>
-              </a:rPr>
-              <a:t>项目外包：</a:t>
-            </a:r>
-            <a:r>
-              <a:rPr lang="en-US" altLang="zh-CN" sz="900">
-                <a:solidFill>
-                  <a:srgbClr val="7F7F7F"/>
-                </a:solidFill>
-                <a:latin typeface="微软雅黑" panose="020B0503020204020204" pitchFamily="34" charset="-122"/>
-                <a:ea typeface="微软雅黑" panose="020B0503020204020204" pitchFamily="34" charset="-122"/>
-                <a:sym typeface="微软雅黑" panose="020B0503020204020204" pitchFamily="34" charset="-122"/>
-              </a:rPr>
-              <a:t>http://www.csto.com/</a:t>
-            </a:r>
-            <a:endParaRPr lang="zh-CN" altLang="en-US" sz="900">
-              <a:solidFill>
-                <a:srgbClr val="7F7F7F"/>
-              </a:solidFill>
-              <a:latin typeface="微软雅黑" panose="020B0503020204020204" pitchFamily="34" charset="-122"/>
-              <a:ea typeface="微软雅黑" panose="020B0503020204020204" pitchFamily="34" charset="-122"/>
-              <a:sym typeface="微软雅黑" panose="020B0503020204020204" pitchFamily="34" charset="-122"/>
-            </a:endParaRPr>
-          </a:p>
-          <a:p>
-            <a:pPr eaLnBrk="1" hangingPunct="1"/>
-            <a:r>
-              <a:rPr lang="en-US" altLang="zh-CN" sz="900">
-                <a:solidFill>
-                  <a:srgbClr val="7F7F7F"/>
-                </a:solidFill>
-                <a:latin typeface="微软雅黑" panose="020B0503020204020204" pitchFamily="34" charset="-122"/>
-                <a:ea typeface="微软雅黑" panose="020B0503020204020204" pitchFamily="34" charset="-122"/>
-                <a:sym typeface="微软雅黑" panose="020B0503020204020204" pitchFamily="34" charset="-122"/>
-              </a:rPr>
-              <a:t>CSDN</a:t>
-            </a:r>
-            <a:r>
-              <a:rPr lang="zh-CN" altLang="en-US" sz="900">
-                <a:solidFill>
-                  <a:srgbClr val="7F7F7F"/>
-                </a:solidFill>
-                <a:latin typeface="微软雅黑" panose="020B0503020204020204" pitchFamily="34" charset="-122"/>
-                <a:ea typeface="微软雅黑" panose="020B0503020204020204" pitchFamily="34" charset="-122"/>
-                <a:sym typeface="微软雅黑" panose="020B0503020204020204" pitchFamily="34" charset="-122"/>
-              </a:rPr>
-              <a:t>博客：</a:t>
-            </a:r>
-            <a:r>
-              <a:rPr lang="en-US" altLang="zh-CN" sz="900">
-                <a:solidFill>
-                  <a:srgbClr val="7F7F7F"/>
-                </a:solidFill>
-                <a:latin typeface="微软雅黑" panose="020B0503020204020204" pitchFamily="34" charset="-122"/>
-                <a:ea typeface="微软雅黑" panose="020B0503020204020204" pitchFamily="34" charset="-122"/>
-                <a:sym typeface="微软雅黑" panose="020B0503020204020204" pitchFamily="34" charset="-122"/>
-              </a:rPr>
-              <a:t>http://blog.csdn.net/</a:t>
-            </a:r>
-            <a:endParaRPr lang="zh-CN" altLang="en-US" sz="900">
-              <a:solidFill>
-                <a:srgbClr val="7F7F7F"/>
-              </a:solidFill>
-              <a:latin typeface="微软雅黑" panose="020B0503020204020204" pitchFamily="34" charset="-122"/>
-              <a:ea typeface="微软雅黑" panose="020B0503020204020204" pitchFamily="34" charset="-122"/>
-              <a:sym typeface="微软雅黑" panose="020B0503020204020204" pitchFamily="34" charset="-122"/>
-            </a:endParaRPr>
-          </a:p>
-          <a:p>
-            <a:pPr eaLnBrk="1" hangingPunct="1"/>
-            <a:r>
-              <a:rPr lang="en-US" altLang="zh-CN" sz="900">
-                <a:solidFill>
-                  <a:srgbClr val="7F7F7F"/>
-                </a:solidFill>
-                <a:latin typeface="微软雅黑" panose="020B0503020204020204" pitchFamily="34" charset="-122"/>
-                <a:ea typeface="微软雅黑" panose="020B0503020204020204" pitchFamily="34" charset="-122"/>
-                <a:sym typeface="微软雅黑" panose="020B0503020204020204" pitchFamily="34" charset="-122"/>
-              </a:rPr>
-              <a:t>CSDN</a:t>
-            </a:r>
-            <a:r>
-              <a:rPr lang="zh-CN" altLang="en-US" sz="900">
-                <a:solidFill>
-                  <a:srgbClr val="7F7F7F"/>
-                </a:solidFill>
-                <a:latin typeface="微软雅黑" panose="020B0503020204020204" pitchFamily="34" charset="-122"/>
-                <a:ea typeface="微软雅黑" panose="020B0503020204020204" pitchFamily="34" charset="-122"/>
-                <a:sym typeface="微软雅黑" panose="020B0503020204020204" pitchFamily="34" charset="-122"/>
-              </a:rPr>
-              <a:t>论坛：</a:t>
-            </a:r>
-            <a:r>
-              <a:rPr lang="en-US" altLang="zh-CN" sz="900">
-                <a:solidFill>
-                  <a:srgbClr val="7F7F7F"/>
-                </a:solidFill>
-                <a:latin typeface="微软雅黑" panose="020B0503020204020204" pitchFamily="34" charset="-122"/>
-                <a:ea typeface="微软雅黑" panose="020B0503020204020204" pitchFamily="34" charset="-122"/>
-                <a:sym typeface="微软雅黑" panose="020B0503020204020204" pitchFamily="34" charset="-122"/>
-              </a:rPr>
-              <a:t>http://bbs.csdn.net/</a:t>
-            </a:r>
-            <a:endParaRPr lang="zh-CN" altLang="en-US" sz="900">
-              <a:solidFill>
-                <a:srgbClr val="7F7F7F"/>
-              </a:solidFill>
-              <a:latin typeface="微软雅黑" panose="020B0503020204020204" pitchFamily="34" charset="-122"/>
-              <a:ea typeface="微软雅黑" panose="020B0503020204020204" pitchFamily="34" charset="-122"/>
-              <a:sym typeface="微软雅黑" panose="020B0503020204020204" pitchFamily="34" charset="-122"/>
-            </a:endParaRPr>
-          </a:p>
-          <a:p>
-            <a:pPr eaLnBrk="1" hangingPunct="1"/>
-            <a:r>
-              <a:rPr lang="en-US" altLang="zh-CN" sz="900">
-                <a:solidFill>
-                  <a:srgbClr val="7F7F7F"/>
-                </a:solidFill>
-                <a:latin typeface="微软雅黑" panose="020B0503020204020204" pitchFamily="34" charset="-122"/>
-                <a:ea typeface="微软雅黑" panose="020B0503020204020204" pitchFamily="34" charset="-122"/>
-                <a:sym typeface="微软雅黑" panose="020B0503020204020204" pitchFamily="34" charset="-122"/>
-              </a:rPr>
-              <a:t>CSDN</a:t>
-            </a:r>
-            <a:r>
-              <a:rPr lang="zh-CN" altLang="en-US" sz="900">
-                <a:solidFill>
-                  <a:srgbClr val="7F7F7F"/>
-                </a:solidFill>
-                <a:latin typeface="微软雅黑" panose="020B0503020204020204" pitchFamily="34" charset="-122"/>
-                <a:ea typeface="微软雅黑" panose="020B0503020204020204" pitchFamily="34" charset="-122"/>
-                <a:sym typeface="微软雅黑" panose="020B0503020204020204" pitchFamily="34" charset="-122"/>
-              </a:rPr>
-              <a:t>下载：</a:t>
-            </a:r>
-            <a:r>
-              <a:rPr lang="en-US" altLang="zh-CN" sz="900">
-                <a:solidFill>
-                  <a:srgbClr val="7F7F7F"/>
-                </a:solidFill>
-                <a:latin typeface="微软雅黑" panose="020B0503020204020204" pitchFamily="34" charset="-122"/>
-                <a:ea typeface="微软雅黑" panose="020B0503020204020204" pitchFamily="34" charset="-122"/>
-                <a:sym typeface="微软雅黑" panose="020B0503020204020204" pitchFamily="34" charset="-122"/>
-              </a:rPr>
-              <a:t>http://download.csdn.net/</a:t>
-            </a:r>
-            <a:endParaRPr lang="en-US" altLang="zh-CN" sz="900" b="1">
-              <a:solidFill>
-                <a:srgbClr val="7F7F7F"/>
-              </a:solidFill>
-              <a:latin typeface="微软雅黑" panose="020B0503020204020204" pitchFamily="34" charset="-122"/>
-              <a:ea typeface="微软雅黑" panose="020B0503020204020204" pitchFamily="34" charset="-122"/>
-              <a:sym typeface="微软雅黑" panose="020B0503020204020204" pitchFamily="34" charset="-122"/>
-            </a:endParaRPr>
-          </a:p>
-          <a:p>
-            <a:pPr eaLnBrk="1" hangingPunct="1"/>
-            <a:endParaRPr lang="zh-CN" altLang="en-US" sz="900">
-              <a:solidFill>
-                <a:srgbClr val="7F7F7F"/>
-              </a:solidFill>
-              <a:latin typeface="微软雅黑" panose="020B0503020204020204" pitchFamily="34" charset="-122"/>
-              <a:ea typeface="微软雅黑" panose="020B0503020204020204" pitchFamily="34" charset="-122"/>
-              <a:sym typeface="微软雅黑" panose="020B0503020204020204" pitchFamily="34" charset="-122"/>
             </a:endParaRPr>
           </a:p>
         </p:txBody>
@@ -10676,77 +9329,259 @@
           </a:p>
         </p:txBody>
       </p:sp>
+      <p:sp>
+        <p:nvSpPr>
+          <p:cNvPr id="8" name="矩形 6">
+            <a:extLst>
+              <a:ext uri="{FF2B5EF4-FFF2-40B4-BE49-F238E27FC236}">
+                <a16:creationId xmlns:a16="http://schemas.microsoft.com/office/drawing/2014/main" id="{97019FA3-2921-442A-AC31-53F7EAE1803B}"/>
+              </a:ext>
+            </a:extLst>
+          </p:cNvPr>
+          <p:cNvSpPr>
+            <a:spLocks noChangeArrowheads="1"/>
+          </p:cNvSpPr>
+          <p:nvPr/>
+        </p:nvSpPr>
+        <p:spPr bwMode="auto">
+          <a:xfrm>
+            <a:off x="0" y="4622222"/>
+            <a:ext cx="9144000" cy="538162"/>
+          </a:xfrm>
+          <a:prstGeom prst="rect">
+            <a:avLst/>
+          </a:prstGeom>
+          <a:solidFill>
+            <a:srgbClr val="C00000"/>
+          </a:solidFill>
+          <a:ln>
+            <a:noFill/>
+          </a:ln>
+          <a:extLst>
+            <a:ext uri="{91240B29-F687-4F45-9708-019B960494DF}">
+              <a14:hiddenLine xmlns:a14="http://schemas.microsoft.com/office/drawing/2010/main" w="25400">
+                <a:solidFill>
+                  <a:srgbClr val="395E8A"/>
+                </a:solidFill>
+                <a:bevel/>
+                <a:headEnd/>
+                <a:tailEnd/>
+              </a14:hiddenLine>
+            </a:ext>
+          </a:extLst>
+        </p:spPr>
+        <p:txBody>
+          <a:bodyPr anchor="ctr"/>
+          <a:lstStyle>
+            <a:lvl1pPr>
+              <a:buFont typeface="Arial" panose="020B0604020202020204" pitchFamily="34" charset="0"/>
+              <a:defRPr>
+                <a:solidFill>
+                  <a:schemeClr val="tx1"/>
+                </a:solidFill>
+                <a:latin typeface="Arial" panose="020B0604020202020204" pitchFamily="34" charset="0"/>
+                <a:ea typeface="宋体" panose="02010600030101010101" pitchFamily="2" charset="-122"/>
+              </a:defRPr>
+            </a:lvl1pPr>
+            <a:lvl2pPr marL="742950" indent="-285750">
+              <a:buFont typeface="Arial" panose="020B0604020202020204" pitchFamily="34" charset="0"/>
+              <a:defRPr>
+                <a:solidFill>
+                  <a:schemeClr val="tx1"/>
+                </a:solidFill>
+                <a:latin typeface="Arial" panose="020B0604020202020204" pitchFamily="34" charset="0"/>
+                <a:ea typeface="宋体" panose="02010600030101010101" pitchFamily="2" charset="-122"/>
+              </a:defRPr>
+            </a:lvl2pPr>
+            <a:lvl3pPr marL="1143000" indent="-228600">
+              <a:buFont typeface="Arial" panose="020B0604020202020204" pitchFamily="34" charset="0"/>
+              <a:defRPr>
+                <a:solidFill>
+                  <a:schemeClr val="tx1"/>
+                </a:solidFill>
+                <a:latin typeface="Arial" panose="020B0604020202020204" pitchFamily="34" charset="0"/>
+                <a:ea typeface="宋体" panose="02010600030101010101" pitchFamily="2" charset="-122"/>
+              </a:defRPr>
+            </a:lvl3pPr>
+            <a:lvl4pPr marL="1600200" indent="-228600">
+              <a:buFont typeface="Arial" panose="020B0604020202020204" pitchFamily="34" charset="0"/>
+              <a:defRPr>
+                <a:solidFill>
+                  <a:schemeClr val="tx1"/>
+                </a:solidFill>
+                <a:latin typeface="Arial" panose="020B0604020202020204" pitchFamily="34" charset="0"/>
+                <a:ea typeface="宋体" panose="02010600030101010101" pitchFamily="2" charset="-122"/>
+              </a:defRPr>
+            </a:lvl4pPr>
+            <a:lvl5pPr marL="2057400" indent="-228600">
+              <a:buFont typeface="Arial" panose="020B0604020202020204" pitchFamily="34" charset="0"/>
+              <a:defRPr>
+                <a:solidFill>
+                  <a:schemeClr val="tx1"/>
+                </a:solidFill>
+                <a:latin typeface="Arial" panose="020B0604020202020204" pitchFamily="34" charset="0"/>
+                <a:ea typeface="宋体" panose="02010600030101010101" pitchFamily="2" charset="-122"/>
+              </a:defRPr>
+            </a:lvl5pPr>
+            <a:lvl6pPr marL="2514600" indent="-228600" eaLnBrk="0" fontAlgn="base" hangingPunct="0">
+              <a:spcBef>
+                <a:spcPct val="0"/>
+              </a:spcBef>
+              <a:spcAft>
+                <a:spcPct val="0"/>
+              </a:spcAft>
+              <a:buFont typeface="Arial" panose="020B0604020202020204" pitchFamily="34" charset="0"/>
+              <a:defRPr>
+                <a:solidFill>
+                  <a:schemeClr val="tx1"/>
+                </a:solidFill>
+                <a:latin typeface="Arial" panose="020B0604020202020204" pitchFamily="34" charset="0"/>
+                <a:ea typeface="宋体" panose="02010600030101010101" pitchFamily="2" charset="-122"/>
+              </a:defRPr>
+            </a:lvl6pPr>
+            <a:lvl7pPr marL="2971800" indent="-228600" eaLnBrk="0" fontAlgn="base" hangingPunct="0">
+              <a:spcBef>
+                <a:spcPct val="0"/>
+              </a:spcBef>
+              <a:spcAft>
+                <a:spcPct val="0"/>
+              </a:spcAft>
+              <a:buFont typeface="Arial" panose="020B0604020202020204" pitchFamily="34" charset="0"/>
+              <a:defRPr>
+                <a:solidFill>
+                  <a:schemeClr val="tx1"/>
+                </a:solidFill>
+                <a:latin typeface="Arial" panose="020B0604020202020204" pitchFamily="34" charset="0"/>
+                <a:ea typeface="宋体" panose="02010600030101010101" pitchFamily="2" charset="-122"/>
+              </a:defRPr>
+            </a:lvl7pPr>
+            <a:lvl8pPr marL="3429000" indent="-228600" eaLnBrk="0" fontAlgn="base" hangingPunct="0">
+              <a:spcBef>
+                <a:spcPct val="0"/>
+              </a:spcBef>
+              <a:spcAft>
+                <a:spcPct val="0"/>
+              </a:spcAft>
+              <a:buFont typeface="Arial" panose="020B0604020202020204" pitchFamily="34" charset="0"/>
+              <a:defRPr>
+                <a:solidFill>
+                  <a:schemeClr val="tx1"/>
+                </a:solidFill>
+                <a:latin typeface="Arial" panose="020B0604020202020204" pitchFamily="34" charset="0"/>
+                <a:ea typeface="宋体" panose="02010600030101010101" pitchFamily="2" charset="-122"/>
+              </a:defRPr>
+            </a:lvl8pPr>
+            <a:lvl9pPr marL="3886200" indent="-228600" eaLnBrk="0" fontAlgn="base" hangingPunct="0">
+              <a:spcBef>
+                <a:spcPct val="0"/>
+              </a:spcBef>
+              <a:spcAft>
+                <a:spcPct val="0"/>
+              </a:spcAft>
+              <a:buFont typeface="Arial" panose="020B0604020202020204" pitchFamily="34" charset="0"/>
+              <a:defRPr>
+                <a:solidFill>
+                  <a:schemeClr val="tx1"/>
+                </a:solidFill>
+                <a:latin typeface="Arial" panose="020B0604020202020204" pitchFamily="34" charset="0"/>
+                <a:ea typeface="宋体" panose="02010600030101010101" pitchFamily="2" charset="-122"/>
+              </a:defRPr>
+            </a:lvl9pPr>
+          </a:lstStyle>
+          <a:p>
+            <a:pPr algn="ctr" eaLnBrk="1" hangingPunct="1"/>
+            <a:endParaRPr lang="zh-CN" altLang="zh-CN">
+              <a:solidFill>
+                <a:srgbClr val="FFFFFF"/>
+              </a:solidFill>
+              <a:latin typeface="宋体" panose="02010600030101010101" pitchFamily="2" charset="-122"/>
+              <a:sym typeface="宋体" panose="02010600030101010101" pitchFamily="2" charset="-122"/>
+            </a:endParaRPr>
+          </a:p>
+        </p:txBody>
+      </p:sp>
       <p:pic>
         <p:nvPicPr>
-          <p:cNvPr id="8199" name="Picture 2">
+          <p:cNvPr id="9" name="图片 8">
             <a:extLst>
               <a:ext uri="{FF2B5EF4-FFF2-40B4-BE49-F238E27FC236}">
-                <a16:creationId xmlns:a16="http://schemas.microsoft.com/office/drawing/2014/main" id="{2656A675-2838-4DE8-A1F0-DE7DF761E3B6}"/>
+                <a16:creationId xmlns:a16="http://schemas.microsoft.com/office/drawing/2014/main" id="{20998B28-A189-4803-A242-B5394D19D896}"/>
               </a:ext>
             </a:extLst>
           </p:cNvPr>
           <p:cNvPicPr>
-            <a:picLocks noChangeAspect="1" noChangeArrowheads="1"/>
+            <a:picLocks noChangeAspect="1"/>
           </p:cNvPicPr>
           <p:nvPr/>
         </p:nvPicPr>
         <p:blipFill>
-          <a:blip r:embed="rId3">
+          <a:blip r:embed="rId2">
             <a:extLst>
               <a:ext uri="{28A0092B-C50C-407E-A947-70E740481C1C}">
                 <a14:useLocalDpi xmlns:a14="http://schemas.microsoft.com/office/drawing/2010/main" val="0"/>
               </a:ext>
             </a:extLst>
           </a:blip>
-          <a:srcRect/>
           <a:stretch>
             <a:fillRect/>
           </a:stretch>
         </p:blipFill>
-        <p:spPr bwMode="auto">
+        <p:spPr>
           <a:xfrm>
-            <a:off x="107950" y="123825"/>
-            <a:ext cx="1296988" cy="539750"/>
+            <a:off x="251641" y="267559"/>
+            <a:ext cx="3379278" cy="4173683"/>
           </a:xfrm>
           <a:prstGeom prst="rect">
             <a:avLst/>
           </a:prstGeom>
-          <a:noFill/>
-          <a:ln>
-            <a:noFill/>
-          </a:ln>
-          <a:effectLst/>
-          <a:extLst>
-            <a:ext uri="{909E8E84-426E-40DD-AFC4-6F175D3DCCD1}">
-              <a14:hiddenFill xmlns:a14="http://schemas.microsoft.com/office/drawing/2010/main">
+        </p:spPr>
+      </p:pic>
+      <p:sp>
+        <p:nvSpPr>
+          <p:cNvPr id="10" name="矩形 9">
+            <a:extLst>
+              <a:ext uri="{FF2B5EF4-FFF2-40B4-BE49-F238E27FC236}">
+                <a16:creationId xmlns:a16="http://schemas.microsoft.com/office/drawing/2014/main" id="{786F9D3C-22E2-48DD-9EE6-2A4DB83E8E0C}"/>
+              </a:ext>
+            </a:extLst>
+          </p:cNvPr>
+          <p:cNvSpPr/>
+          <p:nvPr/>
+        </p:nvSpPr>
+        <p:spPr>
+          <a:xfrm>
+            <a:off x="6712629" y="4722628"/>
+            <a:ext cx="2431371" cy="369332"/>
+          </a:xfrm>
+          <a:prstGeom prst="rect">
+            <a:avLst/>
+          </a:prstGeom>
+        </p:spPr>
+        <p:txBody>
+          <a:bodyPr wrap="none">
+            <a:spAutoFit/>
+          </a:bodyPr>
+          <a:lstStyle/>
+          <a:p>
+            <a:r>
+              <a:rPr lang="en-US" altLang="zh-CN" dirty="0">
                 <a:solidFill>
                   <a:srgbClr val="FFFFFF"/>
                 </a:solidFill>
-              </a14:hiddenFill>
-            </a:ext>
-            <a:ext uri="{91240B29-F687-4F45-9708-019B960494DF}">
-              <a14:hiddenLine xmlns:a14="http://schemas.microsoft.com/office/drawing/2010/main" w="9525">
-                <a:solidFill>
-                  <a:srgbClr val="000000"/>
-                </a:solidFill>
-                <a:miter lim="800000"/>
-                <a:headEnd/>
-                <a:tailEnd/>
-              </a14:hiddenLine>
-            </a:ext>
-            <a:ext uri="{AF507438-7753-43E0-B8FC-AC1667EBCBE1}">
-              <a14:hiddenEffects xmlns:a14="http://schemas.microsoft.com/office/drawing/2010/main">
-                <a:effectLst>
-                  <a:outerShdw dist="35921" dir="2700000" algn="ctr" rotWithShape="0">
-                    <a:srgbClr val="808080"/>
-                  </a:outerShdw>
-                </a:effectLst>
-              </a14:hiddenEffects>
-            </a:ext>
-          </a:extLst>
-        </p:spPr>
-      </p:pic>
+                <a:latin typeface="MicrosoftYaHei"/>
+              </a:rPr>
+              <a:t>GRAPHICS LABORATORY</a:t>
+            </a:r>
+            <a:endParaRPr lang="zh-CN" altLang="en-US" dirty="0"/>
+          </a:p>
+        </p:txBody>
+      </p:sp>
     </p:spTree>
+    <p:extLst>
+      <p:ext uri="{BB962C8B-B14F-4D97-AF65-F5344CB8AC3E}">
+        <p14:creationId xmlns:p14="http://schemas.microsoft.com/office/powerpoint/2010/main" val="1226259202"/>
+      </p:ext>
+    </p:extLst>
   </p:cSld>
   <p:clrMapOvr>
     <a:masterClrMapping/>
@@ -10771,76 +9606,6 @@
           <a:chExt cx="0" cy="0"/>
         </a:xfrm>
       </p:grpSpPr>
-      <p:pic>
-        <p:nvPicPr>
-          <p:cNvPr id="3074" name="Picture 2">
-            <a:extLst>
-              <a:ext uri="{FF2B5EF4-FFF2-40B4-BE49-F238E27FC236}">
-                <a16:creationId xmlns:a16="http://schemas.microsoft.com/office/drawing/2014/main" id="{602C339E-BA86-4A21-AB6C-4F6D8491BC39}"/>
-              </a:ext>
-            </a:extLst>
-          </p:cNvPr>
-          <p:cNvPicPr>
-            <a:picLocks noChangeAspect="1" noChangeArrowheads="1"/>
-          </p:cNvPicPr>
-          <p:nvPr/>
-        </p:nvPicPr>
-        <p:blipFill>
-          <a:blip r:embed="rId2">
-            <a:extLst>
-              <a:ext uri="{28A0092B-C50C-407E-A947-70E740481C1C}">
-                <a14:useLocalDpi xmlns:a14="http://schemas.microsoft.com/office/drawing/2010/main" val="0"/>
-              </a:ext>
-            </a:extLst>
-          </a:blip>
-          <a:srcRect/>
-          <a:stretch>
-            <a:fillRect/>
-          </a:stretch>
-        </p:blipFill>
-        <p:spPr bwMode="auto">
-          <a:xfrm>
-            <a:off x="7956550" y="4606925"/>
-            <a:ext cx="1081088" cy="450850"/>
-          </a:xfrm>
-          <a:prstGeom prst="rect">
-            <a:avLst/>
-          </a:prstGeom>
-          <a:noFill/>
-          <a:ln>
-            <a:noFill/>
-          </a:ln>
-          <a:effectLst/>
-          <a:extLst>
-            <a:ext uri="{909E8E84-426E-40DD-AFC4-6F175D3DCCD1}">
-              <a14:hiddenFill xmlns:a14="http://schemas.microsoft.com/office/drawing/2010/main">
-                <a:solidFill>
-                  <a:srgbClr val="FFFFFF"/>
-                </a:solidFill>
-              </a14:hiddenFill>
-            </a:ext>
-            <a:ext uri="{91240B29-F687-4F45-9708-019B960494DF}">
-              <a14:hiddenLine xmlns:a14="http://schemas.microsoft.com/office/drawing/2010/main" w="9525">
-                <a:solidFill>
-                  <a:srgbClr val="000000"/>
-                </a:solidFill>
-                <a:miter lim="800000"/>
-                <a:headEnd/>
-                <a:tailEnd/>
-              </a14:hiddenLine>
-            </a:ext>
-            <a:ext uri="{AF507438-7753-43E0-B8FC-AC1667EBCBE1}">
-              <a14:hiddenEffects xmlns:a14="http://schemas.microsoft.com/office/drawing/2010/main">
-                <a:effectLst>
-                  <a:outerShdw dist="35921" dir="2700000" algn="ctr" rotWithShape="0">
-                    <a:srgbClr val="808080"/>
-                  </a:outerShdw>
-                </a:effectLst>
-              </a14:hiddenEffects>
-            </a:ext>
-          </a:extLst>
-        </p:spPr>
-      </p:pic>
       <p:sp>
         <p:nvSpPr>
           <p:cNvPr id="3075" name="Title 1">
@@ -11817,76 +10582,6 @@
           <a:chExt cx="0" cy="0"/>
         </a:xfrm>
       </p:grpSpPr>
-      <p:pic>
-        <p:nvPicPr>
-          <p:cNvPr id="3074" name="Picture 2">
-            <a:extLst>
-              <a:ext uri="{FF2B5EF4-FFF2-40B4-BE49-F238E27FC236}">
-                <a16:creationId xmlns:a16="http://schemas.microsoft.com/office/drawing/2014/main" id="{602C339E-BA86-4A21-AB6C-4F6D8491BC39}"/>
-              </a:ext>
-            </a:extLst>
-          </p:cNvPr>
-          <p:cNvPicPr>
-            <a:picLocks noChangeAspect="1" noChangeArrowheads="1"/>
-          </p:cNvPicPr>
-          <p:nvPr/>
-        </p:nvPicPr>
-        <p:blipFill>
-          <a:blip r:embed="rId2">
-            <a:extLst>
-              <a:ext uri="{28A0092B-C50C-407E-A947-70E740481C1C}">
-                <a14:useLocalDpi xmlns:a14="http://schemas.microsoft.com/office/drawing/2010/main" val="0"/>
-              </a:ext>
-            </a:extLst>
-          </a:blip>
-          <a:srcRect/>
-          <a:stretch>
-            <a:fillRect/>
-          </a:stretch>
-        </p:blipFill>
-        <p:spPr bwMode="auto">
-          <a:xfrm>
-            <a:off x="7956550" y="4606925"/>
-            <a:ext cx="1081088" cy="450850"/>
-          </a:xfrm>
-          <a:prstGeom prst="rect">
-            <a:avLst/>
-          </a:prstGeom>
-          <a:noFill/>
-          <a:ln>
-            <a:noFill/>
-          </a:ln>
-          <a:effectLst/>
-          <a:extLst>
-            <a:ext uri="{909E8E84-426E-40DD-AFC4-6F175D3DCCD1}">
-              <a14:hiddenFill xmlns:a14="http://schemas.microsoft.com/office/drawing/2010/main">
-                <a:solidFill>
-                  <a:srgbClr val="FFFFFF"/>
-                </a:solidFill>
-              </a14:hiddenFill>
-            </a:ext>
-            <a:ext uri="{91240B29-F687-4F45-9708-019B960494DF}">
-              <a14:hiddenLine xmlns:a14="http://schemas.microsoft.com/office/drawing/2010/main" w="9525">
-                <a:solidFill>
-                  <a:srgbClr val="000000"/>
-                </a:solidFill>
-                <a:miter lim="800000"/>
-                <a:headEnd/>
-                <a:tailEnd/>
-              </a14:hiddenLine>
-            </a:ext>
-            <a:ext uri="{AF507438-7753-43E0-B8FC-AC1667EBCBE1}">
-              <a14:hiddenEffects xmlns:a14="http://schemas.microsoft.com/office/drawing/2010/main">
-                <a:effectLst>
-                  <a:outerShdw dist="35921" dir="2700000" algn="ctr" rotWithShape="0">
-                    <a:srgbClr val="808080"/>
-                  </a:outerShdw>
-                </a:effectLst>
-              </a14:hiddenEffects>
-            </a:ext>
-          </a:extLst>
-        </p:spPr>
-      </p:pic>
       <p:sp>
         <p:nvSpPr>
           <p:cNvPr id="3075" name="Title 1">
@@ -12526,76 +11221,6 @@
           <a:chExt cx="0" cy="0"/>
         </a:xfrm>
       </p:grpSpPr>
-      <p:pic>
-        <p:nvPicPr>
-          <p:cNvPr id="3074" name="Picture 2">
-            <a:extLst>
-              <a:ext uri="{FF2B5EF4-FFF2-40B4-BE49-F238E27FC236}">
-                <a16:creationId xmlns:a16="http://schemas.microsoft.com/office/drawing/2014/main" id="{602C339E-BA86-4A21-AB6C-4F6D8491BC39}"/>
-              </a:ext>
-            </a:extLst>
-          </p:cNvPr>
-          <p:cNvPicPr>
-            <a:picLocks noChangeAspect="1" noChangeArrowheads="1"/>
-          </p:cNvPicPr>
-          <p:nvPr/>
-        </p:nvPicPr>
-        <p:blipFill>
-          <a:blip r:embed="rId2">
-            <a:extLst>
-              <a:ext uri="{28A0092B-C50C-407E-A947-70E740481C1C}">
-                <a14:useLocalDpi xmlns:a14="http://schemas.microsoft.com/office/drawing/2010/main" val="0"/>
-              </a:ext>
-            </a:extLst>
-          </a:blip>
-          <a:srcRect/>
-          <a:stretch>
-            <a:fillRect/>
-          </a:stretch>
-        </p:blipFill>
-        <p:spPr bwMode="auto">
-          <a:xfrm>
-            <a:off x="7956550" y="4606925"/>
-            <a:ext cx="1081088" cy="450850"/>
-          </a:xfrm>
-          <a:prstGeom prst="rect">
-            <a:avLst/>
-          </a:prstGeom>
-          <a:noFill/>
-          <a:ln>
-            <a:noFill/>
-          </a:ln>
-          <a:effectLst/>
-          <a:extLst>
-            <a:ext uri="{909E8E84-426E-40DD-AFC4-6F175D3DCCD1}">
-              <a14:hiddenFill xmlns:a14="http://schemas.microsoft.com/office/drawing/2010/main">
-                <a:solidFill>
-                  <a:srgbClr val="FFFFFF"/>
-                </a:solidFill>
-              </a14:hiddenFill>
-            </a:ext>
-            <a:ext uri="{91240B29-F687-4F45-9708-019B960494DF}">
-              <a14:hiddenLine xmlns:a14="http://schemas.microsoft.com/office/drawing/2010/main" w="9525">
-                <a:solidFill>
-                  <a:srgbClr val="000000"/>
-                </a:solidFill>
-                <a:miter lim="800000"/>
-                <a:headEnd/>
-                <a:tailEnd/>
-              </a14:hiddenLine>
-            </a:ext>
-            <a:ext uri="{AF507438-7753-43E0-B8FC-AC1667EBCBE1}">
-              <a14:hiddenEffects xmlns:a14="http://schemas.microsoft.com/office/drawing/2010/main">
-                <a:effectLst>
-                  <a:outerShdw dist="35921" dir="2700000" algn="ctr" rotWithShape="0">
-                    <a:srgbClr val="808080"/>
-                  </a:outerShdw>
-                </a:effectLst>
-              </a14:hiddenEffects>
-            </a:ext>
-          </a:extLst>
-        </p:spPr>
-      </p:pic>
       <p:sp>
         <p:nvSpPr>
           <p:cNvPr id="3075" name="Title 1">
@@ -13683,76 +12308,6 @@
           <a:chExt cx="0" cy="0"/>
         </a:xfrm>
       </p:grpSpPr>
-      <p:pic>
-        <p:nvPicPr>
-          <p:cNvPr id="3074" name="Picture 2">
-            <a:extLst>
-              <a:ext uri="{FF2B5EF4-FFF2-40B4-BE49-F238E27FC236}">
-                <a16:creationId xmlns:a16="http://schemas.microsoft.com/office/drawing/2014/main" id="{602C339E-BA86-4A21-AB6C-4F6D8491BC39}"/>
-              </a:ext>
-            </a:extLst>
-          </p:cNvPr>
-          <p:cNvPicPr>
-            <a:picLocks noChangeAspect="1" noChangeArrowheads="1"/>
-          </p:cNvPicPr>
-          <p:nvPr/>
-        </p:nvPicPr>
-        <p:blipFill>
-          <a:blip r:embed="rId2">
-            <a:extLst>
-              <a:ext uri="{28A0092B-C50C-407E-A947-70E740481C1C}">
-                <a14:useLocalDpi xmlns:a14="http://schemas.microsoft.com/office/drawing/2010/main" val="0"/>
-              </a:ext>
-            </a:extLst>
-          </a:blip>
-          <a:srcRect/>
-          <a:stretch>
-            <a:fillRect/>
-          </a:stretch>
-        </p:blipFill>
-        <p:spPr bwMode="auto">
-          <a:xfrm>
-            <a:off x="7956550" y="4606925"/>
-            <a:ext cx="1081088" cy="450850"/>
-          </a:xfrm>
-          <a:prstGeom prst="rect">
-            <a:avLst/>
-          </a:prstGeom>
-          <a:noFill/>
-          <a:ln>
-            <a:noFill/>
-          </a:ln>
-          <a:effectLst/>
-          <a:extLst>
-            <a:ext uri="{909E8E84-426E-40DD-AFC4-6F175D3DCCD1}">
-              <a14:hiddenFill xmlns:a14="http://schemas.microsoft.com/office/drawing/2010/main">
-                <a:solidFill>
-                  <a:srgbClr val="FFFFFF"/>
-                </a:solidFill>
-              </a14:hiddenFill>
-            </a:ext>
-            <a:ext uri="{91240B29-F687-4F45-9708-019B960494DF}">
-              <a14:hiddenLine xmlns:a14="http://schemas.microsoft.com/office/drawing/2010/main" w="9525">
-                <a:solidFill>
-                  <a:srgbClr val="000000"/>
-                </a:solidFill>
-                <a:miter lim="800000"/>
-                <a:headEnd/>
-                <a:tailEnd/>
-              </a14:hiddenLine>
-            </a:ext>
-            <a:ext uri="{AF507438-7753-43E0-B8FC-AC1667EBCBE1}">
-              <a14:hiddenEffects xmlns:a14="http://schemas.microsoft.com/office/drawing/2010/main">
-                <a:effectLst>
-                  <a:outerShdw dist="35921" dir="2700000" algn="ctr" rotWithShape="0">
-                    <a:srgbClr val="808080"/>
-                  </a:outerShdw>
-                </a:effectLst>
-              </a14:hiddenEffects>
-            </a:ext>
-          </a:extLst>
-        </p:spPr>
-      </p:pic>
       <p:sp>
         <p:nvSpPr>
           <p:cNvPr id="3075" name="Title 1">
@@ -14504,76 +13059,6 @@
           <a:chExt cx="0" cy="0"/>
         </a:xfrm>
       </p:grpSpPr>
-      <p:pic>
-        <p:nvPicPr>
-          <p:cNvPr id="3074" name="Picture 2">
-            <a:extLst>
-              <a:ext uri="{FF2B5EF4-FFF2-40B4-BE49-F238E27FC236}">
-                <a16:creationId xmlns:a16="http://schemas.microsoft.com/office/drawing/2014/main" id="{602C339E-BA86-4A21-AB6C-4F6D8491BC39}"/>
-              </a:ext>
-            </a:extLst>
-          </p:cNvPr>
-          <p:cNvPicPr>
-            <a:picLocks noChangeAspect="1" noChangeArrowheads="1"/>
-          </p:cNvPicPr>
-          <p:nvPr/>
-        </p:nvPicPr>
-        <p:blipFill>
-          <a:blip r:embed="rId2">
-            <a:extLst>
-              <a:ext uri="{28A0092B-C50C-407E-A947-70E740481C1C}">
-                <a14:useLocalDpi xmlns:a14="http://schemas.microsoft.com/office/drawing/2010/main" val="0"/>
-              </a:ext>
-            </a:extLst>
-          </a:blip>
-          <a:srcRect/>
-          <a:stretch>
-            <a:fillRect/>
-          </a:stretch>
-        </p:blipFill>
-        <p:spPr bwMode="auto">
-          <a:xfrm>
-            <a:off x="7956550" y="4606925"/>
-            <a:ext cx="1081088" cy="450850"/>
-          </a:xfrm>
-          <a:prstGeom prst="rect">
-            <a:avLst/>
-          </a:prstGeom>
-          <a:noFill/>
-          <a:ln>
-            <a:noFill/>
-          </a:ln>
-          <a:effectLst/>
-          <a:extLst>
-            <a:ext uri="{909E8E84-426E-40DD-AFC4-6F175D3DCCD1}">
-              <a14:hiddenFill xmlns:a14="http://schemas.microsoft.com/office/drawing/2010/main">
-                <a:solidFill>
-                  <a:srgbClr val="FFFFFF"/>
-                </a:solidFill>
-              </a14:hiddenFill>
-            </a:ext>
-            <a:ext uri="{91240B29-F687-4F45-9708-019B960494DF}">
-              <a14:hiddenLine xmlns:a14="http://schemas.microsoft.com/office/drawing/2010/main" w="9525">
-                <a:solidFill>
-                  <a:srgbClr val="000000"/>
-                </a:solidFill>
-                <a:miter lim="800000"/>
-                <a:headEnd/>
-                <a:tailEnd/>
-              </a14:hiddenLine>
-            </a:ext>
-            <a:ext uri="{AF507438-7753-43E0-B8FC-AC1667EBCBE1}">
-              <a14:hiddenEffects xmlns:a14="http://schemas.microsoft.com/office/drawing/2010/main">
-                <a:effectLst>
-                  <a:outerShdw dist="35921" dir="2700000" algn="ctr" rotWithShape="0">
-                    <a:srgbClr val="808080"/>
-                  </a:outerShdw>
-                </a:effectLst>
-              </a14:hiddenEffects>
-            </a:ext>
-          </a:extLst>
-        </p:spPr>
-      </p:pic>
       <p:sp>
         <p:nvSpPr>
           <p:cNvPr id="3075" name="Title 1">
@@ -15217,76 +13702,6 @@
           <a:chExt cx="0" cy="0"/>
         </a:xfrm>
       </p:grpSpPr>
-      <p:pic>
-        <p:nvPicPr>
-          <p:cNvPr id="3074" name="Picture 2">
-            <a:extLst>
-              <a:ext uri="{FF2B5EF4-FFF2-40B4-BE49-F238E27FC236}">
-                <a16:creationId xmlns:a16="http://schemas.microsoft.com/office/drawing/2014/main" id="{602C339E-BA86-4A21-AB6C-4F6D8491BC39}"/>
-              </a:ext>
-            </a:extLst>
-          </p:cNvPr>
-          <p:cNvPicPr>
-            <a:picLocks noChangeAspect="1" noChangeArrowheads="1"/>
-          </p:cNvPicPr>
-          <p:nvPr/>
-        </p:nvPicPr>
-        <p:blipFill>
-          <a:blip r:embed="rId2">
-            <a:extLst>
-              <a:ext uri="{28A0092B-C50C-407E-A947-70E740481C1C}">
-                <a14:useLocalDpi xmlns:a14="http://schemas.microsoft.com/office/drawing/2010/main" val="0"/>
-              </a:ext>
-            </a:extLst>
-          </a:blip>
-          <a:srcRect/>
-          <a:stretch>
-            <a:fillRect/>
-          </a:stretch>
-        </p:blipFill>
-        <p:spPr bwMode="auto">
-          <a:xfrm>
-            <a:off x="7956550" y="4606925"/>
-            <a:ext cx="1081088" cy="450850"/>
-          </a:xfrm>
-          <a:prstGeom prst="rect">
-            <a:avLst/>
-          </a:prstGeom>
-          <a:noFill/>
-          <a:ln>
-            <a:noFill/>
-          </a:ln>
-          <a:effectLst/>
-          <a:extLst>
-            <a:ext uri="{909E8E84-426E-40DD-AFC4-6F175D3DCCD1}">
-              <a14:hiddenFill xmlns:a14="http://schemas.microsoft.com/office/drawing/2010/main">
-                <a:solidFill>
-                  <a:srgbClr val="FFFFFF"/>
-                </a:solidFill>
-              </a14:hiddenFill>
-            </a:ext>
-            <a:ext uri="{91240B29-F687-4F45-9708-019B960494DF}">
-              <a14:hiddenLine xmlns:a14="http://schemas.microsoft.com/office/drawing/2010/main" w="9525">
-                <a:solidFill>
-                  <a:srgbClr val="000000"/>
-                </a:solidFill>
-                <a:miter lim="800000"/>
-                <a:headEnd/>
-                <a:tailEnd/>
-              </a14:hiddenLine>
-            </a:ext>
-            <a:ext uri="{AF507438-7753-43E0-B8FC-AC1667EBCBE1}">
-              <a14:hiddenEffects xmlns:a14="http://schemas.microsoft.com/office/drawing/2010/main">
-                <a:effectLst>
-                  <a:outerShdw dist="35921" dir="2700000" algn="ctr" rotWithShape="0">
-                    <a:srgbClr val="808080"/>
-                  </a:outerShdw>
-                </a:effectLst>
-              </a14:hiddenEffects>
-            </a:ext>
-          </a:extLst>
-        </p:spPr>
-      </p:pic>
       <p:sp>
         <p:nvSpPr>
           <p:cNvPr id="3075" name="Title 1">
@@ -16715,76 +15130,6 @@
           <a:chExt cx="0" cy="0"/>
         </a:xfrm>
       </p:grpSpPr>
-      <p:pic>
-        <p:nvPicPr>
-          <p:cNvPr id="3074" name="Picture 2">
-            <a:extLst>
-              <a:ext uri="{FF2B5EF4-FFF2-40B4-BE49-F238E27FC236}">
-                <a16:creationId xmlns:a16="http://schemas.microsoft.com/office/drawing/2014/main" id="{602C339E-BA86-4A21-AB6C-4F6D8491BC39}"/>
-              </a:ext>
-            </a:extLst>
-          </p:cNvPr>
-          <p:cNvPicPr>
-            <a:picLocks noChangeAspect="1" noChangeArrowheads="1"/>
-          </p:cNvPicPr>
-          <p:nvPr/>
-        </p:nvPicPr>
-        <p:blipFill>
-          <a:blip r:embed="rId2">
-            <a:extLst>
-              <a:ext uri="{28A0092B-C50C-407E-A947-70E740481C1C}">
-                <a14:useLocalDpi xmlns:a14="http://schemas.microsoft.com/office/drawing/2010/main" val="0"/>
-              </a:ext>
-            </a:extLst>
-          </a:blip>
-          <a:srcRect/>
-          <a:stretch>
-            <a:fillRect/>
-          </a:stretch>
-        </p:blipFill>
-        <p:spPr bwMode="auto">
-          <a:xfrm>
-            <a:off x="7956550" y="4606925"/>
-            <a:ext cx="1081088" cy="450850"/>
-          </a:xfrm>
-          <a:prstGeom prst="rect">
-            <a:avLst/>
-          </a:prstGeom>
-          <a:noFill/>
-          <a:ln>
-            <a:noFill/>
-          </a:ln>
-          <a:effectLst/>
-          <a:extLst>
-            <a:ext uri="{909E8E84-426E-40DD-AFC4-6F175D3DCCD1}">
-              <a14:hiddenFill xmlns:a14="http://schemas.microsoft.com/office/drawing/2010/main">
-                <a:solidFill>
-                  <a:srgbClr val="FFFFFF"/>
-                </a:solidFill>
-              </a14:hiddenFill>
-            </a:ext>
-            <a:ext uri="{91240B29-F687-4F45-9708-019B960494DF}">
-              <a14:hiddenLine xmlns:a14="http://schemas.microsoft.com/office/drawing/2010/main" w="9525">
-                <a:solidFill>
-                  <a:srgbClr val="000000"/>
-                </a:solidFill>
-                <a:miter lim="800000"/>
-                <a:headEnd/>
-                <a:tailEnd/>
-              </a14:hiddenLine>
-            </a:ext>
-            <a:ext uri="{AF507438-7753-43E0-B8FC-AC1667EBCBE1}">
-              <a14:hiddenEffects xmlns:a14="http://schemas.microsoft.com/office/drawing/2010/main">
-                <a:effectLst>
-                  <a:outerShdw dist="35921" dir="2700000" algn="ctr" rotWithShape="0">
-                    <a:srgbClr val="808080"/>
-                  </a:outerShdw>
-                </a:effectLst>
-              </a14:hiddenEffects>
-            </a:ext>
-          </a:extLst>
-        </p:spPr>
-      </p:pic>
       <p:sp>
         <p:nvSpPr>
           <p:cNvPr id="3075" name="Title 1">
@@ -17572,76 +15917,6 @@
           <a:chExt cx="0" cy="0"/>
         </a:xfrm>
       </p:grpSpPr>
-      <p:pic>
-        <p:nvPicPr>
-          <p:cNvPr id="3074" name="Picture 2">
-            <a:extLst>
-              <a:ext uri="{FF2B5EF4-FFF2-40B4-BE49-F238E27FC236}">
-                <a16:creationId xmlns:a16="http://schemas.microsoft.com/office/drawing/2014/main" id="{602C339E-BA86-4A21-AB6C-4F6D8491BC39}"/>
-              </a:ext>
-            </a:extLst>
-          </p:cNvPr>
-          <p:cNvPicPr>
-            <a:picLocks noChangeAspect="1" noChangeArrowheads="1"/>
-          </p:cNvPicPr>
-          <p:nvPr/>
-        </p:nvPicPr>
-        <p:blipFill>
-          <a:blip r:embed="rId2">
-            <a:extLst>
-              <a:ext uri="{28A0092B-C50C-407E-A947-70E740481C1C}">
-                <a14:useLocalDpi xmlns:a14="http://schemas.microsoft.com/office/drawing/2010/main" val="0"/>
-              </a:ext>
-            </a:extLst>
-          </a:blip>
-          <a:srcRect/>
-          <a:stretch>
-            <a:fillRect/>
-          </a:stretch>
-        </p:blipFill>
-        <p:spPr bwMode="auto">
-          <a:xfrm>
-            <a:off x="7956550" y="4606925"/>
-            <a:ext cx="1081088" cy="450850"/>
-          </a:xfrm>
-          <a:prstGeom prst="rect">
-            <a:avLst/>
-          </a:prstGeom>
-          <a:noFill/>
-          <a:ln>
-            <a:noFill/>
-          </a:ln>
-          <a:effectLst/>
-          <a:extLst>
-            <a:ext uri="{909E8E84-426E-40DD-AFC4-6F175D3DCCD1}">
-              <a14:hiddenFill xmlns:a14="http://schemas.microsoft.com/office/drawing/2010/main">
-                <a:solidFill>
-                  <a:srgbClr val="FFFFFF"/>
-                </a:solidFill>
-              </a14:hiddenFill>
-            </a:ext>
-            <a:ext uri="{91240B29-F687-4F45-9708-019B960494DF}">
-              <a14:hiddenLine xmlns:a14="http://schemas.microsoft.com/office/drawing/2010/main" w="9525">
-                <a:solidFill>
-                  <a:srgbClr val="000000"/>
-                </a:solidFill>
-                <a:miter lim="800000"/>
-                <a:headEnd/>
-                <a:tailEnd/>
-              </a14:hiddenLine>
-            </a:ext>
-            <a:ext uri="{AF507438-7753-43E0-B8FC-AC1667EBCBE1}">
-              <a14:hiddenEffects xmlns:a14="http://schemas.microsoft.com/office/drawing/2010/main">
-                <a:effectLst>
-                  <a:outerShdw dist="35921" dir="2700000" algn="ctr" rotWithShape="0">
-                    <a:srgbClr val="808080"/>
-                  </a:outerShdw>
-                </a:effectLst>
-              </a14:hiddenEffects>
-            </a:ext>
-          </a:extLst>
-        </p:spPr>
-      </p:pic>
       <p:sp>
         <p:nvSpPr>
           <p:cNvPr id="3075" name="Title 1">
